--- a/REACT/assets/react 分享.pptx
+++ b/REACT/assets/react 分享.pptx
@@ -1,14 +1,23 @@
 
 <file path=ppt/presentation.xml><?xml version="1.0" encoding="utf-8"?>
-<p:presentation xmlns:a="http://schemas.openxmlformats.org/drawingml/2006/main" xmlns:r="http://schemas.openxmlformats.org/officeDocument/2006/relationships" xmlns:p="http://schemas.openxmlformats.org/presentationml/2006/main" saveSubsetFonts="1" autoCompressPictures="0">
+<p:presentation xmlns:a="http://schemas.openxmlformats.org/drawingml/2006/main" xmlns:r="http://schemas.openxmlformats.org/officeDocument/2006/relationships" xmlns:p="http://schemas.openxmlformats.org/presentationml/2006/main" autoCompressPictures="0">
   <p:sldMasterIdLst>
     <p:sldMasterId id="2147483648" r:id="rId1"/>
   </p:sldMasterIdLst>
   <p:sldIdLst>
-    <p:sldId id="256" r:id="rId2"/>
-    <p:sldId id="258" r:id="rId3"/>
-    <p:sldId id="257" r:id="rId4"/>
-    <p:sldId id="259" r:id="rId5"/>
+    <p:sldId id="256" r:id="rId3"/>
+    <p:sldId id="258" r:id="rId4"/>
+    <p:sldId id="257" r:id="rId5"/>
+    <p:sldId id="259" r:id="rId6"/>
+    <p:sldId id="262" r:id="rId7"/>
+    <p:sldId id="265" r:id="rId8"/>
+    <p:sldId id="266" r:id="rId9"/>
+    <p:sldId id="269" r:id="rId10"/>
+    <p:sldId id="270" r:id="rId11"/>
+    <p:sldId id="271" r:id="rId12"/>
+    <p:sldId id="272" r:id="rId13"/>
+    <p:sldId id="273" r:id="rId14"/>
+    <p:sldId id="274" r:id="rId15"/>
   </p:sldIdLst>
   <p:sldSz cx="12192000" cy="6858000"/>
   <p:notesSz cx="6858000" cy="9144000"/>
@@ -111,7 +120,7 @@
 </file>
 
 <file path=ppt/slideLayouts/slideLayout1.xml><?xml version="1.0" encoding="utf-8"?>
-<p:sldLayout xmlns:a="http://schemas.openxmlformats.org/drawingml/2006/main" xmlns:r="http://schemas.openxmlformats.org/officeDocument/2006/relationships" xmlns:p="http://schemas.openxmlformats.org/presentationml/2006/main" showMasterSp="0" type="title" preserve="1">
+<p:sldLayout xmlns:a="http://schemas.openxmlformats.org/drawingml/2006/main" xmlns:r="http://schemas.openxmlformats.org/officeDocument/2006/relationships" xmlns:p="http://schemas.openxmlformats.org/presentationml/2006/main" type="title" preserve="1" showMasterSp="0">
   <p:cSld name="标题幻灯片">
     <p:spTree>
       <p:nvGrpSpPr>
@@ -158,15 +167,6 @@
             <a:avLst/>
           </a:prstGeom>
           <a:noFill/>
-          <a:extLst>
-            <a:ext uri="{909E8E84-426E-40dd-AFC4-6F175D3DCCD1}">
-              <a14:hiddenFill xmlns:a14="http://schemas.microsoft.com/office/drawing/2010/main" xmlns="">
-                <a:solidFill>
-                  <a:srgbClr val="FFFFFF"/>
-                </a:solidFill>
-              </a14:hiddenFill>
-            </a:ext>
-          </a:extLst>
         </p:spPr>
       </p:pic>
       <p:grpSp>
@@ -218,18 +218,6 @@
             <a:ln>
               <a:noFill/>
             </a:ln>
-            <a:extLst>
-              <a:ext uri="{91240B29-F687-4f45-9708-019B960494DF}">
-                <a14:hiddenLine xmlns:a14="http://schemas.microsoft.com/office/drawing/2010/main" xmlns="" w="9525">
-                  <a:solidFill>
-                    <a:srgbClr val="000000"/>
-                  </a:solidFill>
-                  <a:miter lim="800000"/>
-                  <a:headEnd/>
-                  <a:tailEnd/>
-                </a14:hiddenLine>
-              </a:ext>
-            </a:extLst>
           </p:spPr>
         </p:sp>
         <p:sp>
@@ -308,18 +296,6 @@
             <a:ln>
               <a:noFill/>
             </a:ln>
-            <a:extLst>
-              <a:ext uri="{91240B29-F687-4f45-9708-019B960494DF}">
-                <a14:hiddenLine xmlns:a14="http://schemas.microsoft.com/office/drawing/2010/main" xmlns="" w="9525">
-                  <a:solidFill>
-                    <a:srgbClr val="000000"/>
-                  </a:solidFill>
-                  <a:round/>
-                  <a:headEnd/>
-                  <a:tailEnd/>
-                </a14:hiddenLine>
-              </a:ext>
-            </a:extLst>
           </p:spPr>
         </p:sp>
         <p:sp>
@@ -398,18 +374,6 @@
             <a:ln>
               <a:noFill/>
             </a:ln>
-            <a:extLst>
-              <a:ext uri="{91240B29-F687-4f45-9708-019B960494DF}">
-                <a14:hiddenLine xmlns:a14="http://schemas.microsoft.com/office/drawing/2010/main" xmlns="" w="9525">
-                  <a:solidFill>
-                    <a:srgbClr val="000000"/>
-                  </a:solidFill>
-                  <a:round/>
-                  <a:headEnd/>
-                  <a:tailEnd/>
-                </a14:hiddenLine>
-              </a:ext>
-            </a:extLst>
           </p:spPr>
         </p:sp>
         <p:sp>
@@ -432,18 +396,6 @@
             <a:ln>
               <a:noFill/>
             </a:ln>
-            <a:extLst>
-              <a:ext uri="{91240B29-F687-4f45-9708-019B960494DF}">
-                <a14:hiddenLine xmlns:a14="http://schemas.microsoft.com/office/drawing/2010/main" xmlns="" w="9525">
-                  <a:solidFill>
-                    <a:srgbClr val="000000"/>
-                  </a:solidFill>
-                  <a:miter lim="800000"/>
-                  <a:headEnd/>
-                  <a:tailEnd/>
-                </a14:hiddenLine>
-              </a:ext>
-            </a:extLst>
           </p:spPr>
         </p:sp>
         <p:sp>
@@ -522,18 +474,6 @@
             <a:ln>
               <a:noFill/>
             </a:ln>
-            <a:extLst>
-              <a:ext uri="{91240B29-F687-4f45-9708-019B960494DF}">
-                <a14:hiddenLine xmlns:a14="http://schemas.microsoft.com/office/drawing/2010/main" xmlns="" w="9525">
-                  <a:solidFill>
-                    <a:srgbClr val="000000"/>
-                  </a:solidFill>
-                  <a:round/>
-                  <a:headEnd/>
-                  <a:tailEnd/>
-                </a14:hiddenLine>
-              </a:ext>
-            </a:extLst>
           </p:spPr>
         </p:sp>
         <p:sp>
@@ -584,18 +524,6 @@
             <a:ln>
               <a:noFill/>
             </a:ln>
-            <a:extLst>
-              <a:ext uri="{91240B29-F687-4f45-9708-019B960494DF}">
-                <a14:hiddenLine xmlns:a14="http://schemas.microsoft.com/office/drawing/2010/main" xmlns="" w="9525">
-                  <a:solidFill>
-                    <a:srgbClr val="000000"/>
-                  </a:solidFill>
-                  <a:round/>
-                  <a:headEnd/>
-                  <a:tailEnd/>
-                </a14:hiddenLine>
-              </a:ext>
-            </a:extLst>
           </p:spPr>
         </p:sp>
         <p:sp>
@@ -646,18 +574,6 @@
             <a:ln>
               <a:noFill/>
             </a:ln>
-            <a:extLst>
-              <a:ext uri="{91240B29-F687-4f45-9708-019B960494DF}">
-                <a14:hiddenLine xmlns:a14="http://schemas.microsoft.com/office/drawing/2010/main" xmlns="" w="9525">
-                  <a:solidFill>
-                    <a:srgbClr val="000000"/>
-                  </a:solidFill>
-                  <a:round/>
-                  <a:headEnd/>
-                  <a:tailEnd/>
-                </a14:hiddenLine>
-              </a:ext>
-            </a:extLst>
           </p:spPr>
         </p:sp>
         <p:sp>
@@ -736,18 +652,6 @@
             <a:ln>
               <a:noFill/>
             </a:ln>
-            <a:extLst>
-              <a:ext uri="{91240B29-F687-4f45-9708-019B960494DF}">
-                <a14:hiddenLine xmlns:a14="http://schemas.microsoft.com/office/drawing/2010/main" xmlns="" w="9525">
-                  <a:solidFill>
-                    <a:srgbClr val="000000"/>
-                  </a:solidFill>
-                  <a:round/>
-                  <a:headEnd/>
-                  <a:tailEnd/>
-                </a14:hiddenLine>
-              </a:ext>
-            </a:extLst>
           </p:spPr>
         </p:sp>
         <p:sp>
@@ -798,18 +702,6 @@
             <a:ln>
               <a:noFill/>
             </a:ln>
-            <a:extLst>
-              <a:ext uri="{91240B29-F687-4f45-9708-019B960494DF}">
-                <a14:hiddenLine xmlns:a14="http://schemas.microsoft.com/office/drawing/2010/main" xmlns="" w="9525">
-                  <a:solidFill>
-                    <a:srgbClr val="000000"/>
-                  </a:solidFill>
-                  <a:round/>
-                  <a:headEnd/>
-                  <a:tailEnd/>
-                </a14:hiddenLine>
-              </a:ext>
-            </a:extLst>
           </p:spPr>
         </p:sp>
         <p:sp>
@@ -860,18 +752,6 @@
             <a:ln>
               <a:noFill/>
             </a:ln>
-            <a:extLst>
-              <a:ext uri="{91240B29-F687-4f45-9708-019B960494DF}">
-                <a14:hiddenLine xmlns:a14="http://schemas.microsoft.com/office/drawing/2010/main" xmlns="" w="9525">
-                  <a:solidFill>
-                    <a:srgbClr val="000000"/>
-                  </a:solidFill>
-                  <a:round/>
-                  <a:headEnd/>
-                  <a:tailEnd/>
-                </a14:hiddenLine>
-              </a:ext>
-            </a:extLst>
           </p:spPr>
         </p:sp>
         <p:sp>
@@ -950,18 +830,6 @@
             <a:ln>
               <a:noFill/>
             </a:ln>
-            <a:extLst>
-              <a:ext uri="{91240B29-F687-4f45-9708-019B960494DF}">
-                <a14:hiddenLine xmlns:a14="http://schemas.microsoft.com/office/drawing/2010/main" xmlns="" w="9525">
-                  <a:solidFill>
-                    <a:srgbClr val="000000"/>
-                  </a:solidFill>
-                  <a:round/>
-                  <a:headEnd/>
-                  <a:tailEnd/>
-                </a14:hiddenLine>
-              </a:ext>
-            </a:extLst>
           </p:spPr>
         </p:sp>
         <p:sp>
@@ -1040,18 +908,6 @@
             <a:ln>
               <a:noFill/>
             </a:ln>
-            <a:extLst>
-              <a:ext uri="{91240B29-F687-4f45-9708-019B960494DF}">
-                <a14:hiddenLine xmlns:a14="http://schemas.microsoft.com/office/drawing/2010/main" xmlns="" w="9525">
-                  <a:solidFill>
-                    <a:srgbClr val="000000"/>
-                  </a:solidFill>
-                  <a:round/>
-                  <a:headEnd/>
-                  <a:tailEnd/>
-                </a14:hiddenLine>
-              </a:ext>
-            </a:extLst>
           </p:spPr>
         </p:sp>
         <p:sp>
@@ -1102,18 +958,6 @@
             <a:ln>
               <a:noFill/>
             </a:ln>
-            <a:extLst>
-              <a:ext uri="{91240B29-F687-4f45-9708-019B960494DF}">
-                <a14:hiddenLine xmlns:a14="http://schemas.microsoft.com/office/drawing/2010/main" xmlns="" w="9525">
-                  <a:solidFill>
-                    <a:srgbClr val="000000"/>
-                  </a:solidFill>
-                  <a:round/>
-                  <a:headEnd/>
-                  <a:tailEnd/>
-                </a14:hiddenLine>
-              </a:ext>
-            </a:extLst>
           </p:spPr>
         </p:sp>
         <p:sp>
@@ -1212,18 +1056,6 @@
             <a:ln>
               <a:noFill/>
             </a:ln>
-            <a:extLst>
-              <a:ext uri="{91240B29-F687-4f45-9708-019B960494DF}">
-                <a14:hiddenLine xmlns:a14="http://schemas.microsoft.com/office/drawing/2010/main" xmlns="" w="9525">
-                  <a:solidFill>
-                    <a:srgbClr val="000000"/>
-                  </a:solidFill>
-                  <a:round/>
-                  <a:headEnd/>
-                  <a:tailEnd/>
-                </a14:hiddenLine>
-              </a:ext>
-            </a:extLst>
           </p:spPr>
         </p:sp>
         <p:sp>
@@ -1274,18 +1106,6 @@
             <a:ln>
               <a:noFill/>
             </a:ln>
-            <a:extLst>
-              <a:ext uri="{91240B29-F687-4f45-9708-019B960494DF}">
-                <a14:hiddenLine xmlns:a14="http://schemas.microsoft.com/office/drawing/2010/main" xmlns="" w="9525">
-                  <a:solidFill>
-                    <a:srgbClr val="000000"/>
-                  </a:solidFill>
-                  <a:round/>
-                  <a:headEnd/>
-                  <a:tailEnd/>
-                </a14:hiddenLine>
-              </a:ext>
-            </a:extLst>
           </p:spPr>
         </p:sp>
         <p:sp>
@@ -1364,18 +1184,6 @@
             <a:ln>
               <a:noFill/>
             </a:ln>
-            <a:extLst>
-              <a:ext uri="{91240B29-F687-4f45-9708-019B960494DF}">
-                <a14:hiddenLine xmlns:a14="http://schemas.microsoft.com/office/drawing/2010/main" xmlns="" w="9525">
-                  <a:solidFill>
-                    <a:srgbClr val="000000"/>
-                  </a:solidFill>
-                  <a:round/>
-                  <a:headEnd/>
-                  <a:tailEnd/>
-                </a14:hiddenLine>
-              </a:ext>
-            </a:extLst>
           </p:spPr>
         </p:sp>
         <p:sp>
@@ -1454,18 +1262,6 @@
             <a:ln>
               <a:noFill/>
             </a:ln>
-            <a:extLst>
-              <a:ext uri="{91240B29-F687-4f45-9708-019B960494DF}">
-                <a14:hiddenLine xmlns:a14="http://schemas.microsoft.com/office/drawing/2010/main" xmlns="" w="9525">
-                  <a:solidFill>
-                    <a:srgbClr val="000000"/>
-                  </a:solidFill>
-                  <a:round/>
-                  <a:headEnd/>
-                  <a:tailEnd/>
-                </a14:hiddenLine>
-              </a:ext>
-            </a:extLst>
           </p:spPr>
         </p:sp>
         <p:sp>
@@ -1516,18 +1312,6 @@
             <a:ln>
               <a:noFill/>
             </a:ln>
-            <a:extLst>
-              <a:ext uri="{91240B29-F687-4f45-9708-019B960494DF}">
-                <a14:hiddenLine xmlns:a14="http://schemas.microsoft.com/office/drawing/2010/main" xmlns="" w="9525">
-                  <a:solidFill>
-                    <a:srgbClr val="000000"/>
-                  </a:solidFill>
-                  <a:round/>
-                  <a:headEnd/>
-                  <a:tailEnd/>
-                </a14:hiddenLine>
-              </a:ext>
-            </a:extLst>
           </p:spPr>
         </p:sp>
         <p:sp>
@@ -1606,18 +1390,6 @@
             <a:ln>
               <a:noFill/>
             </a:ln>
-            <a:extLst>
-              <a:ext uri="{91240B29-F687-4f45-9708-019B960494DF}">
-                <a14:hiddenLine xmlns:a14="http://schemas.microsoft.com/office/drawing/2010/main" xmlns="" w="9525">
-                  <a:solidFill>
-                    <a:srgbClr val="000000"/>
-                  </a:solidFill>
-                  <a:round/>
-                  <a:headEnd/>
-                  <a:tailEnd/>
-                </a14:hiddenLine>
-              </a:ext>
-            </a:extLst>
           </p:spPr>
         </p:sp>
         <p:sp>
@@ -1696,18 +1468,6 @@
             <a:ln>
               <a:noFill/>
             </a:ln>
-            <a:extLst>
-              <a:ext uri="{91240B29-F687-4f45-9708-019B960494DF}">
-                <a14:hiddenLine xmlns:a14="http://schemas.microsoft.com/office/drawing/2010/main" xmlns="" w="9525">
-                  <a:solidFill>
-                    <a:srgbClr val="000000"/>
-                  </a:solidFill>
-                  <a:round/>
-                  <a:headEnd/>
-                  <a:tailEnd/>
-                </a14:hiddenLine>
-              </a:ext>
-            </a:extLst>
           </p:spPr>
         </p:sp>
         <p:sp>
@@ -1752,18 +1512,6 @@
             <a:ln>
               <a:noFill/>
             </a:ln>
-            <a:extLst>
-              <a:ext uri="{91240B29-F687-4f45-9708-019B960494DF}">
-                <a14:hiddenLine xmlns:a14="http://schemas.microsoft.com/office/drawing/2010/main" xmlns="" w="9525">
-                  <a:solidFill>
-                    <a:srgbClr val="000000"/>
-                  </a:solidFill>
-                  <a:round/>
-                  <a:headEnd/>
-                  <a:tailEnd/>
-                </a14:hiddenLine>
-              </a:ext>
-            </a:extLst>
           </p:spPr>
         </p:sp>
         <p:sp>
@@ -1842,18 +1590,6 @@
             <a:ln>
               <a:noFill/>
             </a:ln>
-            <a:extLst>
-              <a:ext uri="{91240B29-F687-4f45-9708-019B960494DF}">
-                <a14:hiddenLine xmlns:a14="http://schemas.microsoft.com/office/drawing/2010/main" xmlns="" w="9525">
-                  <a:solidFill>
-                    <a:srgbClr val="000000"/>
-                  </a:solidFill>
-                  <a:round/>
-                  <a:headEnd/>
-                  <a:tailEnd/>
-                </a14:hiddenLine>
-              </a:ext>
-            </a:extLst>
           </p:spPr>
         </p:sp>
         <p:sp>
@@ -1898,18 +1634,6 @@
             <a:ln>
               <a:noFill/>
             </a:ln>
-            <a:extLst>
-              <a:ext uri="{91240B29-F687-4f45-9708-019B960494DF}">
-                <a14:hiddenLine xmlns:a14="http://schemas.microsoft.com/office/drawing/2010/main" xmlns="" w="9525">
-                  <a:solidFill>
-                    <a:srgbClr val="000000"/>
-                  </a:solidFill>
-                  <a:round/>
-                  <a:headEnd/>
-                  <a:tailEnd/>
-                </a14:hiddenLine>
-              </a:ext>
-            </a:extLst>
           </p:spPr>
         </p:sp>
         <p:sp>
@@ -1988,18 +1712,6 @@
             <a:ln>
               <a:noFill/>
             </a:ln>
-            <a:extLst>
-              <a:ext uri="{91240B29-F687-4f45-9708-019B960494DF}">
-                <a14:hiddenLine xmlns:a14="http://schemas.microsoft.com/office/drawing/2010/main" xmlns="" w="9525">
-                  <a:solidFill>
-                    <a:srgbClr val="000000"/>
-                  </a:solidFill>
-                  <a:round/>
-                  <a:headEnd/>
-                  <a:tailEnd/>
-                </a14:hiddenLine>
-              </a:ext>
-            </a:extLst>
           </p:spPr>
         </p:sp>
         <p:sp>
@@ -2056,18 +1768,6 @@
             <a:ln>
               <a:noFill/>
             </a:ln>
-            <a:extLst>
-              <a:ext uri="{91240B29-F687-4f45-9708-019B960494DF}">
-                <a14:hiddenLine xmlns:a14="http://schemas.microsoft.com/office/drawing/2010/main" xmlns="" w="9525">
-                  <a:solidFill>
-                    <a:srgbClr val="000000"/>
-                  </a:solidFill>
-                  <a:round/>
-                  <a:headEnd/>
-                  <a:tailEnd/>
-                </a14:hiddenLine>
-              </a:ext>
-            </a:extLst>
           </p:spPr>
         </p:sp>
         <p:sp>
@@ -2146,18 +1846,6 @@
             <a:ln>
               <a:noFill/>
             </a:ln>
-            <a:extLst>
-              <a:ext uri="{91240B29-F687-4f45-9708-019B960494DF}">
-                <a14:hiddenLine xmlns:a14="http://schemas.microsoft.com/office/drawing/2010/main" xmlns="" w="9525">
-                  <a:solidFill>
-                    <a:srgbClr val="000000"/>
-                  </a:solidFill>
-                  <a:round/>
-                  <a:headEnd/>
-                  <a:tailEnd/>
-                </a14:hiddenLine>
-              </a:ext>
-            </a:extLst>
           </p:spPr>
         </p:sp>
         <p:sp>
@@ -2214,18 +1902,6 @@
             <a:ln>
               <a:noFill/>
             </a:ln>
-            <a:extLst>
-              <a:ext uri="{91240B29-F687-4f45-9708-019B960494DF}">
-                <a14:hiddenLine xmlns:a14="http://schemas.microsoft.com/office/drawing/2010/main" xmlns="" w="9525">
-                  <a:solidFill>
-                    <a:srgbClr val="000000"/>
-                  </a:solidFill>
-                  <a:round/>
-                  <a:headEnd/>
-                  <a:tailEnd/>
-                </a14:hiddenLine>
-              </a:ext>
-            </a:extLst>
           </p:spPr>
         </p:sp>
         <p:sp>
@@ -2304,18 +1980,6 @@
             <a:ln>
               <a:noFill/>
             </a:ln>
-            <a:extLst>
-              <a:ext uri="{91240B29-F687-4f45-9708-019B960494DF}">
-                <a14:hiddenLine xmlns:a14="http://schemas.microsoft.com/office/drawing/2010/main" xmlns="" w="9525">
-                  <a:solidFill>
-                    <a:srgbClr val="000000"/>
-                  </a:solidFill>
-                  <a:round/>
-                  <a:headEnd/>
-                  <a:tailEnd/>
-                </a14:hiddenLine>
-              </a:ext>
-            </a:extLst>
           </p:spPr>
         </p:sp>
         <p:sp>
@@ -2338,18 +2002,6 @@
             <a:ln>
               <a:noFill/>
             </a:ln>
-            <a:extLst>
-              <a:ext uri="{91240B29-F687-4f45-9708-019B960494DF}">
-                <a14:hiddenLine xmlns:a14="http://schemas.microsoft.com/office/drawing/2010/main" xmlns="" w="9525">
-                  <a:solidFill>
-                    <a:srgbClr val="000000"/>
-                  </a:solidFill>
-                  <a:miter lim="800000"/>
-                  <a:headEnd/>
-                  <a:tailEnd/>
-                </a14:hiddenLine>
-              </a:ext>
-            </a:extLst>
           </p:spPr>
         </p:sp>
         <p:sp>
@@ -2428,18 +2080,6 @@
             <a:ln>
               <a:noFill/>
             </a:ln>
-            <a:extLst>
-              <a:ext uri="{91240B29-F687-4f45-9708-019B960494DF}">
-                <a14:hiddenLine xmlns:a14="http://schemas.microsoft.com/office/drawing/2010/main" xmlns="" w="9525">
-                  <a:solidFill>
-                    <a:srgbClr val="000000"/>
-                  </a:solidFill>
-                  <a:round/>
-                  <a:headEnd/>
-                  <a:tailEnd/>
-                </a14:hiddenLine>
-              </a:ext>
-            </a:extLst>
           </p:spPr>
         </p:sp>
         <p:sp>
@@ -2490,18 +2130,6 @@
             <a:ln>
               <a:noFill/>
             </a:ln>
-            <a:extLst>
-              <a:ext uri="{91240B29-F687-4f45-9708-019B960494DF}">
-                <a14:hiddenLine xmlns:a14="http://schemas.microsoft.com/office/drawing/2010/main" xmlns="" w="9525">
-                  <a:solidFill>
-                    <a:srgbClr val="000000"/>
-                  </a:solidFill>
-                  <a:round/>
-                  <a:headEnd/>
-                  <a:tailEnd/>
-                </a14:hiddenLine>
-              </a:ext>
-            </a:extLst>
           </p:spPr>
         </p:sp>
         <p:sp>
@@ -2552,18 +2180,6 @@
             <a:ln>
               <a:noFill/>
             </a:ln>
-            <a:extLst>
-              <a:ext uri="{91240B29-F687-4f45-9708-019B960494DF}">
-                <a14:hiddenLine xmlns:a14="http://schemas.microsoft.com/office/drawing/2010/main" xmlns="" w="9525">
-                  <a:solidFill>
-                    <a:srgbClr val="000000"/>
-                  </a:solidFill>
-                  <a:round/>
-                  <a:headEnd/>
-                  <a:tailEnd/>
-                </a14:hiddenLine>
-              </a:ext>
-            </a:extLst>
           </p:spPr>
         </p:sp>
         <p:sp>
@@ -2642,18 +2258,6 @@
             <a:ln>
               <a:noFill/>
             </a:ln>
-            <a:extLst>
-              <a:ext uri="{91240B29-F687-4f45-9708-019B960494DF}">
-                <a14:hiddenLine xmlns:a14="http://schemas.microsoft.com/office/drawing/2010/main" xmlns="" w="9525">
-                  <a:solidFill>
-                    <a:srgbClr val="000000"/>
-                  </a:solidFill>
-                  <a:round/>
-                  <a:headEnd/>
-                  <a:tailEnd/>
-                </a14:hiddenLine>
-              </a:ext>
-            </a:extLst>
           </p:spPr>
         </p:sp>
         <p:sp>
@@ -2710,18 +2314,6 @@
             <a:ln>
               <a:noFill/>
             </a:ln>
-            <a:extLst>
-              <a:ext uri="{91240B29-F687-4f45-9708-019B960494DF}">
-                <a14:hiddenLine xmlns:a14="http://schemas.microsoft.com/office/drawing/2010/main" xmlns="" w="9525">
-                  <a:solidFill>
-                    <a:srgbClr val="000000"/>
-                  </a:solidFill>
-                  <a:round/>
-                  <a:headEnd/>
-                  <a:tailEnd/>
-                </a14:hiddenLine>
-              </a:ext>
-            </a:extLst>
           </p:spPr>
         </p:sp>
         <p:sp>
@@ -2772,18 +2364,6 @@
             <a:ln>
               <a:noFill/>
             </a:ln>
-            <a:extLst>
-              <a:ext uri="{91240B29-F687-4f45-9708-019B960494DF}">
-                <a14:hiddenLine xmlns:a14="http://schemas.microsoft.com/office/drawing/2010/main" xmlns="" w="9525">
-                  <a:solidFill>
-                    <a:srgbClr val="000000"/>
-                  </a:solidFill>
-                  <a:round/>
-                  <a:headEnd/>
-                  <a:tailEnd/>
-                </a14:hiddenLine>
-              </a:ext>
-            </a:extLst>
           </p:spPr>
         </p:sp>
         <p:sp>
@@ -2862,18 +2442,6 @@
             <a:ln>
               <a:noFill/>
             </a:ln>
-            <a:extLst>
-              <a:ext uri="{91240B29-F687-4f45-9708-019B960494DF}">
-                <a14:hiddenLine xmlns:a14="http://schemas.microsoft.com/office/drawing/2010/main" xmlns="" w="9525">
-                  <a:solidFill>
-                    <a:srgbClr val="000000"/>
-                  </a:solidFill>
-                  <a:round/>
-                  <a:headEnd/>
-                  <a:tailEnd/>
-                </a14:hiddenLine>
-              </a:ext>
-            </a:extLst>
           </p:spPr>
         </p:sp>
         <p:sp>
@@ -2924,18 +2492,6 @@
             <a:ln>
               <a:noFill/>
             </a:ln>
-            <a:extLst>
-              <a:ext uri="{91240B29-F687-4f45-9708-019B960494DF}">
-                <a14:hiddenLine xmlns:a14="http://schemas.microsoft.com/office/drawing/2010/main" xmlns="" w="9525">
-                  <a:solidFill>
-                    <a:srgbClr val="000000"/>
-                  </a:solidFill>
-                  <a:round/>
-                  <a:headEnd/>
-                  <a:tailEnd/>
-                </a14:hiddenLine>
-              </a:ext>
-            </a:extLst>
           </p:spPr>
         </p:sp>
         <p:sp>
@@ -3014,18 +2570,6 @@
             <a:ln>
               <a:noFill/>
             </a:ln>
-            <a:extLst>
-              <a:ext uri="{91240B29-F687-4f45-9708-019B960494DF}">
-                <a14:hiddenLine xmlns:a14="http://schemas.microsoft.com/office/drawing/2010/main" xmlns="" w="9525">
-                  <a:solidFill>
-                    <a:srgbClr val="000000"/>
-                  </a:solidFill>
-                  <a:round/>
-                  <a:headEnd/>
-                  <a:tailEnd/>
-                </a14:hiddenLine>
-              </a:ext>
-            </a:extLst>
           </p:spPr>
         </p:sp>
         <p:sp>
@@ -3076,18 +2620,6 @@
             <a:ln>
               <a:noFill/>
             </a:ln>
-            <a:extLst>
-              <a:ext uri="{91240B29-F687-4f45-9708-019B960494DF}">
-                <a14:hiddenLine xmlns:a14="http://schemas.microsoft.com/office/drawing/2010/main" xmlns="" w="9525">
-                  <a:solidFill>
-                    <a:srgbClr val="000000"/>
-                  </a:solidFill>
-                  <a:round/>
-                  <a:headEnd/>
-                  <a:tailEnd/>
-                </a14:hiddenLine>
-              </a:ext>
-            </a:extLst>
           </p:spPr>
         </p:sp>
         <p:sp>
@@ -3166,18 +2698,6 @@
             <a:ln>
               <a:noFill/>
             </a:ln>
-            <a:extLst>
-              <a:ext uri="{91240B29-F687-4f45-9708-019B960494DF}">
-                <a14:hiddenLine xmlns:a14="http://schemas.microsoft.com/office/drawing/2010/main" xmlns="" w="9525">
-                  <a:solidFill>
-                    <a:srgbClr val="000000"/>
-                  </a:solidFill>
-                  <a:round/>
-                  <a:headEnd/>
-                  <a:tailEnd/>
-                </a14:hiddenLine>
-              </a:ext>
-            </a:extLst>
           </p:spPr>
         </p:sp>
         <p:sp>
@@ -3200,18 +2720,6 @@
             <a:ln>
               <a:noFill/>
             </a:ln>
-            <a:extLst>
-              <a:ext uri="{91240B29-F687-4f45-9708-019B960494DF}">
-                <a14:hiddenLine xmlns:a14="http://schemas.microsoft.com/office/drawing/2010/main" xmlns="" w="9525">
-                  <a:solidFill>
-                    <a:srgbClr val="000000"/>
-                  </a:solidFill>
-                  <a:miter lim="800000"/>
-                  <a:headEnd/>
-                  <a:tailEnd/>
-                </a14:hiddenLine>
-              </a:ext>
-            </a:extLst>
           </p:spPr>
         </p:sp>
         <p:sp>
@@ -3265,18 +2773,6 @@
             <a:ln>
               <a:noFill/>
             </a:ln>
-            <a:extLst>
-              <a:ext uri="{91240B29-F687-4f45-9708-019B960494DF}">
-                <a14:hiddenLine xmlns:a14="http://schemas.microsoft.com/office/drawing/2010/main" xmlns="" w="9525">
-                  <a:solidFill>
-                    <a:srgbClr val="000000"/>
-                  </a:solidFill>
-                  <a:round/>
-                  <a:headEnd/>
-                  <a:tailEnd/>
-                </a14:hiddenLine>
-              </a:ext>
-            </a:extLst>
           </p:spPr>
         </p:sp>
         <p:sp>
@@ -3355,18 +2851,6 @@
             <a:ln>
               <a:noFill/>
             </a:ln>
-            <a:extLst>
-              <a:ext uri="{91240B29-F687-4f45-9708-019B960494DF}">
-                <a14:hiddenLine xmlns:a14="http://schemas.microsoft.com/office/drawing/2010/main" xmlns="" w="9525">
-                  <a:solidFill>
-                    <a:srgbClr val="000000"/>
-                  </a:solidFill>
-                  <a:round/>
-                  <a:headEnd/>
-                  <a:tailEnd/>
-                </a14:hiddenLine>
-              </a:ext>
-            </a:extLst>
           </p:spPr>
         </p:sp>
         <p:sp>
@@ -3417,18 +2901,6 @@
             <a:ln>
               <a:noFill/>
             </a:ln>
-            <a:extLst>
-              <a:ext uri="{91240B29-F687-4f45-9708-019B960494DF}">
-                <a14:hiddenLine xmlns:a14="http://schemas.microsoft.com/office/drawing/2010/main" xmlns="" w="9525">
-                  <a:solidFill>
-                    <a:srgbClr val="000000"/>
-                  </a:solidFill>
-                  <a:round/>
-                  <a:headEnd/>
-                  <a:tailEnd/>
-                </a14:hiddenLine>
-              </a:ext>
-            </a:extLst>
           </p:spPr>
         </p:sp>
         <p:sp>
@@ -3507,18 +2979,6 @@
             <a:ln>
               <a:noFill/>
             </a:ln>
-            <a:extLst>
-              <a:ext uri="{91240B29-F687-4f45-9708-019B960494DF}">
-                <a14:hiddenLine xmlns:a14="http://schemas.microsoft.com/office/drawing/2010/main" xmlns="" w="9525">
-                  <a:solidFill>
-                    <a:srgbClr val="000000"/>
-                  </a:solidFill>
-                  <a:round/>
-                  <a:headEnd/>
-                  <a:tailEnd/>
-                </a14:hiddenLine>
-              </a:ext>
-            </a:extLst>
           </p:spPr>
         </p:sp>
         <p:sp>
@@ -3597,18 +3057,6 @@
             <a:ln>
               <a:noFill/>
             </a:ln>
-            <a:extLst>
-              <a:ext uri="{91240B29-F687-4f45-9708-019B960494DF}">
-                <a14:hiddenLine xmlns:a14="http://schemas.microsoft.com/office/drawing/2010/main" xmlns="" w="9525">
-                  <a:solidFill>
-                    <a:srgbClr val="000000"/>
-                  </a:solidFill>
-                  <a:round/>
-                  <a:headEnd/>
-                  <a:tailEnd/>
-                </a14:hiddenLine>
-              </a:ext>
-            </a:extLst>
           </p:spPr>
         </p:sp>
         <p:sp>
@@ -3662,18 +3110,6 @@
             <a:ln>
               <a:noFill/>
             </a:ln>
-            <a:extLst>
-              <a:ext uri="{91240B29-F687-4f45-9708-019B960494DF}">
-                <a14:hiddenLine xmlns:a14="http://schemas.microsoft.com/office/drawing/2010/main" xmlns="" w="9525">
-                  <a:solidFill>
-                    <a:srgbClr val="000000"/>
-                  </a:solidFill>
-                  <a:round/>
-                  <a:headEnd/>
-                  <a:tailEnd/>
-                </a14:hiddenLine>
-              </a:ext>
-            </a:extLst>
           </p:spPr>
         </p:sp>
         <p:sp>
@@ -3724,18 +3160,6 @@
             <a:ln>
               <a:noFill/>
             </a:ln>
-            <a:extLst>
-              <a:ext uri="{91240B29-F687-4f45-9708-019B960494DF}">
-                <a14:hiddenLine xmlns:a14="http://schemas.microsoft.com/office/drawing/2010/main" xmlns="" w="9525">
-                  <a:solidFill>
-                    <a:srgbClr val="000000"/>
-                  </a:solidFill>
-                  <a:round/>
-                  <a:headEnd/>
-                  <a:tailEnd/>
-                </a14:hiddenLine>
-              </a:ext>
-            </a:extLst>
           </p:spPr>
         </p:sp>
         <p:sp>
@@ -3814,18 +3238,6 @@
             <a:ln>
               <a:noFill/>
             </a:ln>
-            <a:extLst>
-              <a:ext uri="{91240B29-F687-4f45-9708-019B960494DF}">
-                <a14:hiddenLine xmlns:a14="http://schemas.microsoft.com/office/drawing/2010/main" xmlns="" w="9525">
-                  <a:solidFill>
-                    <a:srgbClr val="000000"/>
-                  </a:solidFill>
-                  <a:round/>
-                  <a:headEnd/>
-                  <a:tailEnd/>
-                </a14:hiddenLine>
-              </a:ext>
-            </a:extLst>
           </p:spPr>
         </p:sp>
         <p:sp>
@@ -3904,18 +3316,6 @@
             <a:ln>
               <a:noFill/>
             </a:ln>
-            <a:extLst>
-              <a:ext uri="{91240B29-F687-4f45-9708-019B960494DF}">
-                <a14:hiddenLine xmlns:a14="http://schemas.microsoft.com/office/drawing/2010/main" xmlns="" w="9525">
-                  <a:solidFill>
-                    <a:srgbClr val="000000"/>
-                  </a:solidFill>
-                  <a:round/>
-                  <a:headEnd/>
-                  <a:tailEnd/>
-                </a14:hiddenLine>
-              </a:ext>
-            </a:extLst>
           </p:spPr>
         </p:sp>
         <p:sp>
@@ -3966,18 +3366,6 @@
             <a:ln>
               <a:noFill/>
             </a:ln>
-            <a:extLst>
-              <a:ext uri="{91240B29-F687-4f45-9708-019B960494DF}">
-                <a14:hiddenLine xmlns:a14="http://schemas.microsoft.com/office/drawing/2010/main" xmlns="" w="9525">
-                  <a:solidFill>
-                    <a:srgbClr val="000000"/>
-                  </a:solidFill>
-                  <a:round/>
-                  <a:headEnd/>
-                  <a:tailEnd/>
-                </a14:hiddenLine>
-              </a:ext>
-            </a:extLst>
           </p:spPr>
         </p:sp>
         <p:sp>
@@ -4086,18 +3474,6 @@
             <a:ln>
               <a:noFill/>
             </a:ln>
-            <a:extLst>
-              <a:ext uri="{91240B29-F687-4f45-9708-019B960494DF}">
-                <a14:hiddenLine xmlns:a14="http://schemas.microsoft.com/office/drawing/2010/main" xmlns="" w="9525">
-                  <a:solidFill>
-                    <a:srgbClr val="000000"/>
-                  </a:solidFill>
-                  <a:round/>
-                  <a:headEnd/>
-                  <a:tailEnd/>
-                </a14:hiddenLine>
-              </a:ext>
-            </a:extLst>
           </p:spPr>
         </p:sp>
         <p:sp>
@@ -4154,18 +3530,6 @@
             <a:ln>
               <a:noFill/>
             </a:ln>
-            <a:extLst>
-              <a:ext uri="{91240B29-F687-4f45-9708-019B960494DF}">
-                <a14:hiddenLine xmlns:a14="http://schemas.microsoft.com/office/drawing/2010/main" xmlns="" w="9525">
-                  <a:solidFill>
-                    <a:srgbClr val="000000"/>
-                  </a:solidFill>
-                  <a:round/>
-                  <a:headEnd/>
-                  <a:tailEnd/>
-                </a14:hiddenLine>
-              </a:ext>
-            </a:extLst>
           </p:spPr>
         </p:sp>
         <p:sp>
@@ -4244,18 +3608,6 @@
             <a:ln>
               <a:noFill/>
             </a:ln>
-            <a:extLst>
-              <a:ext uri="{91240B29-F687-4f45-9708-019B960494DF}">
-                <a14:hiddenLine xmlns:a14="http://schemas.microsoft.com/office/drawing/2010/main" xmlns="" w="9525">
-                  <a:solidFill>
-                    <a:srgbClr val="000000"/>
-                  </a:solidFill>
-                  <a:round/>
-                  <a:headEnd/>
-                  <a:tailEnd/>
-                </a14:hiddenLine>
-              </a:ext>
-            </a:extLst>
           </p:spPr>
         </p:sp>
       </p:grpSp>
@@ -4386,7 +3738,6 @@
           <a:p>
             <a:fld id="{48A87A34-81AB-432B-8DAE-1953F412C126}" type="datetimeFigureOut">
               <a:rPr lang="en-US" dirty="0"/>
-              <a:t>1/4/21</a:t>
             </a:fld>
             <a:endParaRPr lang="en-US" dirty="0"/>
           </a:p>
@@ -4438,7 +3789,6 @@
           <a:p>
             <a:fld id="{6D22F896-40B5-4ADD-8801-0D06FADFA095}" type="slidenum">
               <a:rPr lang="en-US" dirty="0"/>
-              <a:t>‹#›</a:t>
             </a:fld>
             <a:endParaRPr lang="en-US" dirty="0"/>
           </a:p>
@@ -4510,7 +3860,7 @@
             <a:spLocks noGrp="1" noChangeAspect="1"/>
           </p:cNvSpPr>
           <p:nvPr>
-            <p:ph type="pic" idx="1"/>
+            <p:ph type="pic" idx="1" hasCustomPrompt="1"/>
           </p:nvPr>
         </p:nvSpPr>
         <p:spPr>
@@ -4628,6 +3978,7 @@
               <a:rPr lang="zh-CN" altLang="en-US" smtClean="0"/>
               <a:t>单击此处编辑母版文本样式</a:t>
             </a:r>
+            <a:endParaRPr lang="zh-CN" altLang="en-US" smtClean="0"/>
           </a:p>
         </p:txBody>
       </p:sp>
@@ -4648,7 +3999,6 @@
           <a:p>
             <a:fld id="{48A87A34-81AB-432B-8DAE-1953F412C126}" type="datetimeFigureOut">
               <a:rPr lang="en-US" dirty="0"/>
-              <a:t>1/4/21</a:t>
             </a:fld>
             <a:endParaRPr lang="en-US" dirty="0"/>
           </a:p>
@@ -4690,7 +4040,6 @@
           <a:p>
             <a:fld id="{6D22F896-40B5-4ADD-8801-0D06FADFA095}" type="slidenum">
               <a:rPr lang="en-US" dirty="0"/>
-              <a:t>‹#›</a:t>
             </a:fld>
             <a:endParaRPr lang="en-US" dirty="0"/>
           </a:p>
@@ -4819,6 +4168,7 @@
               <a:rPr lang="zh-CN" altLang="en-US" smtClean="0"/>
               <a:t>单击此处编辑母版文本样式</a:t>
             </a:r>
+            <a:endParaRPr lang="zh-CN" altLang="en-US" smtClean="0"/>
           </a:p>
         </p:txBody>
       </p:sp>
@@ -4839,7 +4189,6 @@
           <a:p>
             <a:fld id="{48A87A34-81AB-432B-8DAE-1953F412C126}" type="datetimeFigureOut">
               <a:rPr lang="en-US" dirty="0"/>
-              <a:t>1/4/21</a:t>
             </a:fld>
             <a:endParaRPr lang="en-US" dirty="0"/>
           </a:p>
@@ -4881,7 +4230,6 @@
           <a:p>
             <a:fld id="{6D22F896-40B5-4ADD-8801-0D06FADFA095}" type="slidenum">
               <a:rPr lang="en-US" dirty="0"/>
-              <a:t>‹#›</a:t>
             </a:fld>
             <a:endParaRPr lang="en-US" dirty="0"/>
           </a:p>
@@ -5010,6 +4358,7 @@
               <a:rPr lang="zh-CN" altLang="en-US" smtClean="0"/>
               <a:t>单击此处编辑母版文本样式</a:t>
             </a:r>
+            <a:endParaRPr lang="zh-CN" altLang="en-US" smtClean="0"/>
           </a:p>
         </p:txBody>
       </p:sp>
@@ -5077,6 +4426,7 @@
               <a:rPr lang="zh-CN" altLang="en-US" smtClean="0"/>
               <a:t>单击此处编辑母版文本样式</a:t>
             </a:r>
+            <a:endParaRPr lang="zh-CN" altLang="en-US" smtClean="0"/>
           </a:p>
         </p:txBody>
       </p:sp>
@@ -5097,7 +4447,6 @@
           <a:p>
             <a:fld id="{48A87A34-81AB-432B-8DAE-1953F412C126}" type="datetimeFigureOut">
               <a:rPr lang="en-US" dirty="0"/>
-              <a:t>1/4/21</a:t>
             </a:fld>
             <a:endParaRPr lang="en-US" dirty="0"/>
           </a:p>
@@ -5139,7 +4488,6 @@
           <a:p>
             <a:fld id="{6D22F896-40B5-4ADD-8801-0D06FADFA095}" type="slidenum">
               <a:rPr lang="en-US" dirty="0"/>
-              <a:t>‹#›</a:t>
             </a:fld>
             <a:endParaRPr lang="en-US" dirty="0"/>
           </a:p>
@@ -5190,7 +4538,7 @@
                 </a:effectLst>
                 <a:latin typeface="+mj-lt"/>
                 <a:ea typeface="+mj-ea"/>
-                <a:cs typeface="Trebuchet MS"/>
+                <a:cs typeface="Trebuchet MS" panose="020B0703020202090204"/>
               </a:defRPr>
             </a:lvl1pPr>
             <a:lvl2pPr>
@@ -5261,6 +4609,12 @@
               </a:rPr>
               <a:t>“</a:t>
             </a:r>
+            <a:endParaRPr lang="en-US" sz="8000" dirty="0">
+              <a:solidFill>
+                <a:schemeClr val="tx1"/>
+              </a:solidFill>
+              <a:effectLst/>
+            </a:endParaRPr>
           </a:p>
         </p:txBody>
       </p:sp>
@@ -5309,7 +4663,7 @@
                 </a:effectLst>
                 <a:latin typeface="+mj-lt"/>
                 <a:ea typeface="+mj-ea"/>
-                <a:cs typeface="Trebuchet MS"/>
+                <a:cs typeface="Trebuchet MS" panose="020B0703020202090204"/>
               </a:defRPr>
             </a:lvl1pPr>
             <a:lvl2pPr>
@@ -5380,6 +4734,12 @@
               </a:rPr>
               <a:t>”</a:t>
             </a:r>
+            <a:endParaRPr lang="en-US" sz="8000" dirty="0">
+              <a:solidFill>
+                <a:schemeClr val="tx1"/>
+              </a:solidFill>
+              <a:effectLst/>
+            </a:endParaRPr>
           </a:p>
         </p:txBody>
       </p:sp>
@@ -5506,6 +4866,7 @@
               <a:rPr lang="zh-CN" altLang="en-US" smtClean="0"/>
               <a:t>单击此处编辑母版文本样式</a:t>
             </a:r>
+            <a:endParaRPr lang="zh-CN" altLang="en-US" smtClean="0"/>
           </a:p>
         </p:txBody>
       </p:sp>
@@ -5526,7 +4887,6 @@
           <a:p>
             <a:fld id="{48A87A34-81AB-432B-8DAE-1953F412C126}" type="datetimeFigureOut">
               <a:rPr lang="en-US" dirty="0"/>
-              <a:t>1/4/21</a:t>
             </a:fld>
             <a:endParaRPr lang="en-US" dirty="0"/>
           </a:p>
@@ -5568,7 +4928,6 @@
           <a:p>
             <a:fld id="{6D22F896-40B5-4ADD-8801-0D06FADFA095}" type="slidenum">
               <a:rPr lang="en-US" dirty="0"/>
-              <a:t>‹#›</a:t>
             </a:fld>
             <a:endParaRPr lang="en-US" dirty="0"/>
           </a:p>
@@ -5698,6 +5057,7 @@
               <a:rPr lang="zh-CN" altLang="en-US" smtClean="0"/>
               <a:t>单击此处编辑母版文本样式</a:t>
             </a:r>
+            <a:endParaRPr lang="zh-CN" altLang="en-US" smtClean="0"/>
           </a:p>
         </p:txBody>
       </p:sp>
@@ -5765,6 +5125,7 @@
               <a:rPr lang="zh-CN" altLang="en-US" smtClean="0"/>
               <a:t>单击此处编辑母版文本样式</a:t>
             </a:r>
+            <a:endParaRPr lang="zh-CN" altLang="en-US" smtClean="0"/>
           </a:p>
         </p:txBody>
       </p:sp>
@@ -5839,6 +5200,7 @@
               <a:rPr lang="zh-CN" altLang="en-US" smtClean="0"/>
               <a:t>单击此处编辑母版文本样式</a:t>
             </a:r>
+            <a:endParaRPr lang="zh-CN" altLang="en-US" smtClean="0"/>
           </a:p>
         </p:txBody>
       </p:sp>
@@ -5906,6 +5268,7 @@
               <a:rPr lang="zh-CN" altLang="en-US" smtClean="0"/>
               <a:t>单击此处编辑母版文本样式</a:t>
             </a:r>
+            <a:endParaRPr lang="zh-CN" altLang="en-US" smtClean="0"/>
           </a:p>
         </p:txBody>
       </p:sp>
@@ -5980,6 +5343,7 @@
               <a:rPr lang="zh-CN" altLang="en-US" smtClean="0"/>
               <a:t>单击此处编辑母版文本样式</a:t>
             </a:r>
+            <a:endParaRPr lang="zh-CN" altLang="en-US" smtClean="0"/>
           </a:p>
         </p:txBody>
       </p:sp>
@@ -6047,6 +5411,7 @@
               <a:rPr lang="zh-CN" altLang="en-US" smtClean="0"/>
               <a:t>单击此处编辑母版文本样式</a:t>
             </a:r>
+            <a:endParaRPr lang="zh-CN" altLang="en-US" smtClean="0"/>
           </a:p>
         </p:txBody>
       </p:sp>
@@ -6067,7 +5432,6 @@
           <a:p>
             <a:fld id="{48A87A34-81AB-432B-8DAE-1953F412C126}" type="datetimeFigureOut">
               <a:rPr lang="en-US" dirty="0"/>
-              <a:t>1/4/21</a:t>
             </a:fld>
             <a:endParaRPr lang="en-US" dirty="0"/>
           </a:p>
@@ -6109,7 +5473,6 @@
           <a:p>
             <a:fld id="{6D22F896-40B5-4ADD-8801-0D06FADFA095}" type="slidenum">
               <a:rPr lang="en-US" dirty="0"/>
-              <a:t>‹#›</a:t>
             </a:fld>
             <a:endParaRPr lang="en-US" dirty="0"/>
           </a:p>
@@ -6239,6 +5602,7 @@
               <a:rPr lang="zh-CN" altLang="en-US" smtClean="0"/>
               <a:t>单击此处编辑母版文本样式</a:t>
             </a:r>
+            <a:endParaRPr lang="zh-CN" altLang="en-US" smtClean="0"/>
           </a:p>
         </p:txBody>
       </p:sp>
@@ -6249,7 +5613,7 @@
             <a:spLocks noGrp="1" noChangeAspect="1"/>
           </p:cNvSpPr>
           <p:nvPr>
-            <p:ph type="pic" idx="15"/>
+            <p:ph type="pic" idx="15" hasCustomPrompt="1"/>
           </p:nvPr>
         </p:nvSpPr>
         <p:spPr>
@@ -6364,6 +5728,7 @@
               <a:rPr lang="zh-CN" altLang="en-US" smtClean="0"/>
               <a:t>单击此处编辑母版文本样式</a:t>
             </a:r>
+            <a:endParaRPr lang="zh-CN" altLang="en-US" smtClean="0"/>
           </a:p>
         </p:txBody>
       </p:sp>
@@ -6438,6 +5803,7 @@
               <a:rPr lang="zh-CN" altLang="en-US" smtClean="0"/>
               <a:t>单击此处编辑母版文本样式</a:t>
             </a:r>
+            <a:endParaRPr lang="zh-CN" altLang="en-US" smtClean="0"/>
           </a:p>
         </p:txBody>
       </p:sp>
@@ -6448,7 +5814,7 @@
             <a:spLocks noGrp="1" noChangeAspect="1"/>
           </p:cNvSpPr>
           <p:nvPr>
-            <p:ph type="pic" idx="21"/>
+            <p:ph type="pic" idx="21" hasCustomPrompt="1"/>
           </p:nvPr>
         </p:nvSpPr>
         <p:spPr>
@@ -6563,6 +5929,7 @@
               <a:rPr lang="zh-CN" altLang="en-US" smtClean="0"/>
               <a:t>单击此处编辑母版文本样式</a:t>
             </a:r>
+            <a:endParaRPr lang="zh-CN" altLang="en-US" smtClean="0"/>
           </a:p>
         </p:txBody>
       </p:sp>
@@ -6637,6 +6004,7 @@
               <a:rPr lang="zh-CN" altLang="en-US" smtClean="0"/>
               <a:t>单击此处编辑母版文本样式</a:t>
             </a:r>
+            <a:endParaRPr lang="zh-CN" altLang="en-US" smtClean="0"/>
           </a:p>
         </p:txBody>
       </p:sp>
@@ -6647,7 +6015,7 @@
             <a:spLocks noGrp="1" noChangeAspect="1"/>
           </p:cNvSpPr>
           <p:nvPr>
-            <p:ph type="pic" idx="22"/>
+            <p:ph type="pic" idx="22" hasCustomPrompt="1"/>
           </p:nvPr>
         </p:nvSpPr>
         <p:spPr>
@@ -6762,6 +6130,7 @@
               <a:rPr lang="zh-CN" altLang="en-US" smtClean="0"/>
               <a:t>单击此处编辑母版文本样式</a:t>
             </a:r>
+            <a:endParaRPr lang="zh-CN" altLang="en-US" smtClean="0"/>
           </a:p>
         </p:txBody>
       </p:sp>
@@ -6782,7 +6151,6 @@
           <a:p>
             <a:fld id="{48A87A34-81AB-432B-8DAE-1953F412C126}" type="datetimeFigureOut">
               <a:rPr lang="en-US" dirty="0"/>
-              <a:t>1/4/21</a:t>
             </a:fld>
             <a:endParaRPr lang="en-US" dirty="0"/>
           </a:p>
@@ -6824,7 +6192,6 @@
           <a:p>
             <a:fld id="{6D22F896-40B5-4ADD-8801-0D06FADFA095}" type="slidenum">
               <a:rPr lang="en-US" dirty="0"/>
-              <a:t>‹#›</a:t>
             </a:fld>
             <a:endParaRPr lang="en-US" dirty="0"/>
           </a:p>
@@ -6898,6 +6265,7 @@
               <a:rPr lang="zh-CN" altLang="en-US" smtClean="0"/>
               <a:t>单击此处编辑母版文本样式</a:t>
             </a:r>
+            <a:endParaRPr lang="zh-CN" altLang="en-US" smtClean="0"/>
           </a:p>
           <a:p>
             <a:pPr lvl="1"/>
@@ -6905,6 +6273,7 @@
               <a:rPr lang="zh-CN" altLang="en-US" smtClean="0"/>
               <a:t>二级</a:t>
             </a:r>
+            <a:endParaRPr lang="zh-CN" altLang="en-US" smtClean="0"/>
           </a:p>
           <a:p>
             <a:pPr lvl="2"/>
@@ -6912,6 +6281,7 @@
               <a:rPr lang="zh-CN" altLang="en-US" smtClean="0"/>
               <a:t>三级</a:t>
             </a:r>
+            <a:endParaRPr lang="zh-CN" altLang="en-US" smtClean="0"/>
           </a:p>
           <a:p>
             <a:pPr lvl="3"/>
@@ -6919,6 +6289,7 @@
               <a:rPr lang="zh-CN" altLang="en-US" smtClean="0"/>
               <a:t>四级</a:t>
             </a:r>
+            <a:endParaRPr lang="zh-CN" altLang="en-US" smtClean="0"/>
           </a:p>
           <a:p>
             <a:pPr lvl="4"/>
@@ -6947,7 +6318,6 @@
           <a:p>
             <a:fld id="{48A87A34-81AB-432B-8DAE-1953F412C126}" type="datetimeFigureOut">
               <a:rPr lang="en-US" dirty="0"/>
-              <a:t>1/4/21</a:t>
             </a:fld>
             <a:endParaRPr lang="en-US" dirty="0"/>
           </a:p>
@@ -6989,7 +6359,6 @@
           <a:p>
             <a:fld id="{6D22F896-40B5-4ADD-8801-0D06FADFA095}" type="slidenum">
               <a:rPr lang="en-US" dirty="0"/>
-              <a:t>‹#›</a:t>
             </a:fld>
             <a:endParaRPr lang="en-US" dirty="0"/>
           </a:p>
@@ -7073,6 +6442,7 @@
               <a:rPr lang="zh-CN" altLang="en-US" smtClean="0"/>
               <a:t>单击此处编辑母版文本样式</a:t>
             </a:r>
+            <a:endParaRPr lang="zh-CN" altLang="en-US" smtClean="0"/>
           </a:p>
           <a:p>
             <a:pPr lvl="1"/>
@@ -7080,6 +6450,7 @@
               <a:rPr lang="zh-CN" altLang="en-US" smtClean="0"/>
               <a:t>二级</a:t>
             </a:r>
+            <a:endParaRPr lang="zh-CN" altLang="en-US" smtClean="0"/>
           </a:p>
           <a:p>
             <a:pPr lvl="2"/>
@@ -7087,6 +6458,7 @@
               <a:rPr lang="zh-CN" altLang="en-US" smtClean="0"/>
               <a:t>三级</a:t>
             </a:r>
+            <a:endParaRPr lang="zh-CN" altLang="en-US" smtClean="0"/>
           </a:p>
           <a:p>
             <a:pPr lvl="3"/>
@@ -7094,6 +6466,7 @@
               <a:rPr lang="zh-CN" altLang="en-US" smtClean="0"/>
               <a:t>四级</a:t>
             </a:r>
+            <a:endParaRPr lang="zh-CN" altLang="en-US" smtClean="0"/>
           </a:p>
           <a:p>
             <a:pPr lvl="4"/>
@@ -7122,7 +6495,6 @@
           <a:p>
             <a:fld id="{48A87A34-81AB-432B-8DAE-1953F412C126}" type="datetimeFigureOut">
               <a:rPr lang="en-US" dirty="0"/>
-              <a:t>1/4/21</a:t>
             </a:fld>
             <a:endParaRPr lang="en-US" dirty="0"/>
           </a:p>
@@ -7164,7 +6536,6 @@
           <a:p>
             <a:fld id="{6D22F896-40B5-4ADD-8801-0D06FADFA095}" type="slidenum">
               <a:rPr lang="en-US" dirty="0"/>
-              <a:t>‹#›</a:t>
             </a:fld>
             <a:endParaRPr lang="en-US" dirty="0"/>
           </a:p>
@@ -7238,6 +6609,7 @@
               <a:rPr lang="zh-CN" altLang="en-US" smtClean="0"/>
               <a:t>单击此处编辑母版文本样式</a:t>
             </a:r>
+            <a:endParaRPr lang="zh-CN" altLang="en-US" smtClean="0"/>
           </a:p>
           <a:p>
             <a:pPr lvl="1"/>
@@ -7245,6 +6617,7 @@
               <a:rPr lang="zh-CN" altLang="en-US" smtClean="0"/>
               <a:t>二级</a:t>
             </a:r>
+            <a:endParaRPr lang="zh-CN" altLang="en-US" smtClean="0"/>
           </a:p>
           <a:p>
             <a:pPr lvl="2"/>
@@ -7252,6 +6625,7 @@
               <a:rPr lang="zh-CN" altLang="en-US" smtClean="0"/>
               <a:t>三级</a:t>
             </a:r>
+            <a:endParaRPr lang="zh-CN" altLang="en-US" smtClean="0"/>
           </a:p>
           <a:p>
             <a:pPr lvl="3"/>
@@ -7259,6 +6633,7 @@
               <a:rPr lang="zh-CN" altLang="en-US" smtClean="0"/>
               <a:t>四级</a:t>
             </a:r>
+            <a:endParaRPr lang="zh-CN" altLang="en-US" smtClean="0"/>
           </a:p>
           <a:p>
             <a:pPr lvl="4"/>
@@ -7287,7 +6662,6 @@
           <a:p>
             <a:fld id="{48A87A34-81AB-432B-8DAE-1953F412C126}" type="datetimeFigureOut">
               <a:rPr lang="en-US" dirty="0"/>
-              <a:t>1/4/21</a:t>
             </a:fld>
             <a:endParaRPr lang="en-US" dirty="0"/>
           </a:p>
@@ -7329,7 +6703,6 @@
           <a:p>
             <a:fld id="{6D22F896-40B5-4ADD-8801-0D06FADFA095}" type="slidenum">
               <a:rPr lang="en-US" dirty="0"/>
-              <a:t>‹#›</a:t>
             </a:fld>
             <a:endParaRPr lang="en-US" dirty="0"/>
           </a:p>
@@ -7512,6 +6885,7 @@
               <a:rPr lang="zh-CN" altLang="en-US" smtClean="0"/>
               <a:t>单击此处编辑母版文本样式</a:t>
             </a:r>
+            <a:endParaRPr lang="zh-CN" altLang="en-US" smtClean="0"/>
           </a:p>
         </p:txBody>
       </p:sp>
@@ -7532,7 +6906,6 @@
           <a:p>
             <a:fld id="{48A87A34-81AB-432B-8DAE-1953F412C126}" type="datetimeFigureOut">
               <a:rPr lang="en-US" dirty="0"/>
-              <a:t>1/4/21</a:t>
             </a:fld>
             <a:endParaRPr lang="en-US" dirty="0"/>
           </a:p>
@@ -7574,7 +6947,6 @@
           <a:p>
             <a:fld id="{6D22F896-40B5-4ADD-8801-0D06FADFA095}" type="slidenum">
               <a:rPr lang="en-US" dirty="0"/>
-              <a:t>‹#›</a:t>
             </a:fld>
             <a:endParaRPr lang="en-US" dirty="0"/>
           </a:p>
@@ -7653,6 +7025,7 @@
               <a:rPr lang="zh-CN" altLang="en-US" smtClean="0"/>
               <a:t>单击此处编辑母版文本样式</a:t>
             </a:r>
+            <a:endParaRPr lang="zh-CN" altLang="en-US" smtClean="0"/>
           </a:p>
           <a:p>
             <a:pPr lvl="1"/>
@@ -7660,6 +7033,7 @@
               <a:rPr lang="zh-CN" altLang="en-US" smtClean="0"/>
               <a:t>二级</a:t>
             </a:r>
+            <a:endParaRPr lang="zh-CN" altLang="en-US" smtClean="0"/>
           </a:p>
           <a:p>
             <a:pPr lvl="2"/>
@@ -7667,6 +7041,7 @@
               <a:rPr lang="zh-CN" altLang="en-US" smtClean="0"/>
               <a:t>三级</a:t>
             </a:r>
+            <a:endParaRPr lang="zh-CN" altLang="en-US" smtClean="0"/>
           </a:p>
           <a:p>
             <a:pPr lvl="3"/>
@@ -7674,6 +7049,7 @@
               <a:rPr lang="zh-CN" altLang="en-US" smtClean="0"/>
               <a:t>四级</a:t>
             </a:r>
+            <a:endParaRPr lang="zh-CN" altLang="en-US" smtClean="0"/>
           </a:p>
           <a:p>
             <a:pPr lvl="4"/>
@@ -7710,6 +7086,7 @@
               <a:rPr lang="zh-CN" altLang="en-US" smtClean="0"/>
               <a:t>单击此处编辑母版文本样式</a:t>
             </a:r>
+            <a:endParaRPr lang="zh-CN" altLang="en-US" smtClean="0"/>
           </a:p>
           <a:p>
             <a:pPr lvl="1"/>
@@ -7717,6 +7094,7 @@
               <a:rPr lang="zh-CN" altLang="en-US" smtClean="0"/>
               <a:t>二级</a:t>
             </a:r>
+            <a:endParaRPr lang="zh-CN" altLang="en-US" smtClean="0"/>
           </a:p>
           <a:p>
             <a:pPr lvl="2"/>
@@ -7724,6 +7102,7 @@
               <a:rPr lang="zh-CN" altLang="en-US" smtClean="0"/>
               <a:t>三级</a:t>
             </a:r>
+            <a:endParaRPr lang="zh-CN" altLang="en-US" smtClean="0"/>
           </a:p>
           <a:p>
             <a:pPr lvl="3"/>
@@ -7731,6 +7110,7 @@
               <a:rPr lang="zh-CN" altLang="en-US" smtClean="0"/>
               <a:t>四级</a:t>
             </a:r>
+            <a:endParaRPr lang="zh-CN" altLang="en-US" smtClean="0"/>
           </a:p>
           <a:p>
             <a:pPr lvl="4"/>
@@ -7759,7 +7139,6 @@
           <a:p>
             <a:fld id="{48A87A34-81AB-432B-8DAE-1953F412C126}" type="datetimeFigureOut">
               <a:rPr lang="en-US" dirty="0"/>
-              <a:t>1/4/21</a:t>
             </a:fld>
             <a:endParaRPr lang="en-US" dirty="0"/>
           </a:p>
@@ -7801,7 +7180,6 @@
           <a:p>
             <a:fld id="{6D22F896-40B5-4ADD-8801-0D06FADFA095}" type="slidenum">
               <a:rPr lang="en-US" dirty="0"/>
-              <a:t>‹#›</a:t>
             </a:fld>
             <a:endParaRPr lang="en-US" dirty="0"/>
           </a:p>
@@ -7929,6 +7307,7 @@
               <a:rPr lang="zh-CN" altLang="en-US" smtClean="0"/>
               <a:t>单击此处编辑母版文本样式</a:t>
             </a:r>
+            <a:endParaRPr lang="zh-CN" altLang="en-US" smtClean="0"/>
           </a:p>
         </p:txBody>
       </p:sp>
@@ -7957,6 +7336,7 @@
               <a:rPr lang="zh-CN" altLang="en-US" smtClean="0"/>
               <a:t>单击此处编辑母版文本样式</a:t>
             </a:r>
+            <a:endParaRPr lang="zh-CN" altLang="en-US" smtClean="0"/>
           </a:p>
           <a:p>
             <a:pPr lvl="1"/>
@@ -7964,6 +7344,7 @@
               <a:rPr lang="zh-CN" altLang="en-US" smtClean="0"/>
               <a:t>二级</a:t>
             </a:r>
+            <a:endParaRPr lang="zh-CN" altLang="en-US" smtClean="0"/>
           </a:p>
           <a:p>
             <a:pPr lvl="2"/>
@@ -7971,6 +7352,7 @@
               <a:rPr lang="zh-CN" altLang="en-US" smtClean="0"/>
               <a:t>三级</a:t>
             </a:r>
+            <a:endParaRPr lang="zh-CN" altLang="en-US" smtClean="0"/>
           </a:p>
           <a:p>
             <a:pPr lvl="3"/>
@@ -7978,6 +7360,7 @@
               <a:rPr lang="zh-CN" altLang="en-US" smtClean="0"/>
               <a:t>四级</a:t>
             </a:r>
+            <a:endParaRPr lang="zh-CN" altLang="en-US" smtClean="0"/>
           </a:p>
           <a:p>
             <a:pPr lvl="4"/>
@@ -8058,6 +7441,7 @@
               <a:rPr lang="zh-CN" altLang="en-US" smtClean="0"/>
               <a:t>单击此处编辑母版文本样式</a:t>
             </a:r>
+            <a:endParaRPr lang="zh-CN" altLang="en-US" smtClean="0"/>
           </a:p>
         </p:txBody>
       </p:sp>
@@ -8086,6 +7470,7 @@
               <a:rPr lang="zh-CN" altLang="en-US" smtClean="0"/>
               <a:t>单击此处编辑母版文本样式</a:t>
             </a:r>
+            <a:endParaRPr lang="zh-CN" altLang="en-US" smtClean="0"/>
           </a:p>
           <a:p>
             <a:pPr lvl="1"/>
@@ -8093,6 +7478,7 @@
               <a:rPr lang="zh-CN" altLang="en-US" smtClean="0"/>
               <a:t>二级</a:t>
             </a:r>
+            <a:endParaRPr lang="zh-CN" altLang="en-US" smtClean="0"/>
           </a:p>
           <a:p>
             <a:pPr lvl="2"/>
@@ -8100,6 +7486,7 @@
               <a:rPr lang="zh-CN" altLang="en-US" smtClean="0"/>
               <a:t>三级</a:t>
             </a:r>
+            <a:endParaRPr lang="zh-CN" altLang="en-US" smtClean="0"/>
           </a:p>
           <a:p>
             <a:pPr lvl="3"/>
@@ -8107,6 +7494,7 @@
               <a:rPr lang="zh-CN" altLang="en-US" smtClean="0"/>
               <a:t>四级</a:t>
             </a:r>
+            <a:endParaRPr lang="zh-CN" altLang="en-US" smtClean="0"/>
           </a:p>
           <a:p>
             <a:pPr lvl="4"/>
@@ -8135,7 +7523,6 @@
           <a:p>
             <a:fld id="{48A87A34-81AB-432B-8DAE-1953F412C126}" type="datetimeFigureOut">
               <a:rPr lang="en-US" dirty="0"/>
-              <a:t>1/4/21</a:t>
             </a:fld>
             <a:endParaRPr lang="en-US" dirty="0"/>
           </a:p>
@@ -8177,7 +7564,6 @@
           <a:p>
             <a:fld id="{6D22F896-40B5-4ADD-8801-0D06FADFA095}" type="slidenum">
               <a:rPr lang="en-US" dirty="0"/>
-              <a:t>‹#›</a:t>
             </a:fld>
             <a:endParaRPr lang="en-US" dirty="0"/>
           </a:p>
@@ -8248,7 +7634,6 @@
           <a:p>
             <a:fld id="{48A87A34-81AB-432B-8DAE-1953F412C126}" type="datetimeFigureOut">
               <a:rPr lang="en-US" dirty="0"/>
-              <a:t>1/4/21</a:t>
             </a:fld>
             <a:endParaRPr lang="en-US" dirty="0"/>
           </a:p>
@@ -8290,7 +7675,6 @@
           <a:p>
             <a:fld id="{6D22F896-40B5-4ADD-8801-0D06FADFA095}" type="slidenum">
               <a:rPr lang="en-US" dirty="0"/>
-              <a:t>‹#›</a:t>
             </a:fld>
             <a:endParaRPr lang="en-US" dirty="0"/>
           </a:p>
@@ -8338,7 +7722,6 @@
           <a:p>
             <a:fld id="{48A87A34-81AB-432B-8DAE-1953F412C126}" type="datetimeFigureOut">
               <a:rPr lang="en-US" dirty="0"/>
-              <a:t>1/4/21</a:t>
             </a:fld>
             <a:endParaRPr lang="en-US" dirty="0"/>
           </a:p>
@@ -8380,7 +7763,6 @@
           <a:p>
             <a:fld id="{6D22F896-40B5-4ADD-8801-0D06FADFA095}" type="slidenum">
               <a:rPr lang="en-US" dirty="0"/>
-              <a:t>‹#›</a:t>
             </a:fld>
             <a:endParaRPr lang="en-US" dirty="0"/>
           </a:p>
@@ -8468,6 +7850,7 @@
               <a:rPr lang="zh-CN" altLang="en-US" smtClean="0"/>
               <a:t>单击此处编辑母版文本样式</a:t>
             </a:r>
+            <a:endParaRPr lang="zh-CN" altLang="en-US" smtClean="0"/>
           </a:p>
           <a:p>
             <a:pPr lvl="1"/>
@@ -8475,6 +7858,7 @@
               <a:rPr lang="zh-CN" altLang="en-US" smtClean="0"/>
               <a:t>二级</a:t>
             </a:r>
+            <a:endParaRPr lang="zh-CN" altLang="en-US" smtClean="0"/>
           </a:p>
           <a:p>
             <a:pPr lvl="2"/>
@@ -8482,6 +7866,7 @@
               <a:rPr lang="zh-CN" altLang="en-US" smtClean="0"/>
               <a:t>三级</a:t>
             </a:r>
+            <a:endParaRPr lang="zh-CN" altLang="en-US" smtClean="0"/>
           </a:p>
           <a:p>
             <a:pPr lvl="3"/>
@@ -8489,6 +7874,7 @@
               <a:rPr lang="zh-CN" altLang="en-US" smtClean="0"/>
               <a:t>四级</a:t>
             </a:r>
+            <a:endParaRPr lang="zh-CN" altLang="en-US" smtClean="0"/>
           </a:p>
           <a:p>
             <a:pPr lvl="4"/>
@@ -8562,6 +7948,7 @@
               <a:rPr lang="zh-CN" altLang="en-US" smtClean="0"/>
               <a:t>单击此处编辑母版文本样式</a:t>
             </a:r>
+            <a:endParaRPr lang="zh-CN" altLang="en-US" smtClean="0"/>
           </a:p>
         </p:txBody>
       </p:sp>
@@ -8582,7 +7969,6 @@
           <a:p>
             <a:fld id="{48A87A34-81AB-432B-8DAE-1953F412C126}" type="datetimeFigureOut">
               <a:rPr lang="en-US" dirty="0"/>
-              <a:t>1/4/21</a:t>
             </a:fld>
             <a:endParaRPr lang="en-US" dirty="0"/>
           </a:p>
@@ -8624,7 +8010,6 @@
           <a:p>
             <a:fld id="{6D22F896-40B5-4ADD-8801-0D06FADFA095}" type="slidenum">
               <a:rPr lang="en-US" dirty="0"/>
-              <a:t>‹#›</a:t>
             </a:fld>
             <a:endParaRPr lang="en-US" dirty="0"/>
           </a:p>
@@ -8694,7 +8079,7 @@
             <a:spLocks noGrp="1" noChangeAspect="1"/>
           </p:cNvSpPr>
           <p:nvPr>
-            <p:ph type="pic" idx="1"/>
+            <p:ph type="pic" idx="1" hasCustomPrompt="1"/>
           </p:nvPr>
         </p:nvSpPr>
         <p:spPr>
@@ -8837,6 +8222,7 @@
               <a:rPr lang="zh-CN" altLang="en-US" smtClean="0"/>
               <a:t>单击此处编辑母版文本样式</a:t>
             </a:r>
+            <a:endParaRPr lang="zh-CN" altLang="en-US" smtClean="0"/>
           </a:p>
         </p:txBody>
       </p:sp>
@@ -8857,7 +8243,6 @@
           <a:p>
             <a:fld id="{48A87A34-81AB-432B-8DAE-1953F412C126}" type="datetimeFigureOut">
               <a:rPr lang="en-US" dirty="0"/>
-              <a:t>1/4/21</a:t>
             </a:fld>
             <a:endParaRPr lang="en-US" dirty="0"/>
           </a:p>
@@ -8899,7 +8284,6 @@
           <a:p>
             <a:fld id="{6D22F896-40B5-4ADD-8801-0D06FADFA095}" type="slidenum">
               <a:rPr lang="en-US" dirty="0"/>
-              <a:t>‹#›</a:t>
             </a:fld>
             <a:endParaRPr lang="en-US" dirty="0"/>
           </a:p>
@@ -8944,7 +8328,7 @@
           <p:nvPr/>
         </p:nvPicPr>
         <p:blipFill>
-          <a:blip r:embed="rId19">
+          <a:blip r:embed="rId18">
             <a:alphaModFix amt="30000"/>
             <a:extLst>
               <a:ext uri="{28A0092B-C50C-407E-A947-70E740481C1C}">
@@ -8966,15 +8350,6 @@
             <a:avLst/>
           </a:prstGeom>
           <a:noFill/>
-          <a:extLst>
-            <a:ext uri="{909E8E84-426E-40dd-AFC4-6F175D3DCCD1}">
-              <a14:hiddenFill xmlns:a14="http://schemas.microsoft.com/office/drawing/2010/main" xmlns="">
-                <a:solidFill>
-                  <a:srgbClr val="FFFFFF"/>
-                </a:solidFill>
-              </a14:hiddenFill>
-            </a:ext>
-          </a:extLst>
         </p:spPr>
       </p:pic>
       <p:grpSp>
@@ -9040,18 +8415,6 @@
               <a:ln>
                 <a:noFill/>
               </a:ln>
-              <a:extLst>
-                <a:ext uri="{91240B29-F687-4f45-9708-019B960494DF}">
-                  <a14:hiddenLine xmlns:a14="http://schemas.microsoft.com/office/drawing/2010/main" xmlns="" w="9525">
-                    <a:solidFill>
-                      <a:srgbClr val="000000"/>
-                    </a:solidFill>
-                    <a:miter lim="800000"/>
-                    <a:headEnd/>
-                    <a:tailEnd/>
-                  </a14:hiddenLine>
-                </a:ext>
-              </a:extLst>
             </p:spPr>
           </p:sp>
           <p:sp>
@@ -9130,18 +8493,6 @@
               <a:ln>
                 <a:noFill/>
               </a:ln>
-              <a:extLst>
-                <a:ext uri="{91240B29-F687-4f45-9708-019B960494DF}">
-                  <a14:hiddenLine xmlns:a14="http://schemas.microsoft.com/office/drawing/2010/main" xmlns="" w="9525">
-                    <a:solidFill>
-                      <a:srgbClr val="000000"/>
-                    </a:solidFill>
-                    <a:round/>
-                    <a:headEnd/>
-                    <a:tailEnd/>
-                  </a14:hiddenLine>
-                </a:ext>
-              </a:extLst>
             </p:spPr>
           </p:sp>
           <p:sp>
@@ -9220,18 +8571,6 @@
               <a:ln>
                 <a:noFill/>
               </a:ln>
-              <a:extLst>
-                <a:ext uri="{91240B29-F687-4f45-9708-019B960494DF}">
-                  <a14:hiddenLine xmlns:a14="http://schemas.microsoft.com/office/drawing/2010/main" xmlns="" w="9525">
-                    <a:solidFill>
-                      <a:srgbClr val="000000"/>
-                    </a:solidFill>
-                    <a:round/>
-                    <a:headEnd/>
-                    <a:tailEnd/>
-                  </a14:hiddenLine>
-                </a:ext>
-              </a:extLst>
             </p:spPr>
           </p:sp>
           <p:sp>
@@ -9282,18 +8621,6 @@
               <a:ln>
                 <a:noFill/>
               </a:ln>
-              <a:extLst>
-                <a:ext uri="{91240B29-F687-4f45-9708-019B960494DF}">
-                  <a14:hiddenLine xmlns:a14="http://schemas.microsoft.com/office/drawing/2010/main" xmlns="" w="9525">
-                    <a:solidFill>
-                      <a:srgbClr val="000000"/>
-                    </a:solidFill>
-                    <a:round/>
-                    <a:headEnd/>
-                    <a:tailEnd/>
-                  </a14:hiddenLine>
-                </a:ext>
-              </a:extLst>
             </p:spPr>
           </p:sp>
           <p:sp>
@@ -9372,18 +8699,6 @@
               <a:ln>
                 <a:noFill/>
               </a:ln>
-              <a:extLst>
-                <a:ext uri="{91240B29-F687-4f45-9708-019B960494DF}">
-                  <a14:hiddenLine xmlns:a14="http://schemas.microsoft.com/office/drawing/2010/main" xmlns="" w="9525">
-                    <a:solidFill>
-                      <a:srgbClr val="000000"/>
-                    </a:solidFill>
-                    <a:round/>
-                    <a:headEnd/>
-                    <a:tailEnd/>
-                  </a14:hiddenLine>
-                </a:ext>
-              </a:extLst>
             </p:spPr>
           </p:sp>
           <p:sp>
@@ -9434,18 +8749,6 @@
               <a:ln>
                 <a:noFill/>
               </a:ln>
-              <a:extLst>
-                <a:ext uri="{91240B29-F687-4f45-9708-019B960494DF}">
-                  <a14:hiddenLine xmlns:a14="http://schemas.microsoft.com/office/drawing/2010/main" xmlns="" w="9525">
-                    <a:solidFill>
-                      <a:srgbClr val="000000"/>
-                    </a:solidFill>
-                    <a:round/>
-                    <a:headEnd/>
-                    <a:tailEnd/>
-                  </a14:hiddenLine>
-                </a:ext>
-              </a:extLst>
             </p:spPr>
           </p:sp>
           <p:sp>
@@ -9496,18 +8799,6 @@
               <a:ln>
                 <a:noFill/>
               </a:ln>
-              <a:extLst>
-                <a:ext uri="{91240B29-F687-4f45-9708-019B960494DF}">
-                  <a14:hiddenLine xmlns:a14="http://schemas.microsoft.com/office/drawing/2010/main" xmlns="" w="9525">
-                    <a:solidFill>
-                      <a:srgbClr val="000000"/>
-                    </a:solidFill>
-                    <a:round/>
-                    <a:headEnd/>
-                    <a:tailEnd/>
-                  </a14:hiddenLine>
-                </a:ext>
-              </a:extLst>
             </p:spPr>
           </p:sp>
           <p:sp>
@@ -9586,18 +8877,6 @@
               <a:ln>
                 <a:noFill/>
               </a:ln>
-              <a:extLst>
-                <a:ext uri="{91240B29-F687-4f45-9708-019B960494DF}">
-                  <a14:hiddenLine xmlns:a14="http://schemas.microsoft.com/office/drawing/2010/main" xmlns="" w="9525">
-                    <a:solidFill>
-                      <a:srgbClr val="000000"/>
-                    </a:solidFill>
-                    <a:round/>
-                    <a:headEnd/>
-                    <a:tailEnd/>
-                  </a14:hiddenLine>
-                </a:ext>
-              </a:extLst>
             </p:spPr>
           </p:sp>
           <p:sp>
@@ -9676,18 +8955,6 @@
               <a:ln>
                 <a:noFill/>
               </a:ln>
-              <a:extLst>
-                <a:ext uri="{91240B29-F687-4f45-9708-019B960494DF}">
-                  <a14:hiddenLine xmlns:a14="http://schemas.microsoft.com/office/drawing/2010/main" xmlns="" w="9525">
-                    <a:solidFill>
-                      <a:srgbClr val="000000"/>
-                    </a:solidFill>
-                    <a:round/>
-                    <a:headEnd/>
-                    <a:tailEnd/>
-                  </a14:hiddenLine>
-                </a:ext>
-              </a:extLst>
             </p:spPr>
           </p:sp>
           <p:sp>
@@ -9738,18 +9005,6 @@
               <a:ln>
                 <a:noFill/>
               </a:ln>
-              <a:extLst>
-                <a:ext uri="{91240B29-F687-4f45-9708-019B960494DF}">
-                  <a14:hiddenLine xmlns:a14="http://schemas.microsoft.com/office/drawing/2010/main" xmlns="" w="9525">
-                    <a:solidFill>
-                      <a:srgbClr val="000000"/>
-                    </a:solidFill>
-                    <a:round/>
-                    <a:headEnd/>
-                    <a:tailEnd/>
-                  </a14:hiddenLine>
-                </a:ext>
-              </a:extLst>
             </p:spPr>
           </p:sp>
           <p:sp>
@@ -9848,18 +9103,6 @@
               <a:ln>
                 <a:noFill/>
               </a:ln>
-              <a:extLst>
-                <a:ext uri="{91240B29-F687-4f45-9708-019B960494DF}">
-                  <a14:hiddenLine xmlns:a14="http://schemas.microsoft.com/office/drawing/2010/main" xmlns="" w="9525">
-                    <a:solidFill>
-                      <a:srgbClr val="000000"/>
-                    </a:solidFill>
-                    <a:round/>
-                    <a:headEnd/>
-                    <a:tailEnd/>
-                  </a14:hiddenLine>
-                </a:ext>
-              </a:extLst>
             </p:spPr>
           </p:sp>
           <p:sp>
@@ -9885,8 +9128,6 @@
                 </a:solidFill>
                 <a:prstDash val="solid"/>
                 <a:miter lim="800000"/>
-                <a:headEnd/>
-                <a:tailEnd/>
               </a:ln>
             </p:spPr>
           </p:sp>
@@ -9932,18 +9173,6 @@
               <a:ln>
                 <a:noFill/>
               </a:ln>
-              <a:extLst>
-                <a:ext uri="{91240B29-F687-4f45-9708-019B960494DF}">
-                  <a14:hiddenLine xmlns:a14="http://schemas.microsoft.com/office/drawing/2010/main" xmlns="" w="9525">
-                    <a:solidFill>
-                      <a:srgbClr val="000000"/>
-                    </a:solidFill>
-                    <a:round/>
-                    <a:headEnd/>
-                    <a:tailEnd/>
-                  </a14:hiddenLine>
-                </a:ext>
-              </a:extLst>
             </p:spPr>
           </p:sp>
           <p:sp>
@@ -9994,18 +9223,6 @@
               <a:ln>
                 <a:noFill/>
               </a:ln>
-              <a:extLst>
-                <a:ext uri="{91240B29-F687-4f45-9708-019B960494DF}">
-                  <a14:hiddenLine xmlns:a14="http://schemas.microsoft.com/office/drawing/2010/main" xmlns="" w="9525">
-                    <a:solidFill>
-                      <a:srgbClr val="000000"/>
-                    </a:solidFill>
-                    <a:round/>
-                    <a:headEnd/>
-                    <a:tailEnd/>
-                  </a14:hiddenLine>
-                </a:ext>
-              </a:extLst>
             </p:spPr>
           </p:sp>
           <p:sp>
@@ -10056,18 +9273,6 @@
               <a:ln>
                 <a:noFill/>
               </a:ln>
-              <a:extLst>
-                <a:ext uri="{91240B29-F687-4f45-9708-019B960494DF}">
-                  <a14:hiddenLine xmlns:a14="http://schemas.microsoft.com/office/drawing/2010/main" xmlns="" w="9525">
-                    <a:solidFill>
-                      <a:srgbClr val="000000"/>
-                    </a:solidFill>
-                    <a:round/>
-                    <a:headEnd/>
-                    <a:tailEnd/>
-                  </a14:hiddenLine>
-                </a:ext>
-              </a:extLst>
             </p:spPr>
           </p:sp>
           <p:sp>
@@ -10146,18 +9351,6 @@
               <a:ln>
                 <a:noFill/>
               </a:ln>
-              <a:extLst>
-                <a:ext uri="{91240B29-F687-4f45-9708-019B960494DF}">
-                  <a14:hiddenLine xmlns:a14="http://schemas.microsoft.com/office/drawing/2010/main" xmlns="" w="9525">
-                    <a:solidFill>
-                      <a:srgbClr val="000000"/>
-                    </a:solidFill>
-                    <a:round/>
-                    <a:headEnd/>
-                    <a:tailEnd/>
-                  </a14:hiddenLine>
-                </a:ext>
-              </a:extLst>
             </p:spPr>
           </p:sp>
           <p:sp>
@@ -10180,18 +9373,6 @@
               <a:ln>
                 <a:noFill/>
               </a:ln>
-              <a:extLst>
-                <a:ext uri="{91240B29-F687-4f45-9708-019B960494DF}">
-                  <a14:hiddenLine xmlns:a14="http://schemas.microsoft.com/office/drawing/2010/main" xmlns="" w="9525">
-                    <a:solidFill>
-                      <a:srgbClr val="000000"/>
-                    </a:solidFill>
-                    <a:miter lim="800000"/>
-                    <a:headEnd/>
-                    <a:tailEnd/>
-                  </a14:hiddenLine>
-                </a:ext>
-              </a:extLst>
             </p:spPr>
           </p:sp>
           <p:sp>
@@ -10245,18 +9426,6 @@
               <a:ln>
                 <a:noFill/>
               </a:ln>
-              <a:extLst>
-                <a:ext uri="{91240B29-F687-4f45-9708-019B960494DF}">
-                  <a14:hiddenLine xmlns:a14="http://schemas.microsoft.com/office/drawing/2010/main" xmlns="" w="9525">
-                    <a:solidFill>
-                      <a:srgbClr val="000000"/>
-                    </a:solidFill>
-                    <a:round/>
-                    <a:headEnd/>
-                    <a:tailEnd/>
-                  </a14:hiddenLine>
-                </a:ext>
-              </a:extLst>
             </p:spPr>
           </p:sp>
           <p:sp>
@@ -10335,18 +9504,6 @@
               <a:ln>
                 <a:noFill/>
               </a:ln>
-              <a:extLst>
-                <a:ext uri="{91240B29-F687-4f45-9708-019B960494DF}">
-                  <a14:hiddenLine xmlns:a14="http://schemas.microsoft.com/office/drawing/2010/main" xmlns="" w="9525">
-                    <a:solidFill>
-                      <a:srgbClr val="000000"/>
-                    </a:solidFill>
-                    <a:round/>
-                    <a:headEnd/>
-                    <a:tailEnd/>
-                  </a14:hiddenLine>
-                </a:ext>
-              </a:extLst>
             </p:spPr>
           </p:sp>
           <p:sp>
@@ -10397,18 +9554,6 @@
               <a:ln>
                 <a:noFill/>
               </a:ln>
-              <a:extLst>
-                <a:ext uri="{91240B29-F687-4f45-9708-019B960494DF}">
-                  <a14:hiddenLine xmlns:a14="http://schemas.microsoft.com/office/drawing/2010/main" xmlns="" w="9525">
-                    <a:solidFill>
-                      <a:srgbClr val="000000"/>
-                    </a:solidFill>
-                    <a:round/>
-                    <a:headEnd/>
-                    <a:tailEnd/>
-                  </a14:hiddenLine>
-                </a:ext>
-              </a:extLst>
             </p:spPr>
           </p:sp>
           <p:sp>
@@ -10487,18 +9632,6 @@
               <a:ln>
                 <a:noFill/>
               </a:ln>
-              <a:extLst>
-                <a:ext uri="{91240B29-F687-4f45-9708-019B960494DF}">
-                  <a14:hiddenLine xmlns:a14="http://schemas.microsoft.com/office/drawing/2010/main" xmlns="" w="9525">
-                    <a:solidFill>
-                      <a:srgbClr val="000000"/>
-                    </a:solidFill>
-                    <a:round/>
-                    <a:headEnd/>
-                    <a:tailEnd/>
-                  </a14:hiddenLine>
-                </a:ext>
-              </a:extLst>
             </p:spPr>
           </p:sp>
           <p:sp>
@@ -10552,18 +9685,6 @@
               <a:ln>
                 <a:noFill/>
               </a:ln>
-              <a:extLst>
-                <a:ext uri="{91240B29-F687-4f45-9708-019B960494DF}">
-                  <a14:hiddenLine xmlns:a14="http://schemas.microsoft.com/office/drawing/2010/main" xmlns="" w="9525">
-                    <a:solidFill>
-                      <a:srgbClr val="000000"/>
-                    </a:solidFill>
-                    <a:round/>
-                    <a:headEnd/>
-                    <a:tailEnd/>
-                  </a14:hiddenLine>
-                </a:ext>
-              </a:extLst>
             </p:spPr>
           </p:sp>
           <p:sp>
@@ -10614,18 +9735,6 @@
               <a:ln>
                 <a:noFill/>
               </a:ln>
-              <a:extLst>
-                <a:ext uri="{91240B29-F687-4f45-9708-019B960494DF}">
-                  <a14:hiddenLine xmlns:a14="http://schemas.microsoft.com/office/drawing/2010/main" xmlns="" w="9525">
-                    <a:solidFill>
-                      <a:srgbClr val="000000"/>
-                    </a:solidFill>
-                    <a:round/>
-                    <a:headEnd/>
-                    <a:tailEnd/>
-                  </a14:hiddenLine>
-                </a:ext>
-              </a:extLst>
             </p:spPr>
           </p:sp>
           <p:sp>
@@ -10704,18 +9813,6 @@
               <a:ln>
                 <a:noFill/>
               </a:ln>
-              <a:extLst>
-                <a:ext uri="{91240B29-F687-4f45-9708-019B960494DF}">
-                  <a14:hiddenLine xmlns:a14="http://schemas.microsoft.com/office/drawing/2010/main" xmlns="" w="9525">
-                    <a:solidFill>
-                      <a:srgbClr val="000000"/>
-                    </a:solidFill>
-                    <a:round/>
-                    <a:headEnd/>
-                    <a:tailEnd/>
-                  </a14:hiddenLine>
-                </a:ext>
-              </a:extLst>
             </p:spPr>
           </p:sp>
           <p:sp>
@@ -10794,18 +9891,6 @@
               <a:ln>
                 <a:noFill/>
               </a:ln>
-              <a:extLst>
-                <a:ext uri="{91240B29-F687-4f45-9708-019B960494DF}">
-                  <a14:hiddenLine xmlns:a14="http://schemas.microsoft.com/office/drawing/2010/main" xmlns="" w="9525">
-                    <a:solidFill>
-                      <a:srgbClr val="000000"/>
-                    </a:solidFill>
-                    <a:round/>
-                    <a:headEnd/>
-                    <a:tailEnd/>
-                  </a14:hiddenLine>
-                </a:ext>
-              </a:extLst>
             </p:spPr>
           </p:sp>
           <p:sp>
@@ -10859,18 +9944,6 @@
               <a:ln>
                 <a:noFill/>
               </a:ln>
-              <a:extLst>
-                <a:ext uri="{91240B29-F687-4f45-9708-019B960494DF}">
-                  <a14:hiddenLine xmlns:a14="http://schemas.microsoft.com/office/drawing/2010/main" xmlns="" w="9525">
-                    <a:solidFill>
-                      <a:srgbClr val="000000"/>
-                    </a:solidFill>
-                    <a:round/>
-                    <a:headEnd/>
-                    <a:tailEnd/>
-                  </a14:hiddenLine>
-                </a:ext>
-              </a:extLst>
             </p:spPr>
           </p:sp>
           <p:sp>
@@ -10979,18 +10052,6 @@
               <a:ln>
                 <a:noFill/>
               </a:ln>
-              <a:extLst>
-                <a:ext uri="{91240B29-F687-4f45-9708-019B960494DF}">
-                  <a14:hiddenLine xmlns:a14="http://schemas.microsoft.com/office/drawing/2010/main" xmlns="" w="9525">
-                    <a:solidFill>
-                      <a:srgbClr val="000000"/>
-                    </a:solidFill>
-                    <a:round/>
-                    <a:headEnd/>
-                    <a:tailEnd/>
-                  </a14:hiddenLine>
-                </a:ext>
-              </a:extLst>
             </p:spPr>
           </p:sp>
         </p:grpSp>
@@ -11077,18 +10138,6 @@
               <a:ln>
                 <a:noFill/>
               </a:ln>
-              <a:extLst>
-                <a:ext uri="{91240B29-F687-4f45-9708-019B960494DF}">
-                  <a14:hiddenLine xmlns:a14="http://schemas.microsoft.com/office/drawing/2010/main" xmlns="" w="9525">
-                    <a:solidFill>
-                      <a:srgbClr val="000000"/>
-                    </a:solidFill>
-                    <a:round/>
-                    <a:headEnd/>
-                    <a:tailEnd/>
-                  </a14:hiddenLine>
-                </a:ext>
-              </a:extLst>
             </p:spPr>
           </p:sp>
           <p:sp>
@@ -11192,18 +10241,6 @@
               <a:ln>
                 <a:noFill/>
               </a:ln>
-              <a:extLst>
-                <a:ext uri="{91240B29-F687-4f45-9708-019B960494DF}">
-                  <a14:hiddenLine xmlns:a14="http://schemas.microsoft.com/office/drawing/2010/main" xmlns="" w="9525">
-                    <a:solidFill>
-                      <a:srgbClr val="000000"/>
-                    </a:solidFill>
-                    <a:round/>
-                    <a:headEnd/>
-                    <a:tailEnd/>
-                  </a14:hiddenLine>
-                </a:ext>
-              </a:extLst>
             </p:spPr>
           </p:sp>
           <p:sp>
@@ -11282,18 +10319,6 @@
               <a:ln>
                 <a:noFill/>
               </a:ln>
-              <a:extLst>
-                <a:ext uri="{91240B29-F687-4f45-9708-019B960494DF}">
-                  <a14:hiddenLine xmlns:a14="http://schemas.microsoft.com/office/drawing/2010/main" xmlns="" w="9525">
-                    <a:solidFill>
-                      <a:srgbClr val="000000"/>
-                    </a:solidFill>
-                    <a:round/>
-                    <a:headEnd/>
-                    <a:tailEnd/>
-                  </a14:hiddenLine>
-                </a:ext>
-              </a:extLst>
             </p:spPr>
           </p:sp>
           <p:sp>
@@ -11347,18 +10372,6 @@
               <a:ln>
                 <a:noFill/>
               </a:ln>
-              <a:extLst>
-                <a:ext uri="{91240B29-F687-4f45-9708-019B960494DF}">
-                  <a14:hiddenLine xmlns:a14="http://schemas.microsoft.com/office/drawing/2010/main" xmlns="" w="9525">
-                    <a:solidFill>
-                      <a:srgbClr val="000000"/>
-                    </a:solidFill>
-                    <a:round/>
-                    <a:headEnd/>
-                    <a:tailEnd/>
-                  </a14:hiddenLine>
-                </a:ext>
-              </a:extLst>
             </p:spPr>
           </p:sp>
           <p:sp>
@@ -11437,18 +10450,6 @@
               <a:ln>
                 <a:noFill/>
               </a:ln>
-              <a:extLst>
-                <a:ext uri="{91240B29-F687-4f45-9708-019B960494DF}">
-                  <a14:hiddenLine xmlns:a14="http://schemas.microsoft.com/office/drawing/2010/main" xmlns="" w="9525">
-                    <a:solidFill>
-                      <a:srgbClr val="000000"/>
-                    </a:solidFill>
-                    <a:round/>
-                    <a:headEnd/>
-                    <a:tailEnd/>
-                  </a14:hiddenLine>
-                </a:ext>
-              </a:extLst>
             </p:spPr>
           </p:sp>
           <p:sp>
@@ -11505,18 +10506,6 @@
               <a:ln>
                 <a:noFill/>
               </a:ln>
-              <a:extLst>
-                <a:ext uri="{91240B29-F687-4f45-9708-019B960494DF}">
-                  <a14:hiddenLine xmlns:a14="http://schemas.microsoft.com/office/drawing/2010/main" xmlns="" w="9525">
-                    <a:solidFill>
-                      <a:srgbClr val="000000"/>
-                    </a:solidFill>
-                    <a:round/>
-                    <a:headEnd/>
-                    <a:tailEnd/>
-                  </a14:hiddenLine>
-                </a:ext>
-              </a:extLst>
             </p:spPr>
           </p:sp>
           <p:sp>
@@ -11595,18 +10584,6 @@
               <a:ln>
                 <a:noFill/>
               </a:ln>
-              <a:extLst>
-                <a:ext uri="{91240B29-F687-4f45-9708-019B960494DF}">
-                  <a14:hiddenLine xmlns:a14="http://schemas.microsoft.com/office/drawing/2010/main" xmlns="" w="9525">
-                    <a:solidFill>
-                      <a:srgbClr val="000000"/>
-                    </a:solidFill>
-                    <a:round/>
-                    <a:headEnd/>
-                    <a:tailEnd/>
-                  </a14:hiddenLine>
-                </a:ext>
-              </a:extLst>
             </p:spPr>
           </p:sp>
           <p:sp>
@@ -11663,18 +10640,6 @@
               <a:ln>
                 <a:noFill/>
               </a:ln>
-              <a:extLst>
-                <a:ext uri="{91240B29-F687-4f45-9708-019B960494DF}">
-                  <a14:hiddenLine xmlns:a14="http://schemas.microsoft.com/office/drawing/2010/main" xmlns="" w="9525">
-                    <a:solidFill>
-                      <a:srgbClr val="000000"/>
-                    </a:solidFill>
-                    <a:round/>
-                    <a:headEnd/>
-                    <a:tailEnd/>
-                  </a14:hiddenLine>
-                </a:ext>
-              </a:extLst>
             </p:spPr>
           </p:sp>
           <p:sp>
@@ -11753,18 +10718,6 @@
               <a:ln>
                 <a:noFill/>
               </a:ln>
-              <a:extLst>
-                <a:ext uri="{91240B29-F687-4f45-9708-019B960494DF}">
-                  <a14:hiddenLine xmlns:a14="http://schemas.microsoft.com/office/drawing/2010/main" xmlns="" w="9525">
-                    <a:solidFill>
-                      <a:srgbClr val="000000"/>
-                    </a:solidFill>
-                    <a:round/>
-                    <a:headEnd/>
-                    <a:tailEnd/>
-                  </a14:hiddenLine>
-                </a:ext>
-              </a:extLst>
             </p:spPr>
           </p:sp>
           <p:sp>
@@ -11787,18 +10740,6 @@
               <a:ln>
                 <a:noFill/>
               </a:ln>
-              <a:extLst>
-                <a:ext uri="{91240B29-F687-4f45-9708-019B960494DF}">
-                  <a14:hiddenLine xmlns:a14="http://schemas.microsoft.com/office/drawing/2010/main" xmlns="" w="9525">
-                    <a:solidFill>
-                      <a:srgbClr val="000000"/>
-                    </a:solidFill>
-                    <a:miter lim="800000"/>
-                    <a:headEnd/>
-                    <a:tailEnd/>
-                  </a14:hiddenLine>
-                </a:ext>
-              </a:extLst>
             </p:spPr>
           </p:sp>
         </p:grpSp>
@@ -11862,6 +10803,7 @@
               <a:rPr lang="zh-CN" altLang="en-US" smtClean="0"/>
               <a:t>单击此处编辑母版文本样式</a:t>
             </a:r>
+            <a:endParaRPr lang="zh-CN" altLang="en-US" smtClean="0"/>
           </a:p>
           <a:p>
             <a:pPr lvl="1"/>
@@ -11869,6 +10811,7 @@
               <a:rPr lang="zh-CN" altLang="en-US" smtClean="0"/>
               <a:t>二级</a:t>
             </a:r>
+            <a:endParaRPr lang="zh-CN" altLang="en-US" smtClean="0"/>
           </a:p>
           <a:p>
             <a:pPr lvl="2"/>
@@ -11876,6 +10819,7 @@
               <a:rPr lang="zh-CN" altLang="en-US" smtClean="0"/>
               <a:t>三级</a:t>
             </a:r>
+            <a:endParaRPr lang="zh-CN" altLang="en-US" smtClean="0"/>
           </a:p>
           <a:p>
             <a:pPr lvl="3"/>
@@ -11883,6 +10827,7 @@
               <a:rPr lang="zh-CN" altLang="en-US" smtClean="0"/>
               <a:t>四级</a:t>
             </a:r>
+            <a:endParaRPr lang="zh-CN" altLang="en-US" smtClean="0"/>
           </a:p>
           <a:p>
             <a:pPr lvl="4"/>
@@ -11929,8 +10874,6 @@
           <a:p>
             <a:fld id="{48A87A34-81AB-432B-8DAE-1953F412C126}" type="datetimeFigureOut">
               <a:rPr lang="en-US" dirty="0"/>
-              <a:pPr/>
-              <a:t>1/4/21</a:t>
             </a:fld>
             <a:endParaRPr lang="en-US" dirty="0"/>
           </a:p>
@@ -12008,8 +10951,6 @@
           <a:p>
             <a:fld id="{6D22F896-40B5-4ADD-8801-0D06FADFA095}" type="slidenum">
               <a:rPr lang="en-US" dirty="0"/>
-              <a:pPr/>
-              <a:t>‹#›</a:t>
             </a:fld>
             <a:endParaRPr lang="en-US" dirty="0"/>
           </a:p>
@@ -12028,14 +10969,14 @@
     <p:sldLayoutId id="2147483655" r:id="rId7"/>
     <p:sldLayoutId id="2147483656" r:id="rId8"/>
     <p:sldLayoutId id="2147483657" r:id="rId9"/>
-    <p:sldLayoutId id="2147483660" r:id="rId10"/>
-    <p:sldLayoutId id="2147483661" r:id="rId11"/>
-    <p:sldLayoutId id="2147483666" r:id="rId12"/>
-    <p:sldLayoutId id="2147483663" r:id="rId13"/>
-    <p:sldLayoutId id="2147483667" r:id="rId14"/>
-    <p:sldLayoutId id="2147483668" r:id="rId15"/>
-    <p:sldLayoutId id="2147483658" r:id="rId16"/>
-    <p:sldLayoutId id="2147483659" r:id="rId17"/>
+    <p:sldLayoutId id="2147483658" r:id="rId10"/>
+    <p:sldLayoutId id="2147483659" r:id="rId11"/>
+    <p:sldLayoutId id="2147483660" r:id="rId12"/>
+    <p:sldLayoutId id="2147483661" r:id="rId13"/>
+    <p:sldLayoutId id="2147483662" r:id="rId14"/>
+    <p:sldLayoutId id="2147483663" r:id="rId15"/>
+    <p:sldLayoutId id="2147483664" r:id="rId16"/>
+    <p:sldLayoutId id="2147483665" r:id="rId17"/>
   </p:sldLayoutIdLst>
   <p:txStyles>
     <p:titleStyle>
@@ -12066,7 +11007,7 @@
           <a:spcPts val="1000"/>
         </a:spcBef>
         <a:buSzPct val="125000"/>
-        <a:buFont typeface="Arial" panose="020B0604020202020204" pitchFamily="34" charset="0"/>
+        <a:buFont typeface="Arial" panose="020B0604020202090204" pitchFamily="34" charset="0"/>
         <a:buChar char="•"/>
         <a:defRPr sz="2400" kern="1200">
           <a:solidFill>
@@ -12085,7 +11026,7 @@
           <a:spcPts val="500"/>
         </a:spcBef>
         <a:buSzPct val="125000"/>
-        <a:buFont typeface="Arial" panose="020B0604020202020204" pitchFamily="34" charset="0"/>
+        <a:buFont typeface="Arial" panose="020B0604020202090204" pitchFamily="34" charset="0"/>
         <a:buChar char="•"/>
         <a:defRPr sz="2000" kern="1200">
           <a:solidFill>
@@ -12104,7 +11045,7 @@
           <a:spcPts val="500"/>
         </a:spcBef>
         <a:buSzPct val="125000"/>
-        <a:buFont typeface="Arial" panose="020B0604020202020204" pitchFamily="34" charset="0"/>
+        <a:buFont typeface="Arial" panose="020B0604020202090204" pitchFamily="34" charset="0"/>
         <a:buChar char="•"/>
         <a:defRPr sz="1800" kern="1200">
           <a:solidFill>
@@ -12123,7 +11064,7 @@
           <a:spcPts val="500"/>
         </a:spcBef>
         <a:buSzPct val="125000"/>
-        <a:buFont typeface="Arial" panose="020B0604020202020204" pitchFamily="34" charset="0"/>
+        <a:buFont typeface="Arial" panose="020B0604020202090204" pitchFamily="34" charset="0"/>
         <a:buChar char="•"/>
         <a:defRPr sz="1600" kern="1200">
           <a:solidFill>
@@ -12142,7 +11083,7 @@
           <a:spcPts val="500"/>
         </a:spcBef>
         <a:buSzPct val="125000"/>
-        <a:buFont typeface="Arial" panose="020B0604020202020204" pitchFamily="34" charset="0"/>
+        <a:buFont typeface="Arial" panose="020B0604020202090204" pitchFamily="34" charset="0"/>
         <a:buChar char="•"/>
         <a:defRPr sz="1600" kern="1200">
           <a:solidFill>
@@ -12161,7 +11102,7 @@
           <a:spcPts val="500"/>
         </a:spcBef>
         <a:buSzPct val="125000"/>
-        <a:buFont typeface="Arial" panose="020B0604020202020204" pitchFamily="34" charset="0"/>
+        <a:buFont typeface="Arial" panose="020B0604020202090204" pitchFamily="34" charset="0"/>
         <a:buChar char="•"/>
         <a:defRPr sz="1400" kern="1200">
           <a:solidFill>
@@ -12180,7 +11121,7 @@
           <a:spcPts val="500"/>
         </a:spcBef>
         <a:buSzPct val="125000"/>
-        <a:buFont typeface="Arial" panose="020B0604020202020204" pitchFamily="34" charset="0"/>
+        <a:buFont typeface="Arial" panose="020B0604020202090204" pitchFamily="34" charset="0"/>
         <a:buChar char="•"/>
         <a:defRPr sz="1400" kern="1200">
           <a:solidFill>
@@ -12199,7 +11140,7 @@
           <a:spcPts val="500"/>
         </a:spcBef>
         <a:buSzPct val="125000"/>
-        <a:buFont typeface="Arial" panose="020B0604020202020204" pitchFamily="34" charset="0"/>
+        <a:buFont typeface="Arial" panose="020B0604020202090204" pitchFamily="34" charset="0"/>
         <a:buChar char="•"/>
         <a:defRPr sz="1400" kern="1200">
           <a:solidFill>
@@ -12218,7 +11159,7 @@
           <a:spcPts val="500"/>
         </a:spcBef>
         <a:buSzPct val="125000"/>
-        <a:buFont typeface="Arial" panose="020B0604020202020204" pitchFamily="34" charset="0"/>
+        <a:buFont typeface="Arial" panose="020B0604020202090204" pitchFamily="34" charset="0"/>
         <a:buChar char="•"/>
         <a:defRPr sz="1400" kern="1200">
           <a:solidFill>
@@ -12362,15 +11303,21 @@
           <a:lstStyle/>
           <a:p>
             <a:r>
-              <a:rPr kumimoji="1" lang="en-US" altLang="zh-CN" dirty="0" smtClean="0"/>
+              <a:rPr kumimoji="1" lang="en-US" altLang="zh-CN" dirty="0" smtClean="0">
+                <a:hlinkClick r:id="rId1" tooltip="" action="ppaction://hlinkfile"/>
+              </a:rPr>
               <a:t>React</a:t>
             </a:r>
             <a:r>
-              <a:rPr kumimoji="1" lang="zh-CN" altLang="en-US" dirty="0" smtClean="0"/>
+              <a:rPr kumimoji="1" lang="zh-CN" altLang="en-US" dirty="0" smtClean="0">
+                <a:hlinkClick r:id="rId1" tooltip="" action="ppaction://hlinkfile"/>
+              </a:rPr>
               <a:t> </a:t>
             </a:r>
             <a:r>
-              <a:rPr kumimoji="1" lang="en-US" altLang="zh-CN" dirty="0" smtClean="0"/>
+              <a:rPr kumimoji="1" lang="en-US" altLang="zh-CN" dirty="0" smtClean="0">
+                <a:hlinkClick r:id="rId1" tooltip="" action="ppaction://hlinkfile"/>
+              </a:rPr>
               <a:t>v17</a:t>
             </a:r>
             <a:endParaRPr kumimoji="1" lang="zh-CN" altLang="en-US" dirty="0"/>
@@ -12389,19 +11336,58 @@
         </p:nvSpPr>
         <p:spPr/>
         <p:txBody>
-          <a:bodyPr/>
+          <a:bodyPr>
+            <a:normAutofit lnSpcReduction="20000"/>
+          </a:bodyPr>
           <a:lstStyle/>
+          <a:p>
+            <a:r>
+              <a:rPr lang="en-US" altLang="zh-CN">
+                <a:sym typeface="+mn-ea"/>
+              </a:rPr>
+              <a:t>React 17 的版本是非比寻常的，因为它没有添加任何面向开发人员的新功能。而主要侧重于升级简化 React 本身。</a:t>
+            </a:r>
+            <a:endParaRPr lang="en-US" altLang="zh-CN">
+              <a:sym typeface="+mn-ea"/>
+            </a:endParaRPr>
+          </a:p>
+          <a:p>
+            <a:pPr marL="342900" indent="-342900">
+              <a:buFont typeface="Arial" panose="020B0604020202090204" pitchFamily="34" charset="0"/>
+              <a:buChar char="•"/>
+            </a:pPr>
+            <a:r>
+              <a:rPr lang="en-US" altLang="zh-CN">
+                <a:sym typeface="+mn-ea"/>
+              </a:rPr>
+              <a:t>逐步升级</a:t>
+            </a:r>
+            <a:endParaRPr lang="en-US" altLang="zh-CN"/>
+          </a:p>
+          <a:p>
+            <a:pPr marL="342900" indent="-342900">
+              <a:buFont typeface="Arial" panose="020B0604020202090204" pitchFamily="34" charset="0"/>
+              <a:buChar char="•"/>
+            </a:pPr>
+            <a:r>
+              <a:rPr lang="en-US" altLang="zh-CN">
+                <a:sym typeface="+mn-ea"/>
+              </a:rPr>
+              <a:t>事件代理更改</a:t>
+            </a:r>
+            <a:endParaRPr lang="en-US" altLang="zh-CN"/>
+          </a:p>
+          <a:p>
+            <a:endParaRPr lang="en-US" altLang="zh-CN">
+              <a:sym typeface="+mn-ea"/>
+            </a:endParaRPr>
+          </a:p>
           <a:p>
             <a:endParaRPr kumimoji="1" lang="zh-CN" altLang="en-US" dirty="0"/>
           </a:p>
         </p:txBody>
       </p:sp>
     </p:spTree>
-    <p:extLst>
-      <p:ext uri="{BB962C8B-B14F-4D97-AF65-F5344CB8AC3E}">
-        <p14:creationId xmlns:p14="http://schemas.microsoft.com/office/powerpoint/2010/main" val="111314330"/>
-      </p:ext>
-    </p:extLst>
   </p:cSld>
   <p:clrMapOvr>
     <a:masterClrMapping/>
@@ -12413,6 +11399,362 @@
       </p:par>
     </p:tnLst>
   </p:timing>
+</p:sld>
+</file>
+
+<file path=ppt/slides/slide10.xml><?xml version="1.0" encoding="utf-8"?>
+<p:sld xmlns:a="http://schemas.openxmlformats.org/drawingml/2006/main" xmlns:r="http://schemas.openxmlformats.org/officeDocument/2006/relationships" xmlns:p="http://schemas.openxmlformats.org/presentationml/2006/main">
+  <p:cSld>
+    <p:spTree>
+      <p:nvGrpSpPr>
+        <p:cNvPr id="1" name=""/>
+        <p:cNvGrpSpPr/>
+        <p:nvPr/>
+      </p:nvGrpSpPr>
+      <p:grpSpPr/>
+      <p:sp>
+        <p:nvSpPr>
+          <p:cNvPr id="2" name="文本框 1"/>
+          <p:cNvSpPr txBox="1"/>
+          <p:nvPr/>
+        </p:nvSpPr>
+        <p:spPr>
+          <a:xfrm>
+            <a:off x="1643380" y="1485900"/>
+            <a:ext cx="9526270" cy="1414780"/>
+          </a:xfrm>
+          <a:prstGeom prst="rect">
+            <a:avLst/>
+          </a:prstGeom>
+          <a:noFill/>
+        </p:spPr>
+        <p:txBody>
+          <a:bodyPr wrap="square" rtlCol="0">
+            <a:spAutoFit/>
+          </a:bodyPr>
+          <a:p>
+            <a:pPr algn="l"/>
+            <a:r>
+              <a:rPr lang="zh-CN" altLang="en-US" sz="2800"/>
+              <a:t>认识 getSnapshotBeforeUpdate</a:t>
+            </a:r>
+            <a:endParaRPr lang="zh-CN" altLang="en-US" sz="2800"/>
+          </a:p>
+          <a:p>
+            <a:pPr algn="l"/>
+            <a:endParaRPr lang="zh-CN" altLang="en-US"/>
+          </a:p>
+          <a:p>
+            <a:pPr algn="l"/>
+            <a:r>
+              <a:rPr lang="zh-CN" altLang="en-US" sz="2000"/>
+              <a:t>执行时机是在 render 方法之后，真实 DOM 更新之前。在这个阶段里，</a:t>
+            </a:r>
+            <a:endParaRPr lang="zh-CN" altLang="en-US" sz="2000"/>
+          </a:p>
+          <a:p>
+            <a:pPr algn="l"/>
+            <a:r>
+              <a:rPr lang="zh-CN" altLang="en-US" sz="2000"/>
+              <a:t>我们可以同时获取到更新前的真实 DOM 和更新前后的 state&amp;props 信息。</a:t>
+            </a:r>
+            <a:endParaRPr lang="zh-CN" altLang="en-US" sz="2000"/>
+          </a:p>
+        </p:txBody>
+      </p:sp>
+    </p:spTree>
+  </p:cSld>
+  <p:clrMapOvr>
+    <a:masterClrMapping/>
+  </p:clrMapOvr>
+</p:sld>
+</file>
+
+<file path=ppt/slides/slide11.xml><?xml version="1.0" encoding="utf-8"?>
+<p:sld xmlns:a="http://schemas.openxmlformats.org/drawingml/2006/main" xmlns:r="http://schemas.openxmlformats.org/officeDocument/2006/relationships" xmlns:p="http://schemas.openxmlformats.org/presentationml/2006/main">
+  <p:cSld>
+    <p:spTree>
+      <p:nvGrpSpPr>
+        <p:cNvPr id="1" name=""/>
+        <p:cNvGrpSpPr/>
+        <p:nvPr/>
+      </p:nvGrpSpPr>
+      <p:grpSpPr/>
+      <p:sp>
+        <p:nvSpPr>
+          <p:cNvPr id="2" name="文本框 1"/>
+          <p:cNvSpPr txBox="1"/>
+          <p:nvPr/>
+        </p:nvSpPr>
+        <p:spPr>
+          <a:xfrm>
+            <a:off x="1392555" y="789305"/>
+            <a:ext cx="9632315" cy="5662295"/>
+          </a:xfrm>
+          <a:prstGeom prst="rect">
+            <a:avLst/>
+          </a:prstGeom>
+          <a:noFill/>
+        </p:spPr>
+        <p:txBody>
+          <a:bodyPr wrap="none" rtlCol="0">
+            <a:spAutoFit/>
+          </a:bodyPr>
+          <a:p>
+            <a:pPr algn="l"/>
+            <a:r>
+              <a:rPr lang="zh-CN" altLang="en-US" sz="2400" b="1"/>
+              <a:t>react 生命周期变化的本质——Fiber</a:t>
+            </a:r>
+            <a:endParaRPr lang="zh-CN" altLang="en-US"/>
+          </a:p>
+          <a:p>
+            <a:pPr algn="l"/>
+            <a:endParaRPr lang="zh-CN" altLang="en-US"/>
+          </a:p>
+          <a:p>
+            <a:pPr algn="l"/>
+            <a:r>
+              <a:rPr lang="zh-CN" altLang="en-US" sz="2000"/>
+              <a:t>Fiber—— 会是原来的同步渲染过程变成异步的；在 Fiber 机制下，</a:t>
+            </a:r>
+            <a:endParaRPr lang="zh-CN" altLang="en-US" sz="2000"/>
+          </a:p>
+          <a:p>
+            <a:pPr algn="l"/>
+            <a:r>
+              <a:rPr lang="zh-CN" altLang="en-US" sz="2000"/>
+              <a:t>render 阶段是允许暂停、终止和重启的。当一个任务执行到一半被打断后，</a:t>
+            </a:r>
+            <a:endParaRPr lang="zh-CN" altLang="en-US" sz="2000"/>
+          </a:p>
+          <a:p>
+            <a:pPr algn="l"/>
+            <a:r>
+              <a:rPr lang="zh-CN" altLang="en-US" sz="2000"/>
+              <a:t>下一次渲染线程抢回主动权时，这个任务被重启的形式是“重复执行一遍整个任务”</a:t>
+            </a:r>
+            <a:endParaRPr lang="zh-CN" altLang="en-US" sz="2000"/>
+          </a:p>
+          <a:p>
+            <a:pPr algn="l"/>
+            <a:r>
+              <a:rPr lang="zh-CN" altLang="en-US" sz="2000"/>
+              <a:t>而非“接着上次执行到的那行代码往下走”。</a:t>
+            </a:r>
+            <a:endParaRPr lang="zh-CN" altLang="en-US" sz="2000"/>
+          </a:p>
+          <a:p>
+            <a:pPr algn="l"/>
+            <a:r>
+              <a:rPr lang="zh-CN" altLang="en-US" sz="2000"/>
+              <a:t>这就导致 render 阶段的生命周期都是有可能被重复执行的。</a:t>
+            </a:r>
+            <a:endParaRPr lang="zh-CN" altLang="en-US" sz="2000"/>
+          </a:p>
+          <a:p>
+            <a:pPr algn="l"/>
+            <a:endParaRPr lang="zh-CN" altLang="en-US" sz="2000"/>
+          </a:p>
+          <a:p>
+            <a:pPr algn="l"/>
+            <a:r>
+              <a:rPr lang="zh-CN" altLang="en-US" sz="2000"/>
+              <a:t>带着这个结论，我们再来看看 React 16 打算废弃的是哪些生命周期：</a:t>
+            </a:r>
+            <a:endParaRPr lang="zh-CN" altLang="en-US" sz="2000"/>
+          </a:p>
+          <a:p>
+            <a:pPr algn="l"/>
+            <a:endParaRPr lang="zh-CN" altLang="en-US" sz="2000"/>
+          </a:p>
+          <a:p>
+            <a:pPr algn="l"/>
+            <a:r>
+              <a:rPr lang="zh-CN" altLang="en-US" sz="2000"/>
+              <a:t>componentWillMount；</a:t>
+            </a:r>
+            <a:endParaRPr lang="zh-CN" altLang="en-US" sz="2000"/>
+          </a:p>
+          <a:p>
+            <a:pPr algn="l"/>
+            <a:endParaRPr lang="zh-CN" altLang="en-US" sz="2000"/>
+          </a:p>
+          <a:p>
+            <a:pPr algn="l"/>
+            <a:r>
+              <a:rPr lang="zh-CN" altLang="en-US" sz="2000"/>
+              <a:t>componentWillUpdate；</a:t>
+            </a:r>
+            <a:endParaRPr lang="zh-CN" altLang="en-US" sz="2000"/>
+          </a:p>
+          <a:p>
+            <a:pPr algn="l"/>
+            <a:endParaRPr lang="zh-CN" altLang="en-US" sz="2000"/>
+          </a:p>
+          <a:p>
+            <a:pPr algn="l"/>
+            <a:r>
+              <a:rPr lang="zh-CN" altLang="en-US" sz="2000"/>
+              <a:t>componentWillReceiveProps。</a:t>
+            </a:r>
+            <a:endParaRPr lang="zh-CN" altLang="en-US" sz="2000"/>
+          </a:p>
+          <a:p>
+            <a:pPr algn="l"/>
+            <a:endParaRPr lang="zh-CN" altLang="en-US" sz="2000"/>
+          </a:p>
+          <a:p>
+            <a:pPr algn="l"/>
+            <a:r>
+              <a:rPr lang="zh-CN" altLang="en-US" sz="2000"/>
+              <a:t>这些生命周期的共性，就是它们都处于 render 阶段，都可能重复被执行，</a:t>
+            </a:r>
+            <a:endParaRPr lang="zh-CN" altLang="en-US" sz="2000"/>
+          </a:p>
+          <a:p>
+            <a:pPr algn="l"/>
+            <a:r>
+              <a:rPr lang="zh-CN" altLang="en-US" sz="2000"/>
+              <a:t>而且由于这些 API 常年被滥用，它们在重复执行的过程中都存在着不可小觑的风险。</a:t>
+            </a:r>
+            <a:endParaRPr lang="zh-CN" altLang="en-US" sz="2000"/>
+          </a:p>
+        </p:txBody>
+      </p:sp>
+    </p:spTree>
+  </p:cSld>
+  <p:clrMapOvr>
+    <a:masterClrMapping/>
+  </p:clrMapOvr>
+</p:sld>
+</file>
+
+<file path=ppt/slides/slide12.xml><?xml version="1.0" encoding="utf-8"?>
+<p:sld xmlns:a="http://schemas.openxmlformats.org/drawingml/2006/main" xmlns:r="http://schemas.openxmlformats.org/officeDocument/2006/relationships" xmlns:p="http://schemas.openxmlformats.org/presentationml/2006/main">
+  <p:cSld>
+    <p:spTree>
+      <p:nvGrpSpPr>
+        <p:cNvPr id="1" name=""/>
+        <p:cNvGrpSpPr/>
+        <p:nvPr/>
+      </p:nvGrpSpPr>
+      <p:grpSpPr/>
+      <p:sp>
+        <p:nvSpPr>
+          <p:cNvPr id="2" name="标题 1"/>
+          <p:cNvSpPr>
+            <a:spLocks noGrp="1"/>
+          </p:cNvSpPr>
+          <p:nvPr>
+            <p:ph type="title"/>
+          </p:nvPr>
+        </p:nvSpPr>
+        <p:spPr/>
+        <p:txBody>
+          <a:bodyPr/>
+          <a:p>
+            <a:pPr algn="ctr"/>
+            <a:r>
+              <a:rPr lang="en-US" altLang="zh-CN"/>
+              <a:t>react </a:t>
+            </a:r>
+            <a:r>
+              <a:rPr lang="zh-CN" altLang="en-US"/>
+              <a:t>数据流动</a:t>
+            </a:r>
+            <a:endParaRPr lang="zh-CN" altLang="en-US"/>
+          </a:p>
+        </p:txBody>
+      </p:sp>
+      <p:sp>
+        <p:nvSpPr>
+          <p:cNvPr id="3" name="文本框 2"/>
+          <p:cNvSpPr txBox="1"/>
+          <p:nvPr/>
+        </p:nvSpPr>
+        <p:spPr>
+          <a:xfrm>
+            <a:off x="1894205" y="2617470"/>
+            <a:ext cx="8400415" cy="1198880"/>
+          </a:xfrm>
+          <a:prstGeom prst="rect">
+            <a:avLst/>
+          </a:prstGeom>
+          <a:noFill/>
+        </p:spPr>
+        <p:txBody>
+          <a:bodyPr wrap="none" rtlCol="0">
+            <a:spAutoFit/>
+          </a:bodyPr>
+          <a:p>
+            <a:pPr algn="l"/>
+            <a:r>
+              <a:rPr lang="zh-CN" altLang="en-US" sz="2400"/>
+              <a:t>使用基于 Props 的单向数据流串联父子、兄弟组件；</a:t>
+            </a:r>
+            <a:endParaRPr lang="zh-CN" altLang="en-US" sz="2400"/>
+          </a:p>
+          <a:p>
+            <a:pPr algn="l"/>
+            <a:endParaRPr lang="zh-CN" altLang="en-US" sz="2400"/>
+          </a:p>
+          <a:p>
+            <a:pPr algn="l"/>
+            <a:r>
+              <a:rPr lang="zh-CN" altLang="en-US" sz="2400"/>
+              <a:t>利用“发布-订阅”模式驱动 React 数据在任意组件间流动。</a:t>
+            </a:r>
+            <a:endParaRPr lang="zh-CN" altLang="en-US" sz="2400"/>
+          </a:p>
+        </p:txBody>
+      </p:sp>
+    </p:spTree>
+  </p:cSld>
+  <p:clrMapOvr>
+    <a:masterClrMapping/>
+  </p:clrMapOvr>
+</p:sld>
+</file>
+
+<file path=ppt/slides/slide13.xml><?xml version="1.0" encoding="utf-8"?>
+<p:sld xmlns:a="http://schemas.openxmlformats.org/drawingml/2006/main" xmlns:r="http://schemas.openxmlformats.org/officeDocument/2006/relationships" xmlns:p="http://schemas.openxmlformats.org/presentationml/2006/main">
+  <p:cSld>
+    <p:spTree>
+      <p:nvGrpSpPr>
+        <p:cNvPr id="1" name=""/>
+        <p:cNvGrpSpPr/>
+        <p:nvPr/>
+      </p:nvGrpSpPr>
+      <p:grpSpPr/>
+      <p:sp>
+        <p:nvSpPr>
+          <p:cNvPr id="2" name="标题 1"/>
+          <p:cNvSpPr>
+            <a:spLocks noGrp="1"/>
+          </p:cNvSpPr>
+          <p:nvPr>
+            <p:ph type="title"/>
+          </p:nvPr>
+        </p:nvSpPr>
+        <p:spPr/>
+        <p:txBody>
+          <a:bodyPr/>
+          <a:p>
+            <a:pPr algn="ctr"/>
+            <a:r>
+              <a:rPr lang="zh-CN" altLang="en-US" sz="2800"/>
+              <a:t>“发布-订阅”模式驱动数据流</a:t>
+            </a:r>
+            <a:endParaRPr lang="zh-CN" altLang="en-US" sz="2800"/>
+          </a:p>
+        </p:txBody>
+      </p:sp>
+    </p:spTree>
+  </p:cSld>
+  <p:clrMapOvr>
+    <a:masterClrMapping/>
+  </p:clrMapOvr>
 </p:sld>
 </file>
 
@@ -12485,10 +11827,6 @@
             <a:br>
               <a:rPr lang="en-US" altLang="zh-CN" dirty="0"/>
             </a:br>
-            <a:r>
-              <a:rPr lang="zh-CN" altLang="en-US" dirty="0"/>
-              <a:t/>
-            </a:r>
             <a:br>
               <a:rPr lang="zh-CN" altLang="en-US" dirty="0"/>
             </a:br>
@@ -12631,6 +11969,7 @@
               <a:rPr lang="zh-CN" altLang="en-US" dirty="0"/>
               <a:t>，在降低学习成本的同时，也提升了研发效率与研发体验。</a:t>
             </a:r>
+            <a:endParaRPr lang="zh-CN" altLang="en-US" dirty="0"/>
           </a:p>
           <a:p>
             <a:endParaRPr lang="zh-CN" altLang="en-US" dirty="0"/>
@@ -12641,11 +11980,6 @@
         </p:txBody>
       </p:sp>
     </p:spTree>
-    <p:extLst>
-      <p:ext uri="{BB962C8B-B14F-4D97-AF65-F5344CB8AC3E}">
-        <p14:creationId xmlns:p14="http://schemas.microsoft.com/office/powerpoint/2010/main" val="370059956"/>
-      </p:ext>
-    </p:extLst>
   </p:cSld>
   <p:clrMapOvr>
     <a:masterClrMapping/>
@@ -12785,29 +12119,29 @@
           <a:p>
             <a:r>
               <a:rPr lang="en-US" altLang="zh-CN" dirty="0" smtClean="0">
+                <a:hlinkClick r:id="rId1"/>
+              </a:rPr>
+              <a:t>Babel</a:t>
+            </a:r>
+            <a:r>
+              <a:rPr lang="zh-CN" altLang="en-US" dirty="0" smtClean="0">
+                <a:hlinkClick r:id="rId1"/>
+              </a:rPr>
+              <a:t> 官网转换地址</a:t>
+            </a:r>
+            <a:endParaRPr lang="en-US" altLang="zh-CN" dirty="0" smtClean="0"/>
+          </a:p>
+          <a:p>
+            <a:r>
+              <a:rPr lang="en-US" altLang="zh-CN" dirty="0" err="1" smtClean="0">
                 <a:hlinkClick r:id="rId2"/>
               </a:rPr>
-              <a:t>Babel</a:t>
+              <a:t>createElement</a:t>
             </a:r>
             <a:r>
               <a:rPr lang="zh-CN" altLang="en-US" dirty="0" smtClean="0">
                 <a:hlinkClick r:id="rId2"/>
               </a:rPr>
-              <a:t> 官网转换地址</a:t>
-            </a:r>
-            <a:endParaRPr lang="en-US" altLang="zh-CN" dirty="0" smtClean="0"/>
-          </a:p>
-          <a:p>
-            <a:r>
-              <a:rPr lang="en-US" altLang="zh-CN" dirty="0" err="1" smtClean="0">
-                <a:hlinkClick r:id="rId3"/>
-              </a:rPr>
-              <a:t>createElement</a:t>
-            </a:r>
-            <a:r>
-              <a:rPr lang="zh-CN" altLang="en-US" dirty="0" smtClean="0">
-                <a:hlinkClick r:id="rId3"/>
-              </a:rPr>
               <a:t> 源码分析</a:t>
             </a:r>
             <a:endParaRPr lang="zh-CN" altLang="en-US" dirty="0"/>
@@ -12815,11 +12149,6 @@
         </p:txBody>
       </p:sp>
     </p:spTree>
-    <p:extLst>
-      <p:ext uri="{BB962C8B-B14F-4D97-AF65-F5344CB8AC3E}">
-        <p14:creationId xmlns:p14="http://schemas.microsoft.com/office/powerpoint/2010/main" val="1891053747"/>
-      </p:ext>
-    </p:extLst>
   </p:cSld>
   <p:clrMapOvr>
     <a:masterClrMapping/>
@@ -12995,6 +12324,7 @@
               <a:rPr lang="zh-CN" altLang="en-US" dirty="0"/>
               <a:t>封闭，开放。具备高度的可重用性和可维护性。</a:t>
             </a:r>
+            <a:endParaRPr lang="zh-CN" altLang="en-US" dirty="0"/>
           </a:p>
           <a:p>
             <a:r>
@@ -13006,11 +12336,444 @@
         </p:txBody>
       </p:sp>
     </p:spTree>
-    <p:extLst>
-      <p:ext uri="{BB962C8B-B14F-4D97-AF65-F5344CB8AC3E}">
-        <p14:creationId xmlns:p14="http://schemas.microsoft.com/office/powerpoint/2010/main" val="990669179"/>
-      </p:ext>
-    </p:extLst>
+  </p:cSld>
+  <p:clrMapOvr>
+    <a:masterClrMapping/>
+  </p:clrMapOvr>
+</p:sld>
+</file>
+
+<file path=ppt/slides/slide5.xml><?xml version="1.0" encoding="utf-8"?>
+<p:sld xmlns:a="http://schemas.openxmlformats.org/drawingml/2006/main" xmlns:r="http://schemas.openxmlformats.org/officeDocument/2006/relationships" xmlns:p="http://schemas.openxmlformats.org/presentationml/2006/main">
+  <p:cSld>
+    <p:spTree>
+      <p:nvGrpSpPr>
+        <p:cNvPr id="1" name=""/>
+        <p:cNvGrpSpPr/>
+        <p:nvPr/>
+      </p:nvGrpSpPr>
+      <p:grpSpPr/>
+      <p:sp>
+        <p:nvSpPr>
+          <p:cNvPr id="2" name="标题 1"/>
+          <p:cNvSpPr>
+            <a:spLocks noGrp="1"/>
+          </p:cNvSpPr>
+          <p:nvPr>
+            <p:ph type="title"/>
+          </p:nvPr>
+        </p:nvSpPr>
+        <p:spPr/>
+        <p:txBody>
+          <a:bodyPr/>
+          <a:p>
+            <a:pPr algn="ctr"/>
+            <a:r>
+              <a:rPr lang="en-US" altLang="zh-CN"/>
+              <a:t>react v15</a:t>
+            </a:r>
+            <a:endParaRPr lang="en-US" altLang="zh-CN"/>
+          </a:p>
+        </p:txBody>
+      </p:sp>
+      <p:pic>
+        <p:nvPicPr>
+          <p:cNvPr id="4" name="内容占位符 3" descr="lifeCycle15"/>
+          <p:cNvPicPr>
+            <a:picLocks noChangeAspect="1"/>
+          </p:cNvPicPr>
+          <p:nvPr>
+            <p:ph idx="1"/>
+          </p:nvPr>
+        </p:nvPicPr>
+        <p:blipFill>
+          <a:blip r:embed="rId1"/>
+          <a:stretch>
+            <a:fillRect/>
+          </a:stretch>
+        </p:blipFill>
+        <p:spPr>
+          <a:xfrm>
+            <a:off x="2880360" y="2249170"/>
+            <a:ext cx="6426835" cy="3542030"/>
+          </a:xfrm>
+          <a:prstGeom prst="rect">
+            <a:avLst/>
+          </a:prstGeom>
+        </p:spPr>
+      </p:pic>
+    </p:spTree>
+  </p:cSld>
+  <p:clrMapOvr>
+    <a:masterClrMapping/>
+  </p:clrMapOvr>
+</p:sld>
+</file>
+
+<file path=ppt/slides/slide6.xml><?xml version="1.0" encoding="utf-8"?>
+<p:sld xmlns:a="http://schemas.openxmlformats.org/drawingml/2006/main" xmlns:r="http://schemas.openxmlformats.org/officeDocument/2006/relationships" xmlns:p="http://schemas.openxmlformats.org/presentationml/2006/main">
+  <p:cSld>
+    <p:spTree>
+      <p:nvGrpSpPr>
+        <p:cNvPr id="1" name=""/>
+        <p:cNvGrpSpPr/>
+        <p:nvPr/>
+      </p:nvGrpSpPr>
+      <p:grpSpPr/>
+      <p:sp>
+        <p:nvSpPr>
+          <p:cNvPr id="2" name="文本框 1"/>
+          <p:cNvSpPr txBox="1"/>
+          <p:nvPr/>
+        </p:nvSpPr>
+        <p:spPr>
+          <a:xfrm>
+            <a:off x="1974215" y="835025"/>
+            <a:ext cx="7992110" cy="5631180"/>
+          </a:xfrm>
+          <a:prstGeom prst="rect">
+            <a:avLst/>
+          </a:prstGeom>
+          <a:noFill/>
+        </p:spPr>
+        <p:txBody>
+          <a:bodyPr wrap="square" rtlCol="0">
+            <a:spAutoFit/>
+          </a:bodyPr>
+          <a:p>
+            <a:r>
+              <a:rPr lang="en-US" altLang="zh-CN" sz="2000"/>
+              <a:t>constructor()</a:t>
+            </a:r>
+            <a:endParaRPr lang="en-US" altLang="zh-CN" sz="2000"/>
+          </a:p>
+          <a:p>
+            <a:endParaRPr lang="en-US" altLang="zh-CN" sz="2000"/>
+          </a:p>
+          <a:p>
+            <a:r>
+              <a:rPr lang="en-US" altLang="zh-CN" sz="2000">
+                <a:sym typeface="+mn-ea"/>
+              </a:rPr>
+              <a:t>componentWillMount()</a:t>
+            </a:r>
+            <a:endParaRPr lang="en-US" altLang="zh-CN" sz="2000">
+              <a:sym typeface="+mn-ea"/>
+            </a:endParaRPr>
+          </a:p>
+          <a:p>
+            <a:endParaRPr lang="en-US" altLang="zh-CN" sz="2000"/>
+          </a:p>
+          <a:p>
+            <a:r>
+              <a:rPr lang="en-US" altLang="zh-CN" sz="2000">
+                <a:sym typeface="+mn-ea"/>
+              </a:rPr>
+              <a:t>componentDidMount()</a:t>
+            </a:r>
+            <a:endParaRPr lang="en-US" altLang="zh-CN" sz="2000">
+              <a:sym typeface="+mn-ea"/>
+            </a:endParaRPr>
+          </a:p>
+          <a:p>
+            <a:endParaRPr lang="en-US" altLang="zh-CN" sz="2000"/>
+          </a:p>
+          <a:p>
+            <a:r>
+              <a:rPr lang="en-US" altLang="zh-CN" sz="2000"/>
+              <a:t>componentWillReceiveProps() // </a:t>
+            </a:r>
+            <a:r>
+              <a:rPr lang="zh-CN" altLang="en-US" sz="2000"/>
+              <a:t>触发时机</a:t>
+            </a:r>
+            <a:endParaRPr lang="en-US" altLang="zh-CN" sz="2000"/>
+          </a:p>
+          <a:p>
+            <a:endParaRPr lang="en-US" altLang="zh-CN" sz="2000"/>
+          </a:p>
+          <a:p>
+            <a:r>
+              <a:rPr lang="en-US" altLang="zh-CN" sz="2000"/>
+              <a:t>shouldComponentUpdate()</a:t>
+            </a:r>
+            <a:endParaRPr lang="en-US" altLang="zh-CN" sz="2000"/>
+          </a:p>
+          <a:p>
+            <a:endParaRPr lang="en-US" altLang="zh-CN" sz="2000"/>
+          </a:p>
+          <a:p>
+            <a:r>
+              <a:rPr lang="en-US" altLang="zh-CN" sz="2000">
+                <a:sym typeface="+mn-ea"/>
+              </a:rPr>
+              <a:t>componentWillUpdate()</a:t>
+            </a:r>
+            <a:endParaRPr lang="en-US" altLang="zh-CN" sz="2000"/>
+          </a:p>
+          <a:p>
+            <a:endParaRPr lang="en-US" altLang="zh-CN" sz="2000"/>
+          </a:p>
+          <a:p>
+            <a:r>
+              <a:rPr lang="en-US" altLang="zh-CN" sz="2000"/>
+              <a:t>componentDidUpdate() // componentDidUpdate 则在组件更新完毕后被触发被用来处理 DOM 操作。</a:t>
+            </a:r>
+            <a:endParaRPr lang="en-US" altLang="zh-CN" sz="2000"/>
+          </a:p>
+          <a:p>
+            <a:endParaRPr lang="en-US" altLang="zh-CN" sz="2000"/>
+          </a:p>
+          <a:p>
+            <a:r>
+              <a:rPr lang="en-US" altLang="zh-CN" sz="2000"/>
+              <a:t>render()</a:t>
+            </a:r>
+            <a:endParaRPr lang="en-US" altLang="zh-CN" sz="2000"/>
+          </a:p>
+          <a:p>
+            <a:endParaRPr lang="en-US" altLang="zh-CN" sz="2000"/>
+          </a:p>
+          <a:p>
+            <a:r>
+              <a:rPr lang="en-US" altLang="zh-CN" sz="2000"/>
+              <a:t>componentWillUnmount() //触发时机?</a:t>
+            </a:r>
+            <a:endParaRPr lang="en-US" altLang="zh-CN" sz="2000"/>
+          </a:p>
+        </p:txBody>
+      </p:sp>
+    </p:spTree>
+  </p:cSld>
+  <p:clrMapOvr>
+    <a:masterClrMapping/>
+  </p:clrMapOvr>
+</p:sld>
+</file>
+
+<file path=ppt/slides/slide7.xml><?xml version="1.0" encoding="utf-8"?>
+<p:sld xmlns:a="http://schemas.openxmlformats.org/drawingml/2006/main" xmlns:r="http://schemas.openxmlformats.org/officeDocument/2006/relationships" xmlns:p="http://schemas.openxmlformats.org/presentationml/2006/main">
+  <p:cSld>
+    <p:spTree>
+      <p:nvGrpSpPr>
+        <p:cNvPr id="1" name=""/>
+        <p:cNvGrpSpPr/>
+        <p:nvPr/>
+      </p:nvGrpSpPr>
+      <p:grpSpPr/>
+      <p:sp>
+        <p:nvSpPr>
+          <p:cNvPr id="2" name="标题 1"/>
+          <p:cNvSpPr>
+            <a:spLocks noGrp="1"/>
+          </p:cNvSpPr>
+          <p:nvPr>
+            <p:ph type="title"/>
+          </p:nvPr>
+        </p:nvSpPr>
+        <p:spPr/>
+        <p:txBody>
+          <a:bodyPr/>
+          <a:p>
+            <a:pPr algn="ctr"/>
+            <a:r>
+              <a:rPr lang="en-US" altLang="zh-CN"/>
+              <a:t>react v16</a:t>
+            </a:r>
+            <a:endParaRPr lang="en-US" altLang="zh-CN"/>
+          </a:p>
+        </p:txBody>
+      </p:sp>
+      <p:pic>
+        <p:nvPicPr>
+          <p:cNvPr id="4" name="内容占位符 3" descr="lifeCycle16"/>
+          <p:cNvPicPr>
+            <a:picLocks noChangeAspect="1"/>
+          </p:cNvPicPr>
+          <p:nvPr>
+            <p:ph idx="1"/>
+          </p:nvPr>
+        </p:nvPicPr>
+        <p:blipFill>
+          <a:blip r:embed="rId1"/>
+          <a:stretch>
+            <a:fillRect/>
+          </a:stretch>
+        </p:blipFill>
+        <p:spPr>
+          <a:xfrm>
+            <a:off x="2291080" y="1567180"/>
+            <a:ext cx="7734935" cy="4224020"/>
+          </a:xfrm>
+          <a:prstGeom prst="rect">
+            <a:avLst/>
+          </a:prstGeom>
+        </p:spPr>
+      </p:pic>
+    </p:spTree>
+  </p:cSld>
+  <p:clrMapOvr>
+    <a:masterClrMapping/>
+  </p:clrMapOvr>
+</p:sld>
+</file>
+
+<file path=ppt/slides/slide8.xml><?xml version="1.0" encoding="utf-8"?>
+<p:sld xmlns:a="http://schemas.openxmlformats.org/drawingml/2006/main" xmlns:r="http://schemas.openxmlformats.org/officeDocument/2006/relationships" xmlns:p="http://schemas.openxmlformats.org/presentationml/2006/main">
+  <p:cSld>
+    <p:spTree>
+      <p:nvGrpSpPr>
+        <p:cNvPr id="1" name=""/>
+        <p:cNvGrpSpPr/>
+        <p:nvPr/>
+      </p:nvGrpSpPr>
+      <p:grpSpPr/>
+      <p:sp>
+        <p:nvSpPr>
+          <p:cNvPr id="3" name="文本框 2"/>
+          <p:cNvSpPr txBox="1"/>
+          <p:nvPr/>
+        </p:nvSpPr>
+        <p:spPr>
+          <a:xfrm>
+            <a:off x="1424940" y="903605"/>
+            <a:ext cx="9480550" cy="5446395"/>
+          </a:xfrm>
+          <a:prstGeom prst="rect">
+            <a:avLst/>
+          </a:prstGeom>
+          <a:noFill/>
+        </p:spPr>
+        <p:txBody>
+          <a:bodyPr wrap="square" rtlCol="0">
+            <a:spAutoFit/>
+          </a:bodyPr>
+          <a:p>
+            <a:pPr algn="l"/>
+            <a:r>
+              <a:rPr lang="en-US" altLang="zh-CN" sz="2400" b="1"/>
+              <a:t>static </a:t>
+            </a:r>
+            <a:r>
+              <a:rPr lang="zh-CN" altLang="en-US" sz="2400" b="1"/>
+              <a:t>getDerivedStateFromProps——唯一用途：使用 props 来派生/更新 state</a:t>
+            </a:r>
+            <a:r>
+              <a:rPr lang="zh-CN" altLang="en-US"/>
+              <a:t>。</a:t>
+            </a:r>
+            <a:endParaRPr lang="zh-CN" altLang="en-US"/>
+          </a:p>
+          <a:p>
+            <a:pPr algn="l"/>
+            <a:endParaRPr lang="zh-CN" altLang="en-US"/>
+          </a:p>
+          <a:p>
+            <a:pPr algn="l"/>
+            <a:r>
+              <a:rPr lang="zh-CN" altLang="en-US" sz="2400"/>
+              <a:t>* 静态方法不依赖组件实例而存在，因此你在这个方法内部是访问不到 this 的。因此无法做任何类似于 this.fetch()、不合理的 this.setState（会导致死循环的那种）这类可能会产生副作用的操作。</a:t>
+            </a:r>
+            <a:endParaRPr lang="zh-CN" altLang="en-US" sz="2400"/>
+          </a:p>
+          <a:p>
+            <a:pPr algn="l"/>
+            <a:endParaRPr lang="zh-CN" altLang="en-US" sz="2400"/>
+          </a:p>
+          <a:p>
+            <a:pPr algn="l"/>
+            <a:r>
+              <a:rPr lang="zh-CN" altLang="en-US" sz="2400"/>
+              <a:t>* 挂载阶段输出的 props 正是初始化阶段父组件传进来的 this.props 对象；而 state 是 LifeCycle 组件自身的 state 对象。</a:t>
+            </a:r>
+            <a:endParaRPr lang="zh-CN" altLang="en-US" sz="2400"/>
+          </a:p>
+          <a:p>
+            <a:pPr algn="l"/>
+            <a:endParaRPr lang="zh-CN" altLang="en-US" sz="2400"/>
+          </a:p>
+          <a:p>
+            <a:pPr algn="l"/>
+            <a:r>
+              <a:rPr lang="zh-CN" altLang="en-US" sz="2400"/>
+              <a:t>* getDerivedStateFromProps 需要一个对象格式的返回值。React 需要用这个返回值来更新（派生）组件的 state。getDerivedStateFromProps 方法对 state 的更新动作并非“覆盖”式的更新，而是针对某个属性的定向更新。</a:t>
+            </a:r>
+            <a:endParaRPr lang="zh-CN" altLang="en-US"/>
+          </a:p>
+          <a:p>
+            <a:pPr algn="l"/>
+            <a:endParaRPr lang="zh-CN" altLang="en-US"/>
+          </a:p>
+        </p:txBody>
+      </p:sp>
+    </p:spTree>
+  </p:cSld>
+  <p:clrMapOvr>
+    <a:masterClrMapping/>
+  </p:clrMapOvr>
+</p:sld>
+</file>
+
+<file path=ppt/slides/slide9.xml><?xml version="1.0" encoding="utf-8"?>
+<p:sld xmlns:a="http://schemas.openxmlformats.org/drawingml/2006/main" xmlns:r="http://schemas.openxmlformats.org/officeDocument/2006/relationships" xmlns:p="http://schemas.openxmlformats.org/presentationml/2006/main">
+  <p:cSld>
+    <p:spTree>
+      <p:nvGrpSpPr>
+        <p:cNvPr id="1" name=""/>
+        <p:cNvGrpSpPr/>
+        <p:nvPr/>
+      </p:nvGrpSpPr>
+      <p:grpSpPr/>
+      <p:sp>
+        <p:nvSpPr>
+          <p:cNvPr id="2" name="标题 1"/>
+          <p:cNvSpPr>
+            <a:spLocks noGrp="1"/>
+          </p:cNvSpPr>
+          <p:nvPr>
+            <p:ph type="title"/>
+          </p:nvPr>
+        </p:nvSpPr>
+        <p:spPr/>
+        <p:txBody>
+          <a:bodyPr/>
+          <a:p>
+            <a:pPr algn="ctr"/>
+            <a:r>
+              <a:rPr lang="zh-CN" altLang="en-US"/>
+              <a:t>对比</a:t>
+            </a:r>
+            <a:endParaRPr lang="zh-CN" altLang="en-US"/>
+          </a:p>
+        </p:txBody>
+      </p:sp>
+      <p:pic>
+        <p:nvPicPr>
+          <p:cNvPr id="4" name="内容占位符 3" descr="duibi"/>
+          <p:cNvPicPr>
+            <a:picLocks noChangeAspect="1"/>
+          </p:cNvPicPr>
+          <p:nvPr>
+            <p:ph idx="1"/>
+          </p:nvPr>
+        </p:nvPicPr>
+        <p:blipFill>
+          <a:blip r:embed="rId1"/>
+          <a:stretch>
+            <a:fillRect/>
+          </a:stretch>
+        </p:blipFill>
+        <p:spPr>
+          <a:xfrm>
+            <a:off x="2186940" y="2249170"/>
+            <a:ext cx="7813675" cy="3542030"/>
+          </a:xfrm>
+          <a:prstGeom prst="rect">
+            <a:avLst/>
+          </a:prstGeom>
+        </p:spPr>
+      </p:pic>
+    </p:spTree>
   </p:cSld>
   <p:clrMapOvr>
     <a:masterClrMapping/>
@@ -13061,7 +12824,7 @@
     </a:clrScheme>
     <a:fontScheme name="Circuit">
       <a:majorFont>
-        <a:latin typeface="Tw Cen MT" panose="020B0602020104020603"/>
+        <a:latin typeface="Tw Cen MT"/>
         <a:ea typeface=""/>
         <a:cs typeface=""/>
         <a:font script="Jpan" typeface="ＭＳ Ｐゴシック"/>
@@ -13096,7 +12859,7 @@
         <a:font script="Geor" typeface="Sylfaen"/>
       </a:majorFont>
       <a:minorFont>
-        <a:latin typeface="Tw Cen MT" panose="020B0602020104020603"/>
+        <a:latin typeface="Tw Cen MT"/>
         <a:ea typeface=""/>
         <a:cs typeface=""/>
         <a:font script="Jpan" typeface="ＭＳ Ｐゴシック"/>
@@ -13254,16 +13017,16 @@
               </a:schemeClr>
             </a:duotone>
           </a:blip>
-          <a:stretch/>
+          <a:stretch>
+            <a:fillRect/>
+          </a:stretch>
         </a:blipFill>
       </a:bgFillStyleLst>
     </a:fmtScheme>
   </a:themeElements>
-  <a:objectDefaults/>
-  <a:extraClrSchemeLst/>
   <a:extLst>
     <a:ext uri="{05A4C25C-085E-4340-85A3-A5531E510DB2}">
-      <thm15:themeFamily xmlns:thm15="http://schemas.microsoft.com/office/thememl/2012/main" name="Circuit" id="{0AC2F7E7-15F5-431C-B2A2-456FE929F56C}" vid="{0911B802-464C-4241-8DD9-B60FF88E379F}"/>
+      <thm15:themeFamily xmlns:thm15="http://schemas.microsoft.com/office/thememl/2012/main" name="Office Theme" id="{62F939B6-93AF-4DB8-9C6B-D6C7DFDC589F}" vid="{4A3C46E8-61CC-4603-A589-7422A47A8E4A}"/>
     </a:ext>
   </a:extLst>
 </a:theme>

--- a/REACT/assets/react 分享.pptx
+++ b/REACT/assets/react 分享.pptx
@@ -11676,7 +11676,7 @@
         <p:spPr>
           <a:xfrm>
             <a:off x="1894205" y="2617470"/>
-            <a:ext cx="8400415" cy="1198880"/>
+            <a:ext cx="8743315" cy="1938020"/>
           </a:xfrm>
           <a:prstGeom prst="rect">
             <a:avLst/>
@@ -11688,7 +11688,10 @@
             <a:spAutoFit/>
           </a:bodyPr>
           <a:p>
-            <a:pPr algn="l"/>
+            <a:pPr marL="342900" indent="-342900" algn="l">
+              <a:buFont typeface="Arial" panose="020B0604020202090204" pitchFamily="34" charset="0"/>
+              <a:buChar char="•"/>
+            </a:pPr>
             <a:r>
               <a:rPr lang="zh-CN" altLang="en-US" sz="2400"/>
               <a:t>使用基于 Props 的单向数据流串联父子、兄弟组件；</a:t>
@@ -11696,14 +11699,38 @@
             <a:endParaRPr lang="zh-CN" altLang="en-US" sz="2400"/>
           </a:p>
           <a:p>
-            <a:pPr algn="l"/>
+            <a:pPr marL="342900" indent="-342900" algn="l">
+              <a:buFont typeface="Arial" panose="020B0604020202090204" pitchFamily="34" charset="0"/>
+              <a:buChar char="•"/>
+            </a:pPr>
             <a:endParaRPr lang="zh-CN" altLang="en-US" sz="2400"/>
           </a:p>
           <a:p>
-            <a:pPr algn="l"/>
+            <a:pPr marL="342900" indent="-342900" algn="l">
+              <a:buFont typeface="Arial" panose="020B0604020202090204" pitchFamily="34" charset="0"/>
+              <a:buChar char="•"/>
+            </a:pPr>
             <a:r>
               <a:rPr lang="zh-CN" altLang="en-US" sz="2400"/>
               <a:t>利用“发布-订阅”模式驱动 React 数据在任意组件间流动。</a:t>
+            </a:r>
+            <a:endParaRPr lang="zh-CN" altLang="en-US" sz="2400"/>
+          </a:p>
+          <a:p>
+            <a:pPr marL="342900" indent="-342900" algn="l">
+              <a:buFont typeface="Arial" panose="020B0604020202090204" pitchFamily="34" charset="0"/>
+              <a:buChar char="•"/>
+            </a:pPr>
+            <a:endParaRPr lang="zh-CN" altLang="en-US" sz="2400"/>
+          </a:p>
+          <a:p>
+            <a:pPr marL="342900" indent="-342900" algn="l">
+              <a:buFont typeface="Arial" panose="020B0604020202090204" pitchFamily="34" charset="0"/>
+              <a:buChar char="•"/>
+            </a:pPr>
+            <a:r>
+              <a:rPr lang="zh-CN" altLang="en-US" sz="2400"/>
+              <a:t>Context API</a:t>
             </a:r>
             <a:endParaRPr lang="zh-CN" altLang="en-US" sz="2400"/>
           </a:p>
@@ -11747,6 +11774,57 @@
               <a:t>“发布-订阅”模式驱动数据流</a:t>
             </a:r>
             <a:endParaRPr lang="zh-CN" altLang="en-US" sz="2800"/>
+          </a:p>
+        </p:txBody>
+      </p:sp>
+      <p:sp>
+        <p:nvSpPr>
+          <p:cNvPr id="3" name="文本框 2"/>
+          <p:cNvSpPr txBox="1"/>
+          <p:nvPr/>
+        </p:nvSpPr>
+        <p:spPr>
+          <a:xfrm>
+            <a:off x="3243580" y="2343150"/>
+            <a:ext cx="7282180" cy="922020"/>
+          </a:xfrm>
+          <a:prstGeom prst="rect">
+            <a:avLst/>
+          </a:prstGeom>
+          <a:noFill/>
+        </p:spPr>
+        <p:txBody>
+          <a:bodyPr wrap="square" rtlCol="0">
+            <a:spAutoFit/>
+          </a:bodyPr>
+          <a:p>
+            <a:pPr marL="285750" indent="-285750">
+              <a:buFont typeface="Arial" panose="020B0604020202090204" pitchFamily="34" charset="0"/>
+              <a:buChar char="•"/>
+            </a:pPr>
+            <a:r>
+              <a:rPr lang="zh-CN" altLang="en-US"/>
+              <a:t>发布-订阅模型 API 设计思路</a:t>
+            </a:r>
+            <a:endParaRPr lang="zh-CN" altLang="en-US"/>
+          </a:p>
+          <a:p>
+            <a:pPr marL="285750" indent="-285750">
+              <a:buFont typeface="Arial" panose="020B0604020202090204" pitchFamily="34" charset="0"/>
+              <a:buChar char="•"/>
+            </a:pPr>
+            <a:r>
+              <a:rPr lang="zh-CN" altLang="en-US"/>
+              <a:t>发布-订阅模型编码实现</a:t>
+            </a:r>
+            <a:endParaRPr lang="zh-CN" altLang="en-US"/>
+          </a:p>
+          <a:p>
+            <a:pPr marL="285750" indent="-285750">
+              <a:buFont typeface="Arial" panose="020B0604020202090204" pitchFamily="34" charset="0"/>
+              <a:buChar char="•"/>
+            </a:pPr>
+            <a:endParaRPr lang="zh-CN" altLang="en-US"/>
           </a:p>
         </p:txBody>
       </p:sp>

--- a/REACT/assets/react 分享.pptx
+++ b/REACT/assets/react 分享.pptx
@@ -11732,7 +11732,11 @@
               <a:rPr lang="zh-CN" altLang="en-US" sz="2400"/>
               <a:t>Context API</a:t>
             </a:r>
-            <a:endParaRPr lang="zh-CN" altLang="en-US" sz="2400"/>
+            <a:r>
+              <a:rPr lang="en-US" altLang="zh-CN" sz="2400"/>
+              <a:t>:React.createContext、Provider、Consumer</a:t>
+            </a:r>
+            <a:endParaRPr lang="en-US" altLang="zh-CN" sz="2400"/>
           </a:p>
         </p:txBody>
       </p:sp>

--- a/REACT/assets/react 分享.pptx
+++ b/REACT/assets/react 分享.pptx
@@ -18,6 +18,7 @@
     <p:sldId id="272" r:id="rId13"/>
     <p:sldId id="273" r:id="rId14"/>
     <p:sldId id="274" r:id="rId15"/>
+    <p:sldId id="275" r:id="rId16"/>
   </p:sldIdLst>
   <p:sldSz cx="12192000" cy="6858000"/>
   <p:notesSz cx="6858000" cy="9144000"/>
@@ -11304,19 +11305,19 @@
           <a:p>
             <a:r>
               <a:rPr kumimoji="1" lang="en-US" altLang="zh-CN" dirty="0" smtClean="0">
-                <a:hlinkClick r:id="rId1" tooltip="" action="ppaction://hlinkfile"/>
+                <a:hlinkClick r:id="rId1" action="ppaction://hlinkfile"/>
               </a:rPr>
               <a:t>React</a:t>
             </a:r>
             <a:r>
               <a:rPr kumimoji="1" lang="zh-CN" altLang="en-US" dirty="0" smtClean="0">
-                <a:hlinkClick r:id="rId1" tooltip="" action="ppaction://hlinkfile"/>
+                <a:hlinkClick r:id="rId1" action="ppaction://hlinkfile"/>
               </a:rPr>
               <a:t> </a:t>
             </a:r>
             <a:r>
               <a:rPr kumimoji="1" lang="en-US" altLang="zh-CN" dirty="0" smtClean="0">
-                <a:hlinkClick r:id="rId1" tooltip="" action="ppaction://hlinkfile"/>
+                <a:hlinkClick r:id="rId1" action="ppaction://hlinkfile"/>
               </a:rPr>
               <a:t>v17</a:t>
             </a:r>
@@ -11675,8 +11676,8 @@
         </p:nvSpPr>
         <p:spPr>
           <a:xfrm>
-            <a:off x="1894205" y="2617470"/>
-            <a:ext cx="8743315" cy="1938020"/>
+            <a:off x="1894205" y="2606675"/>
+            <a:ext cx="8743315" cy="2676525"/>
           </a:xfrm>
           <a:prstGeom prst="rect">
             <a:avLst/>
@@ -11711,10 +11712,18 @@
               <a:buChar char="•"/>
             </a:pPr>
             <a:r>
-              <a:rPr lang="zh-CN" altLang="en-US" sz="2400"/>
-              <a:t>利用“发布-订阅”模式驱动 React 数据在任意组件间流动。</a:t>
-            </a:r>
-            <a:endParaRPr lang="zh-CN" altLang="en-US" sz="2400"/>
+              <a:rPr lang="zh-CN" altLang="en-US" sz="2400">
+                <a:sym typeface="+mn-ea"/>
+              </a:rPr>
+              <a:t>Context API</a:t>
+            </a:r>
+            <a:r>
+              <a:rPr lang="en-US" altLang="zh-CN" sz="2400">
+                <a:sym typeface="+mn-ea"/>
+              </a:rPr>
+              <a:t>:React.createContext、Provider、Consumer</a:t>
+            </a:r>
+            <a:endParaRPr lang="en-US" altLang="zh-CN" sz="2400"/>
           </a:p>
           <a:p>
             <a:pPr marL="342900" indent="-342900" algn="l">
@@ -11730,12 +11739,22 @@
             </a:pPr>
             <a:r>
               <a:rPr lang="zh-CN" altLang="en-US" sz="2400"/>
-              <a:t>Context API</a:t>
-            </a:r>
-            <a:r>
-              <a:rPr lang="en-US" altLang="zh-CN" sz="2400"/>
-              <a:t>:React.createContext、Provider、Consumer</a:t>
-            </a:r>
+              <a:t>利用“发布-订阅”模式驱动 React 数据在任意组件间流动。</a:t>
+            </a:r>
+            <a:endParaRPr lang="zh-CN" altLang="en-US" sz="2400"/>
+          </a:p>
+          <a:p>
+            <a:pPr indent="0" algn="l">
+              <a:buFont typeface="Arial" panose="020B0604020202090204" pitchFamily="34" charset="0"/>
+              <a:buNone/>
+            </a:pPr>
+            <a:endParaRPr lang="zh-CN" altLang="en-US" sz="2400"/>
+          </a:p>
+          <a:p>
+            <a:pPr marL="342900" indent="-342900" algn="l">
+              <a:buFont typeface="Arial" panose="020B0604020202090204" pitchFamily="34" charset="0"/>
+              <a:buChar char="•"/>
+            </a:pPr>
             <a:endParaRPr lang="en-US" altLang="zh-CN" sz="2400"/>
           </a:p>
         </p:txBody>
@@ -11829,6 +11848,109 @@
               <a:buChar char="•"/>
             </a:pPr>
             <a:endParaRPr lang="zh-CN" altLang="en-US"/>
+          </a:p>
+        </p:txBody>
+      </p:sp>
+    </p:spTree>
+  </p:cSld>
+  <p:clrMapOvr>
+    <a:masterClrMapping/>
+  </p:clrMapOvr>
+</p:sld>
+</file>
+
+<file path=ppt/slides/slide14.xml><?xml version="1.0" encoding="utf-8"?>
+<p:sld xmlns:a="http://schemas.openxmlformats.org/drawingml/2006/main" xmlns:r="http://schemas.openxmlformats.org/officeDocument/2006/relationships" xmlns:p="http://schemas.openxmlformats.org/presentationml/2006/main">
+  <p:cSld>
+    <p:spTree>
+      <p:nvGrpSpPr>
+        <p:cNvPr id="1" name=""/>
+        <p:cNvGrpSpPr/>
+        <p:nvPr/>
+      </p:nvGrpSpPr>
+      <p:grpSpPr/>
+      <p:sp>
+        <p:nvSpPr>
+          <p:cNvPr id="2" name="标题 1"/>
+          <p:cNvSpPr>
+            <a:spLocks noGrp="1"/>
+          </p:cNvSpPr>
+          <p:nvPr>
+            <p:ph type="title"/>
+          </p:nvPr>
+        </p:nvSpPr>
+        <p:spPr/>
+        <p:txBody>
+          <a:bodyPr/>
+          <a:p>
+            <a:pPr algn="ctr"/>
+            <a:r>
+              <a:rPr lang="zh-CN" altLang="en-US"/>
+              <a:t>函数组件和类组件有什么区别？</a:t>
+            </a:r>
+            <a:endParaRPr lang="zh-CN" altLang="en-US"/>
+          </a:p>
+        </p:txBody>
+      </p:sp>
+      <p:sp>
+        <p:nvSpPr>
+          <p:cNvPr id="4" name="文本框 3"/>
+          <p:cNvSpPr txBox="1"/>
+          <p:nvPr/>
+        </p:nvSpPr>
+        <p:spPr>
+          <a:xfrm>
+            <a:off x="2083435" y="2097405"/>
+            <a:ext cx="8025765" cy="3138170"/>
+          </a:xfrm>
+          <a:prstGeom prst="rect">
+            <a:avLst/>
+          </a:prstGeom>
+          <a:noFill/>
+        </p:spPr>
+        <p:txBody>
+          <a:bodyPr wrap="square" rtlCol="0">
+            <a:spAutoFit/>
+          </a:bodyPr>
+          <a:p>
+            <a:r>
+              <a:rPr lang="en-US" altLang="zh-CN"/>
+              <a:t>类组件与函数组件本质上代表了两种不同的设计思想与心智模式。</a:t>
+            </a:r>
+            <a:endParaRPr lang="en-US" altLang="zh-CN"/>
+          </a:p>
+          <a:p>
+            <a:endParaRPr lang="en-US" altLang="zh-CN"/>
+          </a:p>
+          <a:p>
+            <a:r>
+              <a:rPr lang="en-US" altLang="zh-CN"/>
+              <a:t>类组件的根基是 OOP（面向对象编程），所以它有继承、有属性、有内部状态的管理。</a:t>
+            </a:r>
+            <a:endParaRPr lang="en-US" altLang="zh-CN"/>
+          </a:p>
+          <a:p>
+            <a:endParaRPr lang="en-US" altLang="zh-CN"/>
+          </a:p>
+          <a:p>
+            <a:r>
+              <a:rPr lang="en-US" altLang="zh-CN"/>
+              <a:t>函数组件的根基是 FP，也就是函数式编程。它属于“结构化编程”的一种，与数学函数思想类似。也就是假定输入与输出存在某种特定的映射关系，那么输入一定的情况下，输出必然是确定的。</a:t>
+            </a:r>
+            <a:endParaRPr lang="en-US" altLang="zh-CN"/>
+          </a:p>
+          <a:p>
+            <a:endParaRPr lang="en-US" altLang="zh-CN"/>
+          </a:p>
+          <a:p>
+            <a:r>
+              <a:rPr lang="en-US" altLang="zh-CN"/>
+              <a:t>相较于类组件，函数组件更纯粹、简单、易测试。 </a:t>
+            </a:r>
+            <a:endParaRPr lang="en-US" altLang="zh-CN"/>
+          </a:p>
+          <a:p>
+            <a:endParaRPr lang="en-US" altLang="zh-CN"/>
           </a:p>
         </p:txBody>
       </p:sp>

--- a/REACT/assets/react 分享.pptx
+++ b/REACT/assets/react 分享.pptx
@@ -1,24 +1,27 @@
 
 <file path=ppt/presentation.xml><?xml version="1.0" encoding="utf-8"?>
-<p:presentation xmlns:a="http://schemas.openxmlformats.org/drawingml/2006/main" xmlns:r="http://schemas.openxmlformats.org/officeDocument/2006/relationships" xmlns:p="http://schemas.openxmlformats.org/presentationml/2006/main" autoCompressPictures="0">
+<p:presentation xmlns:a="http://schemas.openxmlformats.org/drawingml/2006/main" xmlns:r="http://schemas.openxmlformats.org/officeDocument/2006/relationships" xmlns:p="http://schemas.openxmlformats.org/presentationml/2006/main" saveSubsetFonts="1" autoCompressPictures="0">
   <p:sldMasterIdLst>
     <p:sldMasterId id="2147483648" r:id="rId1"/>
   </p:sldMasterIdLst>
   <p:sldIdLst>
-    <p:sldId id="256" r:id="rId3"/>
-    <p:sldId id="258" r:id="rId4"/>
-    <p:sldId id="257" r:id="rId5"/>
-    <p:sldId id="259" r:id="rId6"/>
-    <p:sldId id="262" r:id="rId7"/>
-    <p:sldId id="265" r:id="rId8"/>
-    <p:sldId id="266" r:id="rId9"/>
-    <p:sldId id="269" r:id="rId10"/>
-    <p:sldId id="270" r:id="rId11"/>
-    <p:sldId id="271" r:id="rId12"/>
-    <p:sldId id="272" r:id="rId13"/>
-    <p:sldId id="273" r:id="rId14"/>
-    <p:sldId id="274" r:id="rId15"/>
-    <p:sldId id="275" r:id="rId16"/>
+    <p:sldId id="256" r:id="rId2"/>
+    <p:sldId id="258" r:id="rId3"/>
+    <p:sldId id="257" r:id="rId4"/>
+    <p:sldId id="259" r:id="rId5"/>
+    <p:sldId id="262" r:id="rId6"/>
+    <p:sldId id="265" r:id="rId7"/>
+    <p:sldId id="266" r:id="rId8"/>
+    <p:sldId id="269" r:id="rId9"/>
+    <p:sldId id="270" r:id="rId10"/>
+    <p:sldId id="271" r:id="rId11"/>
+    <p:sldId id="272" r:id="rId12"/>
+    <p:sldId id="273" r:id="rId13"/>
+    <p:sldId id="274" r:id="rId14"/>
+    <p:sldId id="275" r:id="rId15"/>
+    <p:sldId id="276" r:id="rId16"/>
+    <p:sldId id="277" r:id="rId17"/>
+    <p:sldId id="278" r:id="rId18"/>
   </p:sldIdLst>
   <p:sldSz cx="12192000" cy="6858000"/>
   <p:notesSz cx="6858000" cy="9144000"/>
@@ -117,11 +120,16 @@
       </a:defRPr>
     </a:lvl9pPr>
   </p:defaultTextStyle>
+  <p:extLst>
+    <p:ext uri="{EFAFB233-063F-42B5-8137-9DF3F51BA10A}">
+      <p15:sldGuideLst xmlns:p15="http://schemas.microsoft.com/office/powerpoint/2012/main"/>
+    </p:ext>
+  </p:extLst>
 </p:presentation>
 </file>
 
 <file path=ppt/slideLayouts/slideLayout1.xml><?xml version="1.0" encoding="utf-8"?>
-<p:sldLayout xmlns:a="http://schemas.openxmlformats.org/drawingml/2006/main" xmlns:r="http://schemas.openxmlformats.org/officeDocument/2006/relationships" xmlns:p="http://schemas.openxmlformats.org/presentationml/2006/main" type="title" preserve="1" showMasterSp="0">
+<p:sldLayout xmlns:a="http://schemas.openxmlformats.org/drawingml/2006/main" xmlns:r="http://schemas.openxmlformats.org/officeDocument/2006/relationships" xmlns:p="http://schemas.openxmlformats.org/presentationml/2006/main" showMasterSp="0" type="title" preserve="1">
   <p:cSld name="标题幻灯片">
     <p:spTree>
       <p:nvGrpSpPr>
@@ -3739,6 +3747,7 @@
           <a:p>
             <a:fld id="{48A87A34-81AB-432B-8DAE-1953F412C126}" type="datetimeFigureOut">
               <a:rPr lang="en-US" dirty="0"/>
+              <a:t>1/6/21</a:t>
             </a:fld>
             <a:endParaRPr lang="en-US" dirty="0"/>
           </a:p>
@@ -3790,6 +3799,7 @@
           <a:p>
             <a:fld id="{6D22F896-40B5-4ADD-8801-0D06FADFA095}" type="slidenum">
               <a:rPr lang="en-US" dirty="0"/>
+              <a:t>‹#›</a:t>
             </a:fld>
             <a:endParaRPr lang="en-US" dirty="0"/>
           </a:p>
@@ -3979,7 +3989,6 @@
               <a:rPr lang="zh-CN" altLang="en-US" smtClean="0"/>
               <a:t>单击此处编辑母版文本样式</a:t>
             </a:r>
-            <a:endParaRPr lang="zh-CN" altLang="en-US" smtClean="0"/>
           </a:p>
         </p:txBody>
       </p:sp>
@@ -4000,6 +4009,7 @@
           <a:p>
             <a:fld id="{48A87A34-81AB-432B-8DAE-1953F412C126}" type="datetimeFigureOut">
               <a:rPr lang="en-US" dirty="0"/>
+              <a:t>1/6/21</a:t>
             </a:fld>
             <a:endParaRPr lang="en-US" dirty="0"/>
           </a:p>
@@ -4041,6 +4051,7 @@
           <a:p>
             <a:fld id="{6D22F896-40B5-4ADD-8801-0D06FADFA095}" type="slidenum">
               <a:rPr lang="en-US" dirty="0"/>
+              <a:t>‹#›</a:t>
             </a:fld>
             <a:endParaRPr lang="en-US" dirty="0"/>
           </a:p>
@@ -4169,7 +4180,6 @@
               <a:rPr lang="zh-CN" altLang="en-US" smtClean="0"/>
               <a:t>单击此处编辑母版文本样式</a:t>
             </a:r>
-            <a:endParaRPr lang="zh-CN" altLang="en-US" smtClean="0"/>
           </a:p>
         </p:txBody>
       </p:sp>
@@ -4190,6 +4200,7 @@
           <a:p>
             <a:fld id="{48A87A34-81AB-432B-8DAE-1953F412C126}" type="datetimeFigureOut">
               <a:rPr lang="en-US" dirty="0"/>
+              <a:t>1/6/21</a:t>
             </a:fld>
             <a:endParaRPr lang="en-US" dirty="0"/>
           </a:p>
@@ -4231,6 +4242,7 @@
           <a:p>
             <a:fld id="{6D22F896-40B5-4ADD-8801-0D06FADFA095}" type="slidenum">
               <a:rPr lang="en-US" dirty="0"/>
+              <a:t>‹#›</a:t>
             </a:fld>
             <a:endParaRPr lang="en-US" dirty="0"/>
           </a:p>
@@ -4359,7 +4371,6 @@
               <a:rPr lang="zh-CN" altLang="en-US" smtClean="0"/>
               <a:t>单击此处编辑母版文本样式</a:t>
             </a:r>
-            <a:endParaRPr lang="zh-CN" altLang="en-US" smtClean="0"/>
           </a:p>
         </p:txBody>
       </p:sp>
@@ -4427,7 +4438,6 @@
               <a:rPr lang="zh-CN" altLang="en-US" smtClean="0"/>
               <a:t>单击此处编辑母版文本样式</a:t>
             </a:r>
-            <a:endParaRPr lang="zh-CN" altLang="en-US" smtClean="0"/>
           </a:p>
         </p:txBody>
       </p:sp>
@@ -4448,6 +4458,7 @@
           <a:p>
             <a:fld id="{48A87A34-81AB-432B-8DAE-1953F412C126}" type="datetimeFigureOut">
               <a:rPr lang="en-US" dirty="0"/>
+              <a:t>1/6/21</a:t>
             </a:fld>
             <a:endParaRPr lang="en-US" dirty="0"/>
           </a:p>
@@ -4489,6 +4500,7 @@
           <a:p>
             <a:fld id="{6D22F896-40B5-4ADD-8801-0D06FADFA095}" type="slidenum">
               <a:rPr lang="en-US" dirty="0"/>
+              <a:t>‹#›</a:t>
             </a:fld>
             <a:endParaRPr lang="en-US" dirty="0"/>
           </a:p>
@@ -4610,12 +4622,6 @@
               </a:rPr>
               <a:t>“</a:t>
             </a:r>
-            <a:endParaRPr lang="en-US" sz="8000" dirty="0">
-              <a:solidFill>
-                <a:schemeClr val="tx1"/>
-              </a:solidFill>
-              <a:effectLst/>
-            </a:endParaRPr>
           </a:p>
         </p:txBody>
       </p:sp>
@@ -4735,12 +4741,6 @@
               </a:rPr>
               <a:t>”</a:t>
             </a:r>
-            <a:endParaRPr lang="en-US" sz="8000" dirty="0">
-              <a:solidFill>
-                <a:schemeClr val="tx1"/>
-              </a:solidFill>
-              <a:effectLst/>
-            </a:endParaRPr>
           </a:p>
         </p:txBody>
       </p:sp>
@@ -4867,7 +4867,6 @@
               <a:rPr lang="zh-CN" altLang="en-US" smtClean="0"/>
               <a:t>单击此处编辑母版文本样式</a:t>
             </a:r>
-            <a:endParaRPr lang="zh-CN" altLang="en-US" smtClean="0"/>
           </a:p>
         </p:txBody>
       </p:sp>
@@ -4888,6 +4887,7 @@
           <a:p>
             <a:fld id="{48A87A34-81AB-432B-8DAE-1953F412C126}" type="datetimeFigureOut">
               <a:rPr lang="en-US" dirty="0"/>
+              <a:t>1/6/21</a:t>
             </a:fld>
             <a:endParaRPr lang="en-US" dirty="0"/>
           </a:p>
@@ -4929,6 +4929,7 @@
           <a:p>
             <a:fld id="{6D22F896-40B5-4ADD-8801-0D06FADFA095}" type="slidenum">
               <a:rPr lang="en-US" dirty="0"/>
+              <a:t>‹#›</a:t>
             </a:fld>
             <a:endParaRPr lang="en-US" dirty="0"/>
           </a:p>
@@ -5058,7 +5059,6 @@
               <a:rPr lang="zh-CN" altLang="en-US" smtClean="0"/>
               <a:t>单击此处编辑母版文本样式</a:t>
             </a:r>
-            <a:endParaRPr lang="zh-CN" altLang="en-US" smtClean="0"/>
           </a:p>
         </p:txBody>
       </p:sp>
@@ -5126,7 +5126,6 @@
               <a:rPr lang="zh-CN" altLang="en-US" smtClean="0"/>
               <a:t>单击此处编辑母版文本样式</a:t>
             </a:r>
-            <a:endParaRPr lang="zh-CN" altLang="en-US" smtClean="0"/>
           </a:p>
         </p:txBody>
       </p:sp>
@@ -5201,7 +5200,6 @@
               <a:rPr lang="zh-CN" altLang="en-US" smtClean="0"/>
               <a:t>单击此处编辑母版文本样式</a:t>
             </a:r>
-            <a:endParaRPr lang="zh-CN" altLang="en-US" smtClean="0"/>
           </a:p>
         </p:txBody>
       </p:sp>
@@ -5269,7 +5267,6 @@
               <a:rPr lang="zh-CN" altLang="en-US" smtClean="0"/>
               <a:t>单击此处编辑母版文本样式</a:t>
             </a:r>
-            <a:endParaRPr lang="zh-CN" altLang="en-US" smtClean="0"/>
           </a:p>
         </p:txBody>
       </p:sp>
@@ -5344,7 +5341,6 @@
               <a:rPr lang="zh-CN" altLang="en-US" smtClean="0"/>
               <a:t>单击此处编辑母版文本样式</a:t>
             </a:r>
-            <a:endParaRPr lang="zh-CN" altLang="en-US" smtClean="0"/>
           </a:p>
         </p:txBody>
       </p:sp>
@@ -5412,7 +5408,6 @@
               <a:rPr lang="zh-CN" altLang="en-US" smtClean="0"/>
               <a:t>单击此处编辑母版文本样式</a:t>
             </a:r>
-            <a:endParaRPr lang="zh-CN" altLang="en-US" smtClean="0"/>
           </a:p>
         </p:txBody>
       </p:sp>
@@ -5433,6 +5428,7 @@
           <a:p>
             <a:fld id="{48A87A34-81AB-432B-8DAE-1953F412C126}" type="datetimeFigureOut">
               <a:rPr lang="en-US" dirty="0"/>
+              <a:t>1/6/21</a:t>
             </a:fld>
             <a:endParaRPr lang="en-US" dirty="0"/>
           </a:p>
@@ -5474,6 +5470,7 @@
           <a:p>
             <a:fld id="{6D22F896-40B5-4ADD-8801-0D06FADFA095}" type="slidenum">
               <a:rPr lang="en-US" dirty="0"/>
+              <a:t>‹#›</a:t>
             </a:fld>
             <a:endParaRPr lang="en-US" dirty="0"/>
           </a:p>
@@ -5603,7 +5600,6 @@
               <a:rPr lang="zh-CN" altLang="en-US" smtClean="0"/>
               <a:t>单击此处编辑母版文本样式</a:t>
             </a:r>
-            <a:endParaRPr lang="zh-CN" altLang="en-US" smtClean="0"/>
           </a:p>
         </p:txBody>
       </p:sp>
@@ -5729,7 +5725,6 @@
               <a:rPr lang="zh-CN" altLang="en-US" smtClean="0"/>
               <a:t>单击此处编辑母版文本样式</a:t>
             </a:r>
-            <a:endParaRPr lang="zh-CN" altLang="en-US" smtClean="0"/>
           </a:p>
         </p:txBody>
       </p:sp>
@@ -5804,7 +5799,6 @@
               <a:rPr lang="zh-CN" altLang="en-US" smtClean="0"/>
               <a:t>单击此处编辑母版文本样式</a:t>
             </a:r>
-            <a:endParaRPr lang="zh-CN" altLang="en-US" smtClean="0"/>
           </a:p>
         </p:txBody>
       </p:sp>
@@ -5930,7 +5924,6 @@
               <a:rPr lang="zh-CN" altLang="en-US" smtClean="0"/>
               <a:t>单击此处编辑母版文本样式</a:t>
             </a:r>
-            <a:endParaRPr lang="zh-CN" altLang="en-US" smtClean="0"/>
           </a:p>
         </p:txBody>
       </p:sp>
@@ -6005,7 +5998,6 @@
               <a:rPr lang="zh-CN" altLang="en-US" smtClean="0"/>
               <a:t>单击此处编辑母版文本样式</a:t>
             </a:r>
-            <a:endParaRPr lang="zh-CN" altLang="en-US" smtClean="0"/>
           </a:p>
         </p:txBody>
       </p:sp>
@@ -6131,7 +6123,6 @@
               <a:rPr lang="zh-CN" altLang="en-US" smtClean="0"/>
               <a:t>单击此处编辑母版文本样式</a:t>
             </a:r>
-            <a:endParaRPr lang="zh-CN" altLang="en-US" smtClean="0"/>
           </a:p>
         </p:txBody>
       </p:sp>
@@ -6152,6 +6143,7 @@
           <a:p>
             <a:fld id="{48A87A34-81AB-432B-8DAE-1953F412C126}" type="datetimeFigureOut">
               <a:rPr lang="en-US" dirty="0"/>
+              <a:t>1/6/21</a:t>
             </a:fld>
             <a:endParaRPr lang="en-US" dirty="0"/>
           </a:p>
@@ -6193,6 +6185,7 @@
           <a:p>
             <a:fld id="{6D22F896-40B5-4ADD-8801-0D06FADFA095}" type="slidenum">
               <a:rPr lang="en-US" dirty="0"/>
+              <a:t>‹#›</a:t>
             </a:fld>
             <a:endParaRPr lang="en-US" dirty="0"/>
           </a:p>
@@ -6266,7 +6259,6 @@
               <a:rPr lang="zh-CN" altLang="en-US" smtClean="0"/>
               <a:t>单击此处编辑母版文本样式</a:t>
             </a:r>
-            <a:endParaRPr lang="zh-CN" altLang="en-US" smtClean="0"/>
           </a:p>
           <a:p>
             <a:pPr lvl="1"/>
@@ -6274,7 +6266,6 @@
               <a:rPr lang="zh-CN" altLang="en-US" smtClean="0"/>
               <a:t>二级</a:t>
             </a:r>
-            <a:endParaRPr lang="zh-CN" altLang="en-US" smtClean="0"/>
           </a:p>
           <a:p>
             <a:pPr lvl="2"/>
@@ -6282,7 +6273,6 @@
               <a:rPr lang="zh-CN" altLang="en-US" smtClean="0"/>
               <a:t>三级</a:t>
             </a:r>
-            <a:endParaRPr lang="zh-CN" altLang="en-US" smtClean="0"/>
           </a:p>
           <a:p>
             <a:pPr lvl="3"/>
@@ -6290,7 +6280,6 @@
               <a:rPr lang="zh-CN" altLang="en-US" smtClean="0"/>
               <a:t>四级</a:t>
             </a:r>
-            <a:endParaRPr lang="zh-CN" altLang="en-US" smtClean="0"/>
           </a:p>
           <a:p>
             <a:pPr lvl="4"/>
@@ -6319,6 +6308,7 @@
           <a:p>
             <a:fld id="{48A87A34-81AB-432B-8DAE-1953F412C126}" type="datetimeFigureOut">
               <a:rPr lang="en-US" dirty="0"/>
+              <a:t>1/6/21</a:t>
             </a:fld>
             <a:endParaRPr lang="en-US" dirty="0"/>
           </a:p>
@@ -6360,6 +6350,7 @@
           <a:p>
             <a:fld id="{6D22F896-40B5-4ADD-8801-0D06FADFA095}" type="slidenum">
               <a:rPr lang="en-US" dirty="0"/>
+              <a:t>‹#›</a:t>
             </a:fld>
             <a:endParaRPr lang="en-US" dirty="0"/>
           </a:p>
@@ -6443,7 +6434,6 @@
               <a:rPr lang="zh-CN" altLang="en-US" smtClean="0"/>
               <a:t>单击此处编辑母版文本样式</a:t>
             </a:r>
-            <a:endParaRPr lang="zh-CN" altLang="en-US" smtClean="0"/>
           </a:p>
           <a:p>
             <a:pPr lvl="1"/>
@@ -6451,7 +6441,6 @@
               <a:rPr lang="zh-CN" altLang="en-US" smtClean="0"/>
               <a:t>二级</a:t>
             </a:r>
-            <a:endParaRPr lang="zh-CN" altLang="en-US" smtClean="0"/>
           </a:p>
           <a:p>
             <a:pPr lvl="2"/>
@@ -6459,7 +6448,6 @@
               <a:rPr lang="zh-CN" altLang="en-US" smtClean="0"/>
               <a:t>三级</a:t>
             </a:r>
-            <a:endParaRPr lang="zh-CN" altLang="en-US" smtClean="0"/>
           </a:p>
           <a:p>
             <a:pPr lvl="3"/>
@@ -6467,7 +6455,6 @@
               <a:rPr lang="zh-CN" altLang="en-US" smtClean="0"/>
               <a:t>四级</a:t>
             </a:r>
-            <a:endParaRPr lang="zh-CN" altLang="en-US" smtClean="0"/>
           </a:p>
           <a:p>
             <a:pPr lvl="4"/>
@@ -6496,6 +6483,7 @@
           <a:p>
             <a:fld id="{48A87A34-81AB-432B-8DAE-1953F412C126}" type="datetimeFigureOut">
               <a:rPr lang="en-US" dirty="0"/>
+              <a:t>1/6/21</a:t>
             </a:fld>
             <a:endParaRPr lang="en-US" dirty="0"/>
           </a:p>
@@ -6537,6 +6525,7 @@
           <a:p>
             <a:fld id="{6D22F896-40B5-4ADD-8801-0D06FADFA095}" type="slidenum">
               <a:rPr lang="en-US" dirty="0"/>
+              <a:t>‹#›</a:t>
             </a:fld>
             <a:endParaRPr lang="en-US" dirty="0"/>
           </a:p>
@@ -6610,7 +6599,6 @@
               <a:rPr lang="zh-CN" altLang="en-US" smtClean="0"/>
               <a:t>单击此处编辑母版文本样式</a:t>
             </a:r>
-            <a:endParaRPr lang="zh-CN" altLang="en-US" smtClean="0"/>
           </a:p>
           <a:p>
             <a:pPr lvl="1"/>
@@ -6618,7 +6606,6 @@
               <a:rPr lang="zh-CN" altLang="en-US" smtClean="0"/>
               <a:t>二级</a:t>
             </a:r>
-            <a:endParaRPr lang="zh-CN" altLang="en-US" smtClean="0"/>
           </a:p>
           <a:p>
             <a:pPr lvl="2"/>
@@ -6626,7 +6613,6 @@
               <a:rPr lang="zh-CN" altLang="en-US" smtClean="0"/>
               <a:t>三级</a:t>
             </a:r>
-            <a:endParaRPr lang="zh-CN" altLang="en-US" smtClean="0"/>
           </a:p>
           <a:p>
             <a:pPr lvl="3"/>
@@ -6634,7 +6620,6 @@
               <a:rPr lang="zh-CN" altLang="en-US" smtClean="0"/>
               <a:t>四级</a:t>
             </a:r>
-            <a:endParaRPr lang="zh-CN" altLang="en-US" smtClean="0"/>
           </a:p>
           <a:p>
             <a:pPr lvl="4"/>
@@ -6663,6 +6648,7 @@
           <a:p>
             <a:fld id="{48A87A34-81AB-432B-8DAE-1953F412C126}" type="datetimeFigureOut">
               <a:rPr lang="en-US" dirty="0"/>
+              <a:t>1/6/21</a:t>
             </a:fld>
             <a:endParaRPr lang="en-US" dirty="0"/>
           </a:p>
@@ -6704,6 +6690,7 @@
           <a:p>
             <a:fld id="{6D22F896-40B5-4ADD-8801-0D06FADFA095}" type="slidenum">
               <a:rPr lang="en-US" dirty="0"/>
+              <a:t>‹#›</a:t>
             </a:fld>
             <a:endParaRPr lang="en-US" dirty="0"/>
           </a:p>
@@ -6886,7 +6873,6 @@
               <a:rPr lang="zh-CN" altLang="en-US" smtClean="0"/>
               <a:t>单击此处编辑母版文本样式</a:t>
             </a:r>
-            <a:endParaRPr lang="zh-CN" altLang="en-US" smtClean="0"/>
           </a:p>
         </p:txBody>
       </p:sp>
@@ -6907,6 +6893,7 @@
           <a:p>
             <a:fld id="{48A87A34-81AB-432B-8DAE-1953F412C126}" type="datetimeFigureOut">
               <a:rPr lang="en-US" dirty="0"/>
+              <a:t>1/6/21</a:t>
             </a:fld>
             <a:endParaRPr lang="en-US" dirty="0"/>
           </a:p>
@@ -6948,6 +6935,7 @@
           <a:p>
             <a:fld id="{6D22F896-40B5-4ADD-8801-0D06FADFA095}" type="slidenum">
               <a:rPr lang="en-US" dirty="0"/>
+              <a:t>‹#›</a:t>
             </a:fld>
             <a:endParaRPr lang="en-US" dirty="0"/>
           </a:p>
@@ -7026,7 +7014,6 @@
               <a:rPr lang="zh-CN" altLang="en-US" smtClean="0"/>
               <a:t>单击此处编辑母版文本样式</a:t>
             </a:r>
-            <a:endParaRPr lang="zh-CN" altLang="en-US" smtClean="0"/>
           </a:p>
           <a:p>
             <a:pPr lvl="1"/>
@@ -7034,7 +7021,6 @@
               <a:rPr lang="zh-CN" altLang="en-US" smtClean="0"/>
               <a:t>二级</a:t>
             </a:r>
-            <a:endParaRPr lang="zh-CN" altLang="en-US" smtClean="0"/>
           </a:p>
           <a:p>
             <a:pPr lvl="2"/>
@@ -7042,7 +7028,6 @@
               <a:rPr lang="zh-CN" altLang="en-US" smtClean="0"/>
               <a:t>三级</a:t>
             </a:r>
-            <a:endParaRPr lang="zh-CN" altLang="en-US" smtClean="0"/>
           </a:p>
           <a:p>
             <a:pPr lvl="3"/>
@@ -7050,7 +7035,6 @@
               <a:rPr lang="zh-CN" altLang="en-US" smtClean="0"/>
               <a:t>四级</a:t>
             </a:r>
-            <a:endParaRPr lang="zh-CN" altLang="en-US" smtClean="0"/>
           </a:p>
           <a:p>
             <a:pPr lvl="4"/>
@@ -7087,7 +7071,6 @@
               <a:rPr lang="zh-CN" altLang="en-US" smtClean="0"/>
               <a:t>单击此处编辑母版文本样式</a:t>
             </a:r>
-            <a:endParaRPr lang="zh-CN" altLang="en-US" smtClean="0"/>
           </a:p>
           <a:p>
             <a:pPr lvl="1"/>
@@ -7095,7 +7078,6 @@
               <a:rPr lang="zh-CN" altLang="en-US" smtClean="0"/>
               <a:t>二级</a:t>
             </a:r>
-            <a:endParaRPr lang="zh-CN" altLang="en-US" smtClean="0"/>
           </a:p>
           <a:p>
             <a:pPr lvl="2"/>
@@ -7103,7 +7085,6 @@
               <a:rPr lang="zh-CN" altLang="en-US" smtClean="0"/>
               <a:t>三级</a:t>
             </a:r>
-            <a:endParaRPr lang="zh-CN" altLang="en-US" smtClean="0"/>
           </a:p>
           <a:p>
             <a:pPr lvl="3"/>
@@ -7111,7 +7092,6 @@
               <a:rPr lang="zh-CN" altLang="en-US" smtClean="0"/>
               <a:t>四级</a:t>
             </a:r>
-            <a:endParaRPr lang="zh-CN" altLang="en-US" smtClean="0"/>
           </a:p>
           <a:p>
             <a:pPr lvl="4"/>
@@ -7140,6 +7120,7 @@
           <a:p>
             <a:fld id="{48A87A34-81AB-432B-8DAE-1953F412C126}" type="datetimeFigureOut">
               <a:rPr lang="en-US" dirty="0"/>
+              <a:t>1/6/21</a:t>
             </a:fld>
             <a:endParaRPr lang="en-US" dirty="0"/>
           </a:p>
@@ -7181,6 +7162,7 @@
           <a:p>
             <a:fld id="{6D22F896-40B5-4ADD-8801-0D06FADFA095}" type="slidenum">
               <a:rPr lang="en-US" dirty="0"/>
+              <a:t>‹#›</a:t>
             </a:fld>
             <a:endParaRPr lang="en-US" dirty="0"/>
           </a:p>
@@ -7308,7 +7290,6 @@
               <a:rPr lang="zh-CN" altLang="en-US" smtClean="0"/>
               <a:t>单击此处编辑母版文本样式</a:t>
             </a:r>
-            <a:endParaRPr lang="zh-CN" altLang="en-US" smtClean="0"/>
           </a:p>
         </p:txBody>
       </p:sp>
@@ -7337,7 +7318,6 @@
               <a:rPr lang="zh-CN" altLang="en-US" smtClean="0"/>
               <a:t>单击此处编辑母版文本样式</a:t>
             </a:r>
-            <a:endParaRPr lang="zh-CN" altLang="en-US" smtClean="0"/>
           </a:p>
           <a:p>
             <a:pPr lvl="1"/>
@@ -7345,7 +7325,6 @@
               <a:rPr lang="zh-CN" altLang="en-US" smtClean="0"/>
               <a:t>二级</a:t>
             </a:r>
-            <a:endParaRPr lang="zh-CN" altLang="en-US" smtClean="0"/>
           </a:p>
           <a:p>
             <a:pPr lvl="2"/>
@@ -7353,7 +7332,6 @@
               <a:rPr lang="zh-CN" altLang="en-US" smtClean="0"/>
               <a:t>三级</a:t>
             </a:r>
-            <a:endParaRPr lang="zh-CN" altLang="en-US" smtClean="0"/>
           </a:p>
           <a:p>
             <a:pPr lvl="3"/>
@@ -7361,7 +7339,6 @@
               <a:rPr lang="zh-CN" altLang="en-US" smtClean="0"/>
               <a:t>四级</a:t>
             </a:r>
-            <a:endParaRPr lang="zh-CN" altLang="en-US" smtClean="0"/>
           </a:p>
           <a:p>
             <a:pPr lvl="4"/>
@@ -7442,7 +7419,6 @@
               <a:rPr lang="zh-CN" altLang="en-US" smtClean="0"/>
               <a:t>单击此处编辑母版文本样式</a:t>
             </a:r>
-            <a:endParaRPr lang="zh-CN" altLang="en-US" smtClean="0"/>
           </a:p>
         </p:txBody>
       </p:sp>
@@ -7471,7 +7447,6 @@
               <a:rPr lang="zh-CN" altLang="en-US" smtClean="0"/>
               <a:t>单击此处编辑母版文本样式</a:t>
             </a:r>
-            <a:endParaRPr lang="zh-CN" altLang="en-US" smtClean="0"/>
           </a:p>
           <a:p>
             <a:pPr lvl="1"/>
@@ -7479,7 +7454,6 @@
               <a:rPr lang="zh-CN" altLang="en-US" smtClean="0"/>
               <a:t>二级</a:t>
             </a:r>
-            <a:endParaRPr lang="zh-CN" altLang="en-US" smtClean="0"/>
           </a:p>
           <a:p>
             <a:pPr lvl="2"/>
@@ -7487,7 +7461,6 @@
               <a:rPr lang="zh-CN" altLang="en-US" smtClean="0"/>
               <a:t>三级</a:t>
             </a:r>
-            <a:endParaRPr lang="zh-CN" altLang="en-US" smtClean="0"/>
           </a:p>
           <a:p>
             <a:pPr lvl="3"/>
@@ -7495,7 +7468,6 @@
               <a:rPr lang="zh-CN" altLang="en-US" smtClean="0"/>
               <a:t>四级</a:t>
             </a:r>
-            <a:endParaRPr lang="zh-CN" altLang="en-US" smtClean="0"/>
           </a:p>
           <a:p>
             <a:pPr lvl="4"/>
@@ -7524,6 +7496,7 @@
           <a:p>
             <a:fld id="{48A87A34-81AB-432B-8DAE-1953F412C126}" type="datetimeFigureOut">
               <a:rPr lang="en-US" dirty="0"/>
+              <a:t>1/6/21</a:t>
             </a:fld>
             <a:endParaRPr lang="en-US" dirty="0"/>
           </a:p>
@@ -7565,6 +7538,7 @@
           <a:p>
             <a:fld id="{6D22F896-40B5-4ADD-8801-0D06FADFA095}" type="slidenum">
               <a:rPr lang="en-US" dirty="0"/>
+              <a:t>‹#›</a:t>
             </a:fld>
             <a:endParaRPr lang="en-US" dirty="0"/>
           </a:p>
@@ -7635,6 +7609,7 @@
           <a:p>
             <a:fld id="{48A87A34-81AB-432B-8DAE-1953F412C126}" type="datetimeFigureOut">
               <a:rPr lang="en-US" dirty="0"/>
+              <a:t>1/6/21</a:t>
             </a:fld>
             <a:endParaRPr lang="en-US" dirty="0"/>
           </a:p>
@@ -7676,6 +7651,7 @@
           <a:p>
             <a:fld id="{6D22F896-40B5-4ADD-8801-0D06FADFA095}" type="slidenum">
               <a:rPr lang="en-US" dirty="0"/>
+              <a:t>‹#›</a:t>
             </a:fld>
             <a:endParaRPr lang="en-US" dirty="0"/>
           </a:p>
@@ -7723,6 +7699,7 @@
           <a:p>
             <a:fld id="{48A87A34-81AB-432B-8DAE-1953F412C126}" type="datetimeFigureOut">
               <a:rPr lang="en-US" dirty="0"/>
+              <a:t>1/6/21</a:t>
             </a:fld>
             <a:endParaRPr lang="en-US" dirty="0"/>
           </a:p>
@@ -7764,6 +7741,7 @@
           <a:p>
             <a:fld id="{6D22F896-40B5-4ADD-8801-0D06FADFA095}" type="slidenum">
               <a:rPr lang="en-US" dirty="0"/>
+              <a:t>‹#›</a:t>
             </a:fld>
             <a:endParaRPr lang="en-US" dirty="0"/>
           </a:p>
@@ -7851,7 +7829,6 @@
               <a:rPr lang="zh-CN" altLang="en-US" smtClean="0"/>
               <a:t>单击此处编辑母版文本样式</a:t>
             </a:r>
-            <a:endParaRPr lang="zh-CN" altLang="en-US" smtClean="0"/>
           </a:p>
           <a:p>
             <a:pPr lvl="1"/>
@@ -7859,7 +7836,6 @@
               <a:rPr lang="zh-CN" altLang="en-US" smtClean="0"/>
               <a:t>二级</a:t>
             </a:r>
-            <a:endParaRPr lang="zh-CN" altLang="en-US" smtClean="0"/>
           </a:p>
           <a:p>
             <a:pPr lvl="2"/>
@@ -7867,7 +7843,6 @@
               <a:rPr lang="zh-CN" altLang="en-US" smtClean="0"/>
               <a:t>三级</a:t>
             </a:r>
-            <a:endParaRPr lang="zh-CN" altLang="en-US" smtClean="0"/>
           </a:p>
           <a:p>
             <a:pPr lvl="3"/>
@@ -7875,7 +7850,6 @@
               <a:rPr lang="zh-CN" altLang="en-US" smtClean="0"/>
               <a:t>四级</a:t>
             </a:r>
-            <a:endParaRPr lang="zh-CN" altLang="en-US" smtClean="0"/>
           </a:p>
           <a:p>
             <a:pPr lvl="4"/>
@@ -7949,7 +7923,6 @@
               <a:rPr lang="zh-CN" altLang="en-US" smtClean="0"/>
               <a:t>单击此处编辑母版文本样式</a:t>
             </a:r>
-            <a:endParaRPr lang="zh-CN" altLang="en-US" smtClean="0"/>
           </a:p>
         </p:txBody>
       </p:sp>
@@ -7970,6 +7943,7 @@
           <a:p>
             <a:fld id="{48A87A34-81AB-432B-8DAE-1953F412C126}" type="datetimeFigureOut">
               <a:rPr lang="en-US" dirty="0"/>
+              <a:t>1/6/21</a:t>
             </a:fld>
             <a:endParaRPr lang="en-US" dirty="0"/>
           </a:p>
@@ -8011,6 +7985,7 @@
           <a:p>
             <a:fld id="{6D22F896-40B5-4ADD-8801-0D06FADFA095}" type="slidenum">
               <a:rPr lang="en-US" dirty="0"/>
+              <a:t>‹#›</a:t>
             </a:fld>
             <a:endParaRPr lang="en-US" dirty="0"/>
           </a:p>
@@ -8223,7 +8198,6 @@
               <a:rPr lang="zh-CN" altLang="en-US" smtClean="0"/>
               <a:t>单击此处编辑母版文本样式</a:t>
             </a:r>
-            <a:endParaRPr lang="zh-CN" altLang="en-US" smtClean="0"/>
           </a:p>
         </p:txBody>
       </p:sp>
@@ -8244,6 +8218,7 @@
           <a:p>
             <a:fld id="{48A87A34-81AB-432B-8DAE-1953F412C126}" type="datetimeFigureOut">
               <a:rPr lang="en-US" dirty="0"/>
+              <a:t>1/6/21</a:t>
             </a:fld>
             <a:endParaRPr lang="en-US" dirty="0"/>
           </a:p>
@@ -8285,6 +8260,7 @@
           <a:p>
             <a:fld id="{6D22F896-40B5-4ADD-8801-0D06FADFA095}" type="slidenum">
               <a:rPr lang="en-US" dirty="0"/>
+              <a:t>‹#›</a:t>
             </a:fld>
             <a:endParaRPr lang="en-US" dirty="0"/>
           </a:p>
@@ -8329,7 +8305,7 @@
           <p:nvPr/>
         </p:nvPicPr>
         <p:blipFill>
-          <a:blip r:embed="rId18">
+          <a:blip r:embed="rId19">
             <a:alphaModFix amt="30000"/>
             <a:extLst>
               <a:ext uri="{28A0092B-C50C-407E-A947-70E740481C1C}">
@@ -10804,7 +10780,6 @@
               <a:rPr lang="zh-CN" altLang="en-US" smtClean="0"/>
               <a:t>单击此处编辑母版文本样式</a:t>
             </a:r>
-            <a:endParaRPr lang="zh-CN" altLang="en-US" smtClean="0"/>
           </a:p>
           <a:p>
             <a:pPr lvl="1"/>
@@ -10812,7 +10787,6 @@
               <a:rPr lang="zh-CN" altLang="en-US" smtClean="0"/>
               <a:t>二级</a:t>
             </a:r>
-            <a:endParaRPr lang="zh-CN" altLang="en-US" smtClean="0"/>
           </a:p>
           <a:p>
             <a:pPr lvl="2"/>
@@ -10820,7 +10794,6 @@
               <a:rPr lang="zh-CN" altLang="en-US" smtClean="0"/>
               <a:t>三级</a:t>
             </a:r>
-            <a:endParaRPr lang="zh-CN" altLang="en-US" smtClean="0"/>
           </a:p>
           <a:p>
             <a:pPr lvl="3"/>
@@ -10828,7 +10801,6 @@
               <a:rPr lang="zh-CN" altLang="en-US" smtClean="0"/>
               <a:t>四级</a:t>
             </a:r>
-            <a:endParaRPr lang="zh-CN" altLang="en-US" smtClean="0"/>
           </a:p>
           <a:p>
             <a:pPr lvl="4"/>
@@ -10875,6 +10847,7 @@
           <a:p>
             <a:fld id="{48A87A34-81AB-432B-8DAE-1953F412C126}" type="datetimeFigureOut">
               <a:rPr lang="en-US" dirty="0"/>
+              <a:t>1/6/21</a:t>
             </a:fld>
             <a:endParaRPr lang="en-US" dirty="0"/>
           </a:p>
@@ -10952,6 +10925,7 @@
           <a:p>
             <a:fld id="{6D22F896-40B5-4ADD-8801-0D06FADFA095}" type="slidenum">
               <a:rPr lang="en-US" dirty="0"/>
+              <a:t>‹#›</a:t>
             </a:fld>
             <a:endParaRPr lang="en-US" dirty="0"/>
           </a:p>
@@ -11298,26 +11272,32 @@
             <p:ph type="ctrTitle"/>
           </p:nvPr>
         </p:nvSpPr>
-        <p:spPr/>
+        <p:spPr>
+          <a:xfrm>
+            <a:off x="1811049" y="837355"/>
+            <a:ext cx="8791575" cy="1193325"/>
+          </a:xfrm>
+        </p:spPr>
         <p:txBody>
           <a:bodyPr/>
           <a:lstStyle/>
           <a:p>
+            <a:pPr algn="ctr"/>
             <a:r>
               <a:rPr kumimoji="1" lang="en-US" altLang="zh-CN" dirty="0" smtClean="0">
-                <a:hlinkClick r:id="rId1" action="ppaction://hlinkfile"/>
+                <a:hlinkClick r:id="rId2" action="ppaction://hlinkfile"/>
               </a:rPr>
               <a:t>React</a:t>
             </a:r>
             <a:r>
               <a:rPr kumimoji="1" lang="zh-CN" altLang="en-US" dirty="0" smtClean="0">
-                <a:hlinkClick r:id="rId1" action="ppaction://hlinkfile"/>
+                <a:hlinkClick r:id="rId2" action="ppaction://hlinkfile"/>
               </a:rPr>
               <a:t> </a:t>
             </a:r>
             <a:r>
               <a:rPr kumimoji="1" lang="en-US" altLang="zh-CN" dirty="0" smtClean="0">
-                <a:hlinkClick r:id="rId1" action="ppaction://hlinkfile"/>
+                <a:hlinkClick r:id="rId2" action="ppaction://hlinkfile"/>
               </a:rPr>
               <a:t>v17</a:t>
             </a:r>
@@ -11335,20 +11315,31 @@
             <p:ph type="subTitle" idx="1"/>
           </p:nvPr>
         </p:nvSpPr>
-        <p:spPr/>
+        <p:spPr>
+          <a:xfrm>
+            <a:off x="1745674" y="2481943"/>
+            <a:ext cx="8922326" cy="3479470"/>
+          </a:xfrm>
+        </p:spPr>
         <p:txBody>
           <a:bodyPr>
-            <a:normAutofit lnSpcReduction="20000"/>
+            <a:normAutofit fontScale="92500" lnSpcReduction="10000"/>
           </a:bodyPr>
           <a:lstStyle/>
           <a:p>
             <a:r>
-              <a:rPr lang="en-US" altLang="zh-CN">
+              <a:rPr lang="en-US" altLang="zh-CN" dirty="0">
                 <a:sym typeface="+mn-ea"/>
               </a:rPr>
-              <a:t>React 17 的版本是非比寻常的，因为它没有添加任何面向开发人员的新功能。而主要侧重于升级简化 React 本身。</a:t>
-            </a:r>
-            <a:endParaRPr lang="en-US" altLang="zh-CN">
+              <a:t>React 17 的版本是非比寻常的，因为它没有添加任何面向开发人员的新功能。而主要侧重于升级简化 React 本身</a:t>
+            </a:r>
+            <a:r>
+              <a:rPr lang="en-US" altLang="zh-CN" dirty="0" smtClean="0">
+                <a:sym typeface="+mn-ea"/>
+              </a:rPr>
+              <a:t>。</a:t>
+            </a:r>
+            <a:endParaRPr lang="en-US" altLang="zh-CN" dirty="0">
               <a:sym typeface="+mn-ea"/>
             </a:endParaRPr>
           </a:p>
@@ -11358,12 +11349,11 @@
               <a:buChar char="•"/>
             </a:pPr>
             <a:r>
-              <a:rPr lang="en-US" altLang="zh-CN">
+              <a:rPr lang="en-US" altLang="zh-CN" dirty="0" smtClean="0">
                 <a:sym typeface="+mn-ea"/>
               </a:rPr>
               <a:t>逐步升级</a:t>
             </a:r>
-            <a:endParaRPr lang="en-US" altLang="zh-CN"/>
           </a:p>
           <a:p>
             <a:pPr marL="342900" indent="-342900">
@@ -11371,15 +11361,147 @@
               <a:buChar char="•"/>
             </a:pPr>
             <a:r>
-              <a:rPr lang="en-US" altLang="zh-CN">
+              <a:rPr lang="zh-CN" altLang="en-US" dirty="0"/>
+              <a:t>新的 </a:t>
+            </a:r>
+            <a:r>
+              <a:rPr lang="en-US" altLang="zh-CN" dirty="0"/>
+              <a:t>JSX </a:t>
+            </a:r>
+            <a:r>
+              <a:rPr lang="zh-CN" altLang="en-US" dirty="0"/>
+              <a:t>转换</a:t>
+            </a:r>
+            <a:r>
+              <a:rPr lang="zh-CN" altLang="en-US" dirty="0" smtClean="0"/>
+              <a:t>逻辑</a:t>
+            </a:r>
+            <a:r>
+              <a:rPr lang="en-US" altLang="zh-CN" dirty="0" smtClean="0"/>
+              <a:t>——react/</a:t>
+            </a:r>
+            <a:r>
+              <a:rPr lang="en-US" altLang="zh-CN" dirty="0" err="1" smtClean="0"/>
+              <a:t>jsx</a:t>
+            </a:r>
+            <a:r>
+              <a:rPr lang="en-US" altLang="zh-CN" dirty="0" smtClean="0"/>
+              <a:t>-runtime</a:t>
+            </a:r>
+            <a:endParaRPr lang="en-US" altLang="zh-CN" dirty="0"/>
+          </a:p>
+          <a:p>
+            <a:pPr marL="342900" indent="-342900">
+              <a:buFont typeface="Arial" panose="020B0604020202090204" pitchFamily="34" charset="0"/>
+              <a:buChar char="•"/>
+            </a:pPr>
+            <a:r>
+              <a:rPr lang="en-US" altLang="zh-CN" dirty="0" smtClean="0">
                 <a:sym typeface="+mn-ea"/>
               </a:rPr>
               <a:t>事件代理更改</a:t>
             </a:r>
-            <a:endParaRPr lang="en-US" altLang="zh-CN"/>
-          </a:p>
-          <a:p>
-            <a:endParaRPr lang="en-US" altLang="zh-CN">
+          </a:p>
+          <a:p>
+            <a:pPr marL="342900" indent="-342900">
+              <a:buFont typeface="Arial" panose="020B0604020202090204" pitchFamily="34" charset="0"/>
+              <a:buChar char="•"/>
+            </a:pPr>
+            <a:r>
+              <a:rPr lang="en-US" altLang="zh-CN" b="1" dirty="0" smtClean="0"/>
+              <a:t>&gt;</a:t>
+            </a:r>
+            <a:r>
+              <a:rPr lang="zh-CN" altLang="en-US" b="1" dirty="0" smtClean="0"/>
+              <a:t>放弃</a:t>
+            </a:r>
+            <a:r>
+              <a:rPr lang="zh-CN" altLang="en-US" b="1" dirty="0"/>
+              <a:t>利用 </a:t>
+            </a:r>
+            <a:r>
+              <a:rPr lang="en-US" altLang="zh-CN" b="1" dirty="0"/>
+              <a:t>document </a:t>
+            </a:r>
+            <a:r>
+              <a:rPr lang="zh-CN" altLang="en-US" b="1" dirty="0"/>
+              <a:t>来做事件的中心化</a:t>
+            </a:r>
+            <a:r>
+              <a:rPr lang="zh-CN" altLang="en-US" b="1" dirty="0" smtClean="0"/>
+              <a:t>管控</a:t>
+            </a:r>
+            <a:endParaRPr lang="en-US" altLang="zh-CN" b="1" dirty="0" smtClean="0"/>
+          </a:p>
+          <a:p>
+            <a:pPr marL="342900" indent="-342900">
+              <a:buFont typeface="Arial" panose="020B0604020202090204" pitchFamily="34" charset="0"/>
+              <a:buChar char="•"/>
+            </a:pPr>
+            <a:r>
+              <a:rPr lang="en-US" altLang="zh-CN" b="1" dirty="0" smtClean="0"/>
+              <a:t>&gt; </a:t>
+            </a:r>
+            <a:r>
+              <a:rPr lang="zh-CN" altLang="en-US" b="1" dirty="0"/>
+              <a:t>拥抱新的潮流：</a:t>
+            </a:r>
+            <a:r>
+              <a:rPr lang="zh-CN" altLang="en-US" b="1" dirty="0">
+                <a:hlinkClick r:id="rId3"/>
+              </a:rPr>
+              <a:t>放弃事件</a:t>
+            </a:r>
+            <a:r>
+              <a:rPr lang="zh-CN" altLang="en-US" b="1" dirty="0" smtClean="0">
+                <a:hlinkClick r:id="rId3"/>
+              </a:rPr>
+              <a:t>池</a:t>
+            </a:r>
+            <a:endParaRPr lang="en-US" altLang="zh-CN" b="1" dirty="0" smtClean="0"/>
+          </a:p>
+          <a:p>
+            <a:pPr marL="342900" indent="-342900">
+              <a:buFont typeface="Arial" panose="020B0604020202090204" pitchFamily="34" charset="0"/>
+              <a:buChar char="•"/>
+            </a:pPr>
+            <a:r>
+              <a:rPr lang="en-US" altLang="zh-CN" b="1" dirty="0" smtClean="0"/>
+              <a:t>&gt;</a:t>
+            </a:r>
+            <a:r>
+              <a:rPr lang="en-US" altLang="zh-CN" b="1" dirty="0"/>
+              <a:t>Lane </a:t>
+            </a:r>
+            <a:r>
+              <a:rPr lang="zh-CN" altLang="en-US" b="1" dirty="0"/>
+              <a:t>模型的</a:t>
+            </a:r>
+            <a:r>
+              <a:rPr lang="zh-CN" altLang="en-US" b="1" dirty="0" smtClean="0"/>
+              <a:t>引入</a:t>
+            </a:r>
+            <a:r>
+              <a:rPr lang="zh-CN" altLang="en-US" dirty="0" smtClean="0"/>
+              <a:t>优先级</a:t>
+            </a:r>
+            <a:endParaRPr lang="en-US" altLang="zh-CN" dirty="0"/>
+          </a:p>
+          <a:p>
+            <a:pPr lvl="1"/>
+            <a:endParaRPr lang="en-US" altLang="zh-CN" b="1" dirty="0" smtClean="0"/>
+          </a:p>
+          <a:p>
+            <a:pPr marL="342900" indent="-342900">
+              <a:buFont typeface="Arial" panose="020B0604020202090204" pitchFamily="34" charset="0"/>
+              <a:buChar char="•"/>
+            </a:pPr>
+            <a:endParaRPr lang="en-US" altLang="zh-CN" dirty="0" smtClean="0">
+              <a:sym typeface="+mn-ea"/>
+            </a:endParaRPr>
+          </a:p>
+          <a:p>
+            <a:endParaRPr lang="en-US" altLang="zh-CN" dirty="0">
               <a:sym typeface="+mn-ea"/>
             </a:endParaRPr>
           </a:p>
@@ -11412,7 +11534,14 @@
         <p:cNvGrpSpPr/>
         <p:nvPr/>
       </p:nvGrpSpPr>
-      <p:grpSpPr/>
+      <p:grpSpPr>
+        <a:xfrm>
+          <a:off x="0" y="0"/>
+          <a:ext cx="0" cy="0"/>
+          <a:chOff x="0" y="0"/>
+          <a:chExt cx="0" cy="0"/>
+        </a:xfrm>
+      </p:grpSpPr>
       <p:sp>
         <p:nvSpPr>
           <p:cNvPr id="2" name="文本框 1"/>
@@ -11433,13 +11562,13 @@
           <a:bodyPr wrap="square" rtlCol="0">
             <a:spAutoFit/>
           </a:bodyPr>
+          <a:lstStyle/>
           <a:p>
             <a:pPr algn="l"/>
             <a:r>
               <a:rPr lang="zh-CN" altLang="en-US" sz="2800"/>
               <a:t>认识 getSnapshotBeforeUpdate</a:t>
             </a:r>
-            <a:endParaRPr lang="zh-CN" altLang="en-US" sz="2800"/>
           </a:p>
           <a:p>
             <a:pPr algn="l"/>
@@ -11451,7 +11580,6 @@
               <a:rPr lang="zh-CN" altLang="en-US" sz="2000"/>
               <a:t>执行时机是在 render 方法之后，真实 DOM 更新之前。在这个阶段里，</a:t>
             </a:r>
-            <a:endParaRPr lang="zh-CN" altLang="en-US" sz="2000"/>
           </a:p>
           <a:p>
             <a:pPr algn="l"/>
@@ -11459,7 +11587,6 @@
               <a:rPr lang="zh-CN" altLang="en-US" sz="2000"/>
               <a:t>我们可以同时获取到更新前的真实 DOM 和更新前后的 state&amp;props 信息。</a:t>
             </a:r>
-            <a:endParaRPr lang="zh-CN" altLang="en-US" sz="2000"/>
           </a:p>
         </p:txBody>
       </p:sp>
@@ -11480,7 +11607,14 @@
         <p:cNvGrpSpPr/>
         <p:nvPr/>
       </p:nvGrpSpPr>
-      <p:grpSpPr/>
+      <p:grpSpPr>
+        <a:xfrm>
+          <a:off x="0" y="0"/>
+          <a:ext cx="0" cy="0"/>
+          <a:chOff x="0" y="0"/>
+          <a:chExt cx="0" cy="0"/>
+        </a:xfrm>
+      </p:grpSpPr>
       <p:sp>
         <p:nvSpPr>
           <p:cNvPr id="2" name="文本框 1"/>
@@ -11501,6 +11635,7 @@
           <a:bodyPr wrap="none" rtlCol="0">
             <a:spAutoFit/>
           </a:bodyPr>
+          <a:lstStyle/>
           <a:p>
             <a:pPr algn="l"/>
             <a:r>
@@ -11519,7 +11654,6 @@
               <a:rPr lang="zh-CN" altLang="en-US" sz="2000"/>
               <a:t>Fiber—— 会是原来的同步渲染过程变成异步的；在 Fiber 机制下，</a:t>
             </a:r>
-            <a:endParaRPr lang="zh-CN" altLang="en-US" sz="2000"/>
           </a:p>
           <a:p>
             <a:pPr algn="l"/>
@@ -11527,7 +11661,6 @@
               <a:rPr lang="zh-CN" altLang="en-US" sz="2000"/>
               <a:t>render 阶段是允许暂停、终止和重启的。当一个任务执行到一半被打断后，</a:t>
             </a:r>
-            <a:endParaRPr lang="zh-CN" altLang="en-US" sz="2000"/>
           </a:p>
           <a:p>
             <a:pPr algn="l"/>
@@ -11535,7 +11668,6 @@
               <a:rPr lang="zh-CN" altLang="en-US" sz="2000"/>
               <a:t>下一次渲染线程抢回主动权时，这个任务被重启的形式是“重复执行一遍整个任务”</a:t>
             </a:r>
-            <a:endParaRPr lang="zh-CN" altLang="en-US" sz="2000"/>
           </a:p>
           <a:p>
             <a:pPr algn="l"/>
@@ -11543,7 +11675,6 @@
               <a:rPr lang="zh-CN" altLang="en-US" sz="2000"/>
               <a:t>而非“接着上次执行到的那行代码往下走”。</a:t>
             </a:r>
-            <a:endParaRPr lang="zh-CN" altLang="en-US" sz="2000"/>
           </a:p>
           <a:p>
             <a:pPr algn="l"/>
@@ -11551,7 +11682,6 @@
               <a:rPr lang="zh-CN" altLang="en-US" sz="2000"/>
               <a:t>这就导致 render 阶段的生命周期都是有可能被重复执行的。</a:t>
             </a:r>
-            <a:endParaRPr lang="zh-CN" altLang="en-US" sz="2000"/>
           </a:p>
           <a:p>
             <a:pPr algn="l"/>
@@ -11563,7 +11693,6 @@
               <a:rPr lang="zh-CN" altLang="en-US" sz="2000"/>
               <a:t>带着这个结论，我们再来看看 React 16 打算废弃的是哪些生命周期：</a:t>
             </a:r>
-            <a:endParaRPr lang="zh-CN" altLang="en-US" sz="2000"/>
           </a:p>
           <a:p>
             <a:pPr algn="l"/>
@@ -11575,7 +11704,6 @@
               <a:rPr lang="zh-CN" altLang="en-US" sz="2000"/>
               <a:t>componentWillMount；</a:t>
             </a:r>
-            <a:endParaRPr lang="zh-CN" altLang="en-US" sz="2000"/>
           </a:p>
           <a:p>
             <a:pPr algn="l"/>
@@ -11587,7 +11715,6 @@
               <a:rPr lang="zh-CN" altLang="en-US" sz="2000"/>
               <a:t>componentWillUpdate；</a:t>
             </a:r>
-            <a:endParaRPr lang="zh-CN" altLang="en-US" sz="2000"/>
           </a:p>
           <a:p>
             <a:pPr algn="l"/>
@@ -11599,7 +11726,6 @@
               <a:rPr lang="zh-CN" altLang="en-US" sz="2000"/>
               <a:t>componentWillReceiveProps。</a:t>
             </a:r>
-            <a:endParaRPr lang="zh-CN" altLang="en-US" sz="2000"/>
           </a:p>
           <a:p>
             <a:pPr algn="l"/>
@@ -11611,7 +11737,6 @@
               <a:rPr lang="zh-CN" altLang="en-US" sz="2000"/>
               <a:t>这些生命周期的共性，就是它们都处于 render 阶段，都可能重复被执行，</a:t>
             </a:r>
-            <a:endParaRPr lang="zh-CN" altLang="en-US" sz="2000"/>
           </a:p>
           <a:p>
             <a:pPr algn="l"/>
@@ -11619,7 +11744,6 @@
               <a:rPr lang="zh-CN" altLang="en-US" sz="2000"/>
               <a:t>而且由于这些 API 常年被滥用，它们在重复执行的过程中都存在着不可小觑的风险。</a:t>
             </a:r>
-            <a:endParaRPr lang="zh-CN" altLang="en-US" sz="2000"/>
           </a:p>
         </p:txBody>
       </p:sp>
@@ -11640,7 +11764,14 @@
         <p:cNvGrpSpPr/>
         <p:nvPr/>
       </p:nvGrpSpPr>
-      <p:grpSpPr/>
+      <p:grpSpPr>
+        <a:xfrm>
+          <a:off x="0" y="0"/>
+          <a:ext cx="0" cy="0"/>
+          <a:chOff x="0" y="0"/>
+          <a:chExt cx="0" cy="0"/>
+        </a:xfrm>
+      </p:grpSpPr>
       <p:sp>
         <p:nvSpPr>
           <p:cNvPr id="2" name="标题 1"/>
@@ -11654,6 +11785,7 @@
         <p:spPr/>
         <p:txBody>
           <a:bodyPr/>
+          <a:lstStyle/>
           <a:p>
             <a:pPr algn="ctr"/>
             <a:r>
@@ -11664,7 +11796,6 @@
               <a:rPr lang="zh-CN" altLang="en-US"/>
               <a:t>数据流动</a:t>
             </a:r>
-            <a:endParaRPr lang="zh-CN" altLang="en-US"/>
           </a:p>
         </p:txBody>
       </p:sp>
@@ -11688,6 +11819,7 @@
           <a:bodyPr wrap="none" rtlCol="0">
             <a:spAutoFit/>
           </a:bodyPr>
+          <a:lstStyle/>
           <a:p>
             <a:pPr marL="342900" indent="-342900" algn="l">
               <a:buFont typeface="Arial" panose="020B0604020202090204" pitchFamily="34" charset="0"/>
@@ -11697,7 +11829,6 @@
               <a:rPr lang="zh-CN" altLang="en-US" sz="2400"/>
               <a:t>使用基于 Props 的单向数据流串联父子、兄弟组件；</a:t>
             </a:r>
-            <a:endParaRPr lang="zh-CN" altLang="en-US" sz="2400"/>
           </a:p>
           <a:p>
             <a:pPr marL="342900" indent="-342900" algn="l">
@@ -11741,7 +11872,6 @@
               <a:rPr lang="zh-CN" altLang="en-US" sz="2400"/>
               <a:t>利用“发布-订阅”模式驱动 React 数据在任意组件间流动。</a:t>
             </a:r>
-            <a:endParaRPr lang="zh-CN" altLang="en-US" sz="2400"/>
           </a:p>
           <a:p>
             <a:pPr indent="0" algn="l">
@@ -11776,7 +11906,14 @@
         <p:cNvGrpSpPr/>
         <p:nvPr/>
       </p:nvGrpSpPr>
-      <p:grpSpPr/>
+      <p:grpSpPr>
+        <a:xfrm>
+          <a:off x="0" y="0"/>
+          <a:ext cx="0" cy="0"/>
+          <a:chOff x="0" y="0"/>
+          <a:chExt cx="0" cy="0"/>
+        </a:xfrm>
+      </p:grpSpPr>
       <p:sp>
         <p:nvSpPr>
           <p:cNvPr id="2" name="标题 1"/>
@@ -11790,13 +11927,13 @@
         <p:spPr/>
         <p:txBody>
           <a:bodyPr/>
+          <a:lstStyle/>
           <a:p>
             <a:pPr algn="ctr"/>
             <a:r>
               <a:rPr lang="zh-CN" altLang="en-US" sz="2800"/>
               <a:t>“发布-订阅”模式驱动数据流</a:t>
             </a:r>
-            <a:endParaRPr lang="zh-CN" altLang="en-US" sz="2800"/>
           </a:p>
         </p:txBody>
       </p:sp>
@@ -11820,6 +11957,7 @@
           <a:bodyPr wrap="square" rtlCol="0">
             <a:spAutoFit/>
           </a:bodyPr>
+          <a:lstStyle/>
           <a:p>
             <a:pPr marL="285750" indent="-285750">
               <a:buFont typeface="Arial" panose="020B0604020202090204" pitchFamily="34" charset="0"/>
@@ -11829,7 +11967,6 @@
               <a:rPr lang="zh-CN" altLang="en-US"/>
               <a:t>发布-订阅模型 API 设计思路</a:t>
             </a:r>
-            <a:endParaRPr lang="zh-CN" altLang="en-US"/>
           </a:p>
           <a:p>
             <a:pPr marL="285750" indent="-285750">
@@ -11840,7 +11977,6 @@
               <a:rPr lang="zh-CN" altLang="en-US"/>
               <a:t>发布-订阅模型编码实现</a:t>
             </a:r>
-            <a:endParaRPr lang="zh-CN" altLang="en-US"/>
           </a:p>
           <a:p>
             <a:pPr marL="285750" indent="-285750">
@@ -11868,7 +12004,14 @@
         <p:cNvGrpSpPr/>
         <p:nvPr/>
       </p:nvGrpSpPr>
-      <p:grpSpPr/>
+      <p:grpSpPr>
+        <a:xfrm>
+          <a:off x="0" y="0"/>
+          <a:ext cx="0" cy="0"/>
+          <a:chOff x="0" y="0"/>
+          <a:chExt cx="0" cy="0"/>
+        </a:xfrm>
+      </p:grpSpPr>
       <p:sp>
         <p:nvSpPr>
           <p:cNvPr id="2" name="标题 1"/>
@@ -11882,13 +12025,13 @@
         <p:spPr/>
         <p:txBody>
           <a:bodyPr/>
+          <a:lstStyle/>
           <a:p>
             <a:pPr algn="ctr"/>
             <a:r>
               <a:rPr lang="zh-CN" altLang="en-US"/>
               <a:t>函数组件和类组件有什么区别？</a:t>
             </a:r>
-            <a:endParaRPr lang="zh-CN" altLang="en-US"/>
           </a:p>
         </p:txBody>
       </p:sp>
@@ -11912,12 +12055,12 @@
           <a:bodyPr wrap="square" rtlCol="0">
             <a:spAutoFit/>
           </a:bodyPr>
+          <a:lstStyle/>
           <a:p>
             <a:r>
               <a:rPr lang="en-US" altLang="zh-CN"/>
               <a:t>类组件与函数组件本质上代表了两种不同的设计思想与心智模式。</a:t>
             </a:r>
-            <a:endParaRPr lang="en-US" altLang="zh-CN"/>
           </a:p>
           <a:p>
             <a:endParaRPr lang="en-US" altLang="zh-CN"/>
@@ -11927,7 +12070,6 @@
               <a:rPr lang="en-US" altLang="zh-CN"/>
               <a:t>类组件的根基是 OOP（面向对象编程），所以它有继承、有属性、有内部状态的管理。</a:t>
             </a:r>
-            <a:endParaRPr lang="en-US" altLang="zh-CN"/>
           </a:p>
           <a:p>
             <a:endParaRPr lang="en-US" altLang="zh-CN"/>
@@ -11937,7 +12079,6 @@
               <a:rPr lang="en-US" altLang="zh-CN"/>
               <a:t>函数组件的根基是 FP，也就是函数式编程。它属于“结构化编程”的一种，与数学函数思想类似。也就是假定输入与输出存在某种特定的映射关系，那么输入一定的情况下，输出必然是确定的。</a:t>
             </a:r>
-            <a:endParaRPr lang="en-US" altLang="zh-CN"/>
           </a:p>
           <a:p>
             <a:endParaRPr lang="en-US" altLang="zh-CN"/>
@@ -11947,7 +12088,6 @@
               <a:rPr lang="en-US" altLang="zh-CN"/>
               <a:t>相较于类组件，函数组件更纯粹、简单、易测试。 </a:t>
             </a:r>
-            <a:endParaRPr lang="en-US" altLang="zh-CN"/>
           </a:p>
           <a:p>
             <a:endParaRPr lang="en-US" altLang="zh-CN"/>
@@ -11955,6 +12095,502 @@
         </p:txBody>
       </p:sp>
     </p:spTree>
+  </p:cSld>
+  <p:clrMapOvr>
+    <a:masterClrMapping/>
+  </p:clrMapOvr>
+</p:sld>
+</file>
+
+<file path=ppt/slides/slide15.xml><?xml version="1.0" encoding="utf-8"?>
+<p:sld xmlns:a="http://schemas.openxmlformats.org/drawingml/2006/main" xmlns:r="http://schemas.openxmlformats.org/officeDocument/2006/relationships" xmlns:p="http://schemas.openxmlformats.org/presentationml/2006/main">
+  <p:cSld>
+    <p:spTree>
+      <p:nvGrpSpPr>
+        <p:cNvPr id="1" name=""/>
+        <p:cNvGrpSpPr/>
+        <p:nvPr/>
+      </p:nvGrpSpPr>
+      <p:grpSpPr>
+        <a:xfrm>
+          <a:off x="0" y="0"/>
+          <a:ext cx="0" cy="0"/>
+          <a:chOff x="0" y="0"/>
+          <a:chExt cx="0" cy="0"/>
+        </a:xfrm>
+      </p:grpSpPr>
+      <p:sp>
+        <p:nvSpPr>
+          <p:cNvPr id="2" name="标题 1"/>
+          <p:cNvSpPr>
+            <a:spLocks noGrp="1"/>
+          </p:cNvSpPr>
+          <p:nvPr>
+            <p:ph type="title"/>
+          </p:nvPr>
+        </p:nvSpPr>
+        <p:spPr>
+          <a:xfrm>
+            <a:off x="1151905" y="618518"/>
+            <a:ext cx="9895505" cy="913399"/>
+          </a:xfrm>
+        </p:spPr>
+        <p:txBody>
+          <a:bodyPr/>
+          <a:lstStyle/>
+          <a:p>
+            <a:pPr algn="ctr"/>
+            <a:r>
+              <a:rPr kumimoji="1" lang="en-US" altLang="zh-CN" dirty="0" smtClean="0"/>
+              <a:t>Hook</a:t>
+            </a:r>
+            <a:r>
+              <a:rPr kumimoji="1" lang="zh-CN" altLang="en-US" dirty="0" smtClean="0"/>
+              <a:t> 设计动机</a:t>
+            </a:r>
+            <a:endParaRPr kumimoji="1" lang="zh-CN" altLang="en-US" dirty="0"/>
+          </a:p>
+        </p:txBody>
+      </p:sp>
+      <p:sp>
+        <p:nvSpPr>
+          <p:cNvPr id="3" name="文本框 2"/>
+          <p:cNvSpPr txBox="1"/>
+          <p:nvPr/>
+        </p:nvSpPr>
+        <p:spPr>
+          <a:xfrm>
+            <a:off x="1686297" y="1769423"/>
+            <a:ext cx="9512134" cy="4278094"/>
+          </a:xfrm>
+          <a:prstGeom prst="rect">
+            <a:avLst/>
+          </a:prstGeom>
+          <a:noFill/>
+        </p:spPr>
+        <p:txBody>
+          <a:bodyPr wrap="square" rtlCol="0">
+            <a:spAutoFit/>
+          </a:bodyPr>
+          <a:lstStyle/>
+          <a:p>
+            <a:r>
+              <a:rPr lang="zh-CN" altLang="en-US" sz="2000" dirty="0"/>
+              <a:t>类组件（</a:t>
+            </a:r>
+            <a:r>
+              <a:rPr lang="en-US" altLang="zh-CN" sz="2000" dirty="0"/>
+              <a:t>Class Component</a:t>
+            </a:r>
+            <a:r>
+              <a:rPr lang="zh-CN" altLang="en-US" sz="2000" dirty="0"/>
+              <a:t>）</a:t>
+            </a:r>
+          </a:p>
+          <a:p>
+            <a:endParaRPr lang="en-US" altLang="zh-CN" sz="2000" dirty="0"/>
+          </a:p>
+          <a:p>
+            <a:r>
+              <a:rPr lang="zh-CN" altLang="en-US" sz="2000" dirty="0"/>
+              <a:t>函数组件</a:t>
+            </a:r>
+            <a:r>
+              <a:rPr lang="en-US" altLang="zh-CN" sz="2000" dirty="0"/>
+              <a:t>/</a:t>
+            </a:r>
+            <a:r>
+              <a:rPr lang="zh-CN" altLang="en-US" sz="2000" dirty="0"/>
+              <a:t>无状态组件（</a:t>
+            </a:r>
+            <a:r>
+              <a:rPr lang="en-US" altLang="zh-CN" sz="2000" dirty="0"/>
+              <a:t>Function Component/Stateless Component</a:t>
+            </a:r>
+            <a:r>
+              <a:rPr lang="zh-CN" altLang="en-US" sz="2000" dirty="0" smtClean="0"/>
+              <a:t>）</a:t>
+            </a:r>
+            <a:endParaRPr lang="en-US" altLang="zh-CN" sz="2000" dirty="0" smtClean="0"/>
+          </a:p>
+          <a:p>
+            <a:endParaRPr lang="en-US" altLang="zh-CN" sz="2000" dirty="0"/>
+          </a:p>
+          <a:p>
+            <a:r>
+              <a:rPr lang="en-US" altLang="zh-CN" sz="2000" dirty="0"/>
+              <a:t>React </a:t>
+            </a:r>
+            <a:r>
+              <a:rPr lang="zh-CN" altLang="en-US" sz="2000" dirty="0"/>
+              <a:t>组件本身的定位就是函数，一个吃进数据、吐出 </a:t>
+            </a:r>
+            <a:r>
+              <a:rPr lang="en-US" altLang="zh-CN" sz="2000" dirty="0"/>
+              <a:t>UI </a:t>
+            </a:r>
+            <a:r>
+              <a:rPr lang="zh-CN" altLang="en-US" sz="2000" dirty="0"/>
+              <a:t>的函数</a:t>
+            </a:r>
+            <a:r>
+              <a:rPr lang="zh-CN" altLang="en-US" sz="2000" dirty="0" smtClean="0"/>
+              <a:t>。</a:t>
+            </a:r>
+            <a:r>
+              <a:rPr lang="en-US" altLang="zh-CN" sz="2000" b="1" dirty="0"/>
+              <a:t>UI=render(data</a:t>
+            </a:r>
+            <a:r>
+              <a:rPr lang="en-US" altLang="zh-CN" sz="2000" b="1" dirty="0" smtClean="0"/>
+              <a:t>)</a:t>
+            </a:r>
+          </a:p>
+          <a:p>
+            <a:endParaRPr lang="en-US" altLang="zh-CN" sz="2000" b="1" dirty="0"/>
+          </a:p>
+          <a:p>
+            <a:r>
+              <a:rPr lang="zh-CN" altLang="en-US" sz="2000" dirty="0"/>
+              <a:t>函数组件是一个更加匹配其设计理念、也更有利于逻辑拆分与重用的组件表达形式</a:t>
+            </a:r>
+          </a:p>
+          <a:p>
+            <a:r>
+              <a:rPr lang="zh-CN" altLang="en-US" sz="2000" dirty="0"/>
+              <a:t/>
+            </a:r>
+            <a:br>
+              <a:rPr lang="zh-CN" altLang="en-US" sz="2000" dirty="0"/>
+            </a:br>
+            <a:endParaRPr lang="zh-CN" altLang="en-US" sz="2000" dirty="0"/>
+          </a:p>
+          <a:p>
+            <a:r>
+              <a:rPr lang="en-US" altLang="zh-CN" sz="2000" dirty="0"/>
+              <a:t>Hooks </a:t>
+            </a:r>
+            <a:r>
+              <a:rPr lang="zh-CN" altLang="en-US" sz="2000" dirty="0"/>
+              <a:t>的本质：一套能够使函数组件更强大、更灵活的“钩子</a:t>
+            </a:r>
+            <a:r>
+              <a:rPr lang="zh-CN" altLang="en-US" dirty="0"/>
+              <a:t>”</a:t>
+            </a:r>
+          </a:p>
+          <a:p>
+            <a:endParaRPr lang="en-US" altLang="zh-CN" dirty="0"/>
+          </a:p>
+          <a:p>
+            <a:endParaRPr lang="zh-CN" altLang="en-US" dirty="0"/>
+          </a:p>
+          <a:p>
+            <a:endParaRPr lang="zh-CN" altLang="en-US" dirty="0"/>
+          </a:p>
+          <a:p>
+            <a:endParaRPr lang="zh-CN" altLang="en-US" dirty="0"/>
+          </a:p>
+        </p:txBody>
+      </p:sp>
+    </p:spTree>
+    <p:extLst>
+      <p:ext uri="{BB962C8B-B14F-4D97-AF65-F5344CB8AC3E}">
+        <p14:creationId xmlns:p14="http://schemas.microsoft.com/office/powerpoint/2010/main" val="2133598994"/>
+      </p:ext>
+    </p:extLst>
+  </p:cSld>
+  <p:clrMapOvr>
+    <a:masterClrMapping/>
+  </p:clrMapOvr>
+</p:sld>
+</file>
+
+<file path=ppt/slides/slide16.xml><?xml version="1.0" encoding="utf-8"?>
+<p:sld xmlns:a="http://schemas.openxmlformats.org/drawingml/2006/main" xmlns:r="http://schemas.openxmlformats.org/officeDocument/2006/relationships" xmlns:p="http://schemas.openxmlformats.org/presentationml/2006/main">
+  <p:cSld>
+    <p:spTree>
+      <p:nvGrpSpPr>
+        <p:cNvPr id="1" name=""/>
+        <p:cNvGrpSpPr/>
+        <p:nvPr/>
+      </p:nvGrpSpPr>
+      <p:grpSpPr>
+        <a:xfrm>
+          <a:off x="0" y="0"/>
+          <a:ext cx="0" cy="0"/>
+          <a:chOff x="0" y="0"/>
+          <a:chExt cx="0" cy="0"/>
+        </a:xfrm>
+      </p:grpSpPr>
+      <p:sp>
+        <p:nvSpPr>
+          <p:cNvPr id="2" name="标题 1"/>
+          <p:cNvSpPr>
+            <a:spLocks noGrp="1"/>
+          </p:cNvSpPr>
+          <p:nvPr>
+            <p:ph type="title"/>
+          </p:nvPr>
+        </p:nvSpPr>
+        <p:spPr>
+          <a:xfrm>
+            <a:off x="1080655" y="618518"/>
+            <a:ext cx="9966756" cy="925274"/>
+          </a:xfrm>
+        </p:spPr>
+        <p:txBody>
+          <a:bodyPr/>
+          <a:lstStyle/>
+          <a:p>
+            <a:pPr algn="ctr"/>
+            <a:r>
+              <a:rPr lang="zh-CN" altLang="en-US" dirty="0"/>
+              <a:t>为什么需要 </a:t>
+            </a:r>
+            <a:r>
+              <a:rPr lang="en-US" altLang="zh-CN" dirty="0" smtClean="0"/>
+              <a:t>React-Hooks</a:t>
+            </a:r>
+            <a:r>
+              <a:rPr lang="zh-CN" altLang="en-US" dirty="0" smtClean="0"/>
+              <a:t>？？？</a:t>
+            </a:r>
+            <a:endParaRPr kumimoji="1" lang="zh-CN" altLang="en-US" dirty="0"/>
+          </a:p>
+        </p:txBody>
+      </p:sp>
+      <p:sp>
+        <p:nvSpPr>
+          <p:cNvPr id="3" name="文本框 2"/>
+          <p:cNvSpPr txBox="1"/>
+          <p:nvPr/>
+        </p:nvSpPr>
+        <p:spPr>
+          <a:xfrm>
+            <a:off x="2268187" y="2339439"/>
+            <a:ext cx="6733309" cy="2215991"/>
+          </a:xfrm>
+          <a:prstGeom prst="rect">
+            <a:avLst/>
+          </a:prstGeom>
+          <a:noFill/>
+        </p:spPr>
+        <p:txBody>
+          <a:bodyPr wrap="square" rtlCol="0">
+            <a:spAutoFit/>
+          </a:bodyPr>
+          <a:lstStyle/>
+          <a:p>
+            <a:pPr marL="342900" indent="-342900">
+              <a:buAutoNum type="arabicPeriod"/>
+            </a:pPr>
+            <a:r>
+              <a:rPr lang="zh-CN" altLang="en-US" sz="2400" b="1" dirty="0" smtClean="0"/>
+              <a:t>告别</a:t>
+            </a:r>
+            <a:r>
+              <a:rPr lang="zh-CN" altLang="en-US" sz="2400" b="1" dirty="0"/>
+              <a:t>难以理解的 </a:t>
+            </a:r>
+            <a:r>
+              <a:rPr lang="en-US" altLang="zh-CN" sz="2400" b="1" dirty="0"/>
+              <a:t>Class</a:t>
+            </a:r>
+            <a:r>
+              <a:rPr lang="zh-CN" altLang="en-US" sz="2400" b="1" dirty="0" smtClean="0"/>
+              <a:t>：</a:t>
+            </a:r>
+            <a:r>
+              <a:rPr lang="en-US" altLang="zh-CN" sz="2400" b="1" dirty="0" smtClean="0"/>
+              <a:t>this</a:t>
+            </a:r>
+            <a:r>
+              <a:rPr lang="zh-CN" altLang="en-US" sz="2400" b="1" dirty="0" smtClean="0"/>
+              <a:t> 和生命周期</a:t>
+            </a:r>
+            <a:endParaRPr lang="en-US" altLang="zh-CN" sz="2400" b="1" dirty="0" smtClean="0"/>
+          </a:p>
+          <a:p>
+            <a:pPr marL="342900" indent="-342900">
+              <a:buAutoNum type="arabicPeriod"/>
+            </a:pPr>
+            <a:endParaRPr lang="en-US" altLang="zh-CN" sz="2400" b="1" dirty="0" smtClean="0"/>
+          </a:p>
+          <a:p>
+            <a:pPr marL="342900" indent="-342900">
+              <a:buFontTx/>
+              <a:buAutoNum type="arabicPeriod"/>
+            </a:pPr>
+            <a:r>
+              <a:rPr lang="en-US" altLang="zh-CN" sz="2400" b="1" dirty="0" smtClean="0"/>
+              <a:t>Hooks </a:t>
+            </a:r>
+            <a:r>
+              <a:rPr lang="zh-CN" altLang="en-US" sz="2400" b="1" dirty="0" smtClean="0"/>
+              <a:t>如何实现更好的逻辑拆分</a:t>
+            </a:r>
+            <a:endParaRPr lang="en-US" altLang="zh-CN" sz="2400" b="1" dirty="0" smtClean="0"/>
+          </a:p>
+          <a:p>
+            <a:pPr marL="342900" indent="-342900">
+              <a:buFontTx/>
+              <a:buAutoNum type="arabicPeriod"/>
+            </a:pPr>
+            <a:endParaRPr lang="zh-CN" altLang="en-US" sz="2400" b="1" dirty="0" smtClean="0"/>
+          </a:p>
+          <a:p>
+            <a:pPr marL="342900" indent="-342900">
+              <a:buFontTx/>
+              <a:buAutoNum type="arabicPeriod"/>
+            </a:pPr>
+            <a:r>
+              <a:rPr lang="zh-CN" altLang="en-US" sz="2400" b="1" dirty="0" smtClean="0"/>
+              <a:t>状态</a:t>
+            </a:r>
+            <a:r>
+              <a:rPr lang="zh-CN" altLang="en-US" sz="2400" b="1" dirty="0"/>
+              <a:t>复用：</a:t>
+            </a:r>
+            <a:r>
+              <a:rPr lang="en-US" altLang="zh-CN" sz="2400" b="1" dirty="0"/>
+              <a:t>Hooks </a:t>
+            </a:r>
+            <a:r>
+              <a:rPr lang="zh-CN" altLang="en-US" sz="2400" b="1" dirty="0"/>
+              <a:t>将复杂的问题变简单</a:t>
+            </a:r>
+          </a:p>
+          <a:p>
+            <a:pPr marL="342900" indent="-342900">
+              <a:buAutoNum type="arabicPeriod"/>
+            </a:pPr>
+            <a:endParaRPr lang="zh-CN" altLang="en-US" b="1" dirty="0"/>
+          </a:p>
+        </p:txBody>
+      </p:sp>
+    </p:spTree>
+    <p:extLst>
+      <p:ext uri="{BB962C8B-B14F-4D97-AF65-F5344CB8AC3E}">
+        <p14:creationId xmlns:p14="http://schemas.microsoft.com/office/powerpoint/2010/main" val="1043797970"/>
+      </p:ext>
+    </p:extLst>
+  </p:cSld>
+  <p:clrMapOvr>
+    <a:masterClrMapping/>
+  </p:clrMapOvr>
+</p:sld>
+</file>
+
+<file path=ppt/slides/slide17.xml><?xml version="1.0" encoding="utf-8"?>
+<p:sld xmlns:a="http://schemas.openxmlformats.org/drawingml/2006/main" xmlns:r="http://schemas.openxmlformats.org/officeDocument/2006/relationships" xmlns:p="http://schemas.openxmlformats.org/presentationml/2006/main">
+  <p:cSld>
+    <p:spTree>
+      <p:nvGrpSpPr>
+        <p:cNvPr id="1" name=""/>
+        <p:cNvGrpSpPr/>
+        <p:nvPr/>
+      </p:nvGrpSpPr>
+      <p:grpSpPr>
+        <a:xfrm>
+          <a:off x="0" y="0"/>
+          <a:ext cx="0" cy="0"/>
+          <a:chOff x="0" y="0"/>
+          <a:chExt cx="0" cy="0"/>
+        </a:xfrm>
+      </p:grpSpPr>
+      <p:sp>
+        <p:nvSpPr>
+          <p:cNvPr id="2" name="标题 1"/>
+          <p:cNvSpPr>
+            <a:spLocks noGrp="1"/>
+          </p:cNvSpPr>
+          <p:nvPr>
+            <p:ph type="title"/>
+          </p:nvPr>
+        </p:nvSpPr>
+        <p:spPr/>
+        <p:txBody>
+          <a:bodyPr/>
+          <a:lstStyle/>
+          <a:p>
+            <a:pPr algn="ctr"/>
+            <a:r>
+              <a:rPr lang="en-US" altLang="zh-CN" b="1" dirty="0"/>
+              <a:t>Hooks </a:t>
+            </a:r>
+            <a:r>
+              <a:rPr lang="zh-CN" altLang="en-US" b="1" dirty="0" smtClean="0"/>
+              <a:t>局限性</a:t>
+            </a:r>
+            <a:endParaRPr kumimoji="1" lang="zh-CN" altLang="en-US" dirty="0"/>
+          </a:p>
+        </p:txBody>
+      </p:sp>
+      <p:sp>
+        <p:nvSpPr>
+          <p:cNvPr id="3" name="文本框 2"/>
+          <p:cNvSpPr txBox="1"/>
+          <p:nvPr/>
+        </p:nvSpPr>
+        <p:spPr>
+          <a:xfrm>
+            <a:off x="2565070" y="2434442"/>
+            <a:ext cx="7531229" cy="1938992"/>
+          </a:xfrm>
+          <a:prstGeom prst="rect">
+            <a:avLst/>
+          </a:prstGeom>
+          <a:noFill/>
+        </p:spPr>
+        <p:txBody>
+          <a:bodyPr wrap="none" rtlCol="0">
+            <a:spAutoFit/>
+          </a:bodyPr>
+          <a:lstStyle/>
+          <a:p>
+            <a:r>
+              <a:rPr lang="en-US" altLang="zh-CN" sz="2400" b="1" dirty="0"/>
+              <a:t>Hooks </a:t>
+            </a:r>
+            <a:r>
+              <a:rPr lang="zh-CN" altLang="en-US" sz="2400" b="1" dirty="0"/>
+              <a:t>暂时还不能完全地为函数组件补齐类组件的</a:t>
+            </a:r>
+            <a:r>
+              <a:rPr lang="zh-CN" altLang="en-US" sz="2400" b="1" dirty="0" smtClean="0"/>
+              <a:t>能力</a:t>
+            </a:r>
+            <a:endParaRPr lang="en-US" altLang="zh-CN" sz="2400" b="1" dirty="0" smtClean="0"/>
+          </a:p>
+          <a:p>
+            <a:endParaRPr kumimoji="1" lang="en-US" altLang="zh-CN" sz="2400" b="1" dirty="0"/>
+          </a:p>
+          <a:p>
+            <a:r>
+              <a:rPr kumimoji="1" lang="zh-CN" altLang="en-US" sz="2400" b="1" dirty="0" smtClean="0"/>
+              <a:t>面对复杂的业务逻辑</a:t>
+            </a:r>
+            <a:endParaRPr kumimoji="1" lang="en-US" altLang="zh-CN" sz="2400" b="1" dirty="0" smtClean="0"/>
+          </a:p>
+          <a:p>
+            <a:endParaRPr kumimoji="1" lang="en-US" altLang="zh-CN" sz="2400" b="1" dirty="0"/>
+          </a:p>
+          <a:p>
+            <a:r>
+              <a:rPr kumimoji="1" lang="zh-CN" altLang="en-US" sz="2400" b="1" dirty="0" smtClean="0"/>
+              <a:t>学习曲线增加</a:t>
+            </a:r>
+            <a:endParaRPr kumimoji="1" lang="zh-CN" altLang="en-US" sz="2400" dirty="0"/>
+          </a:p>
+        </p:txBody>
+      </p:sp>
+    </p:spTree>
+    <p:extLst>
+      <p:ext uri="{BB962C8B-B14F-4D97-AF65-F5344CB8AC3E}">
+        <p14:creationId xmlns:p14="http://schemas.microsoft.com/office/powerpoint/2010/main" val="544740807"/>
+      </p:ext>
+    </p:extLst>
   </p:cSld>
   <p:clrMapOvr>
     <a:masterClrMapping/>
@@ -12031,6 +12667,10 @@
             <a:br>
               <a:rPr lang="en-US" altLang="zh-CN" dirty="0"/>
             </a:br>
+            <a:r>
+              <a:rPr lang="zh-CN" altLang="en-US" dirty="0"/>
+              <a:t/>
+            </a:r>
             <a:br>
               <a:rPr lang="zh-CN" altLang="en-US" dirty="0"/>
             </a:br>
@@ -12173,7 +12813,6 @@
               <a:rPr lang="zh-CN" altLang="en-US" dirty="0"/>
               <a:t>，在降低学习成本的同时，也提升了研发效率与研发体验。</a:t>
             </a:r>
-            <a:endParaRPr lang="zh-CN" altLang="en-US" dirty="0"/>
           </a:p>
           <a:p>
             <a:endParaRPr lang="zh-CN" altLang="en-US" dirty="0"/>
@@ -12323,13 +12962,13 @@
           <a:p>
             <a:r>
               <a:rPr lang="en-US" altLang="zh-CN" dirty="0" smtClean="0">
-                <a:hlinkClick r:id="rId1"/>
+                <a:hlinkClick r:id="rId2"/>
               </a:rPr>
               <a:t>Babel</a:t>
             </a:r>
             <a:r>
               <a:rPr lang="zh-CN" altLang="en-US" dirty="0" smtClean="0">
-                <a:hlinkClick r:id="rId1"/>
+                <a:hlinkClick r:id="rId2"/>
               </a:rPr>
               <a:t> 官网转换地址</a:t>
             </a:r>
@@ -12338,13 +12977,13 @@
           <a:p>
             <a:r>
               <a:rPr lang="en-US" altLang="zh-CN" dirty="0" err="1" smtClean="0">
-                <a:hlinkClick r:id="rId2"/>
+                <a:hlinkClick r:id="rId3"/>
               </a:rPr>
               <a:t>createElement</a:t>
             </a:r>
             <a:r>
               <a:rPr lang="zh-CN" altLang="en-US" dirty="0" smtClean="0">
-                <a:hlinkClick r:id="rId2"/>
+                <a:hlinkClick r:id="rId3"/>
               </a:rPr>
               <a:t> 源码分析</a:t>
             </a:r>
@@ -12528,7 +13167,6 @@
               <a:rPr lang="zh-CN" altLang="en-US" dirty="0"/>
               <a:t>封闭，开放。具备高度的可重用性和可维护性。</a:t>
             </a:r>
-            <a:endParaRPr lang="zh-CN" altLang="en-US" dirty="0"/>
           </a:p>
           <a:p>
             <a:r>
@@ -12556,7 +13194,14 @@
         <p:cNvGrpSpPr/>
         <p:nvPr/>
       </p:nvGrpSpPr>
-      <p:grpSpPr/>
+      <p:grpSpPr>
+        <a:xfrm>
+          <a:off x="0" y="0"/>
+          <a:ext cx="0" cy="0"/>
+          <a:chOff x="0" y="0"/>
+          <a:chExt cx="0" cy="0"/>
+        </a:xfrm>
+      </p:grpSpPr>
       <p:sp>
         <p:nvSpPr>
           <p:cNvPr id="2" name="标题 1"/>
@@ -12570,13 +13215,13 @@
         <p:spPr/>
         <p:txBody>
           <a:bodyPr/>
+          <a:lstStyle/>
           <a:p>
             <a:pPr algn="ctr"/>
             <a:r>
               <a:rPr lang="en-US" altLang="zh-CN"/>
               <a:t>react v15</a:t>
             </a:r>
-            <a:endParaRPr lang="en-US" altLang="zh-CN"/>
           </a:p>
         </p:txBody>
       </p:sp>
@@ -12584,14 +13229,14 @@
         <p:nvPicPr>
           <p:cNvPr id="4" name="内容占位符 3" descr="lifeCycle15"/>
           <p:cNvPicPr>
-            <a:picLocks noChangeAspect="1"/>
+            <a:picLocks noGrp="1" noChangeAspect="1"/>
           </p:cNvPicPr>
           <p:nvPr>
             <p:ph idx="1"/>
           </p:nvPr>
         </p:nvPicPr>
         <p:blipFill>
-          <a:blip r:embed="rId1"/>
+          <a:blip r:embed="rId2"/>
           <a:stretch>
             <a:fillRect/>
           </a:stretch>
@@ -12623,7 +13268,14 @@
         <p:cNvGrpSpPr/>
         <p:nvPr/>
       </p:nvGrpSpPr>
-      <p:grpSpPr/>
+      <p:grpSpPr>
+        <a:xfrm>
+          <a:off x="0" y="0"/>
+          <a:ext cx="0" cy="0"/>
+          <a:chOff x="0" y="0"/>
+          <a:chExt cx="0" cy="0"/>
+        </a:xfrm>
+      </p:grpSpPr>
       <p:sp>
         <p:nvSpPr>
           <p:cNvPr id="2" name="文本框 1"/>
@@ -12644,12 +13296,12 @@
           <a:bodyPr wrap="square" rtlCol="0">
             <a:spAutoFit/>
           </a:bodyPr>
+          <a:lstStyle/>
           <a:p>
             <a:r>
               <a:rPr lang="en-US" altLang="zh-CN" sz="2000"/>
               <a:t>constructor()</a:t>
             </a:r>
-            <a:endParaRPr lang="en-US" altLang="zh-CN" sz="2000"/>
           </a:p>
           <a:p>
             <a:endParaRPr lang="en-US" altLang="zh-CN" sz="2000"/>
@@ -12661,9 +13313,6 @@
               </a:rPr>
               <a:t>componentWillMount()</a:t>
             </a:r>
-            <a:endParaRPr lang="en-US" altLang="zh-CN" sz="2000">
-              <a:sym typeface="+mn-ea"/>
-            </a:endParaRPr>
           </a:p>
           <a:p>
             <a:endParaRPr lang="en-US" altLang="zh-CN" sz="2000"/>
@@ -12675,9 +13324,6 @@
               </a:rPr>
               <a:t>componentDidMount()</a:t>
             </a:r>
-            <a:endParaRPr lang="en-US" altLang="zh-CN" sz="2000">
-              <a:sym typeface="+mn-ea"/>
-            </a:endParaRPr>
           </a:p>
           <a:p>
             <a:endParaRPr lang="en-US" altLang="zh-CN" sz="2000"/>
@@ -12701,7 +13347,6 @@
               <a:rPr lang="en-US" altLang="zh-CN" sz="2000"/>
               <a:t>shouldComponentUpdate()</a:t>
             </a:r>
-            <a:endParaRPr lang="en-US" altLang="zh-CN" sz="2000"/>
           </a:p>
           <a:p>
             <a:endParaRPr lang="en-US" altLang="zh-CN" sz="2000"/>
@@ -12723,7 +13368,6 @@
               <a:rPr lang="en-US" altLang="zh-CN" sz="2000"/>
               <a:t>componentDidUpdate() // componentDidUpdate 则在组件更新完毕后被触发被用来处理 DOM 操作。</a:t>
             </a:r>
-            <a:endParaRPr lang="en-US" altLang="zh-CN" sz="2000"/>
           </a:p>
           <a:p>
             <a:endParaRPr lang="en-US" altLang="zh-CN" sz="2000"/>
@@ -12733,7 +13377,6 @@
               <a:rPr lang="en-US" altLang="zh-CN" sz="2000"/>
               <a:t>render()</a:t>
             </a:r>
-            <a:endParaRPr lang="en-US" altLang="zh-CN" sz="2000"/>
           </a:p>
           <a:p>
             <a:endParaRPr lang="en-US" altLang="zh-CN" sz="2000"/>
@@ -12743,7 +13386,6 @@
               <a:rPr lang="en-US" altLang="zh-CN" sz="2000"/>
               <a:t>componentWillUnmount() //触发时机?</a:t>
             </a:r>
-            <a:endParaRPr lang="en-US" altLang="zh-CN" sz="2000"/>
           </a:p>
         </p:txBody>
       </p:sp>
@@ -12764,7 +13406,14 @@
         <p:cNvGrpSpPr/>
         <p:nvPr/>
       </p:nvGrpSpPr>
-      <p:grpSpPr/>
+      <p:grpSpPr>
+        <a:xfrm>
+          <a:off x="0" y="0"/>
+          <a:ext cx="0" cy="0"/>
+          <a:chOff x="0" y="0"/>
+          <a:chExt cx="0" cy="0"/>
+        </a:xfrm>
+      </p:grpSpPr>
       <p:sp>
         <p:nvSpPr>
           <p:cNvPr id="2" name="标题 1"/>
@@ -12778,13 +13427,13 @@
         <p:spPr/>
         <p:txBody>
           <a:bodyPr/>
+          <a:lstStyle/>
           <a:p>
             <a:pPr algn="ctr"/>
             <a:r>
               <a:rPr lang="en-US" altLang="zh-CN"/>
               <a:t>react v16</a:t>
             </a:r>
-            <a:endParaRPr lang="en-US" altLang="zh-CN"/>
           </a:p>
         </p:txBody>
       </p:sp>
@@ -12792,14 +13441,14 @@
         <p:nvPicPr>
           <p:cNvPr id="4" name="内容占位符 3" descr="lifeCycle16"/>
           <p:cNvPicPr>
-            <a:picLocks noChangeAspect="1"/>
+            <a:picLocks noGrp="1" noChangeAspect="1"/>
           </p:cNvPicPr>
           <p:nvPr>
             <p:ph idx="1"/>
           </p:nvPr>
         </p:nvPicPr>
         <p:blipFill>
-          <a:blip r:embed="rId1"/>
+          <a:blip r:embed="rId2"/>
           <a:stretch>
             <a:fillRect/>
           </a:stretch>
@@ -12831,7 +13480,14 @@
         <p:cNvGrpSpPr/>
         <p:nvPr/>
       </p:nvGrpSpPr>
-      <p:grpSpPr/>
+      <p:grpSpPr>
+        <a:xfrm>
+          <a:off x="0" y="0"/>
+          <a:ext cx="0" cy="0"/>
+          <a:chOff x="0" y="0"/>
+          <a:chExt cx="0" cy="0"/>
+        </a:xfrm>
+      </p:grpSpPr>
       <p:sp>
         <p:nvSpPr>
           <p:cNvPr id="3" name="文本框 2"/>
@@ -12852,6 +13508,7 @@
           <a:bodyPr wrap="square" rtlCol="0">
             <a:spAutoFit/>
           </a:bodyPr>
+          <a:lstStyle/>
           <a:p>
             <a:pPr algn="l"/>
             <a:r>
@@ -12866,7 +13523,6 @@
               <a:rPr lang="zh-CN" altLang="en-US"/>
               <a:t>。</a:t>
             </a:r>
-            <a:endParaRPr lang="zh-CN" altLang="en-US"/>
           </a:p>
           <a:p>
             <a:pPr algn="l"/>
@@ -12878,7 +13534,6 @@
               <a:rPr lang="zh-CN" altLang="en-US" sz="2400"/>
               <a:t>* 静态方法不依赖组件实例而存在，因此你在这个方法内部是访问不到 this 的。因此无法做任何类似于 this.fetch()、不合理的 this.setState（会导致死循环的那种）这类可能会产生副作用的操作。</a:t>
             </a:r>
-            <a:endParaRPr lang="zh-CN" altLang="en-US" sz="2400"/>
           </a:p>
           <a:p>
             <a:pPr algn="l"/>
@@ -12890,7 +13545,6 @@
               <a:rPr lang="zh-CN" altLang="en-US" sz="2400"/>
               <a:t>* 挂载阶段输出的 props 正是初始化阶段父组件传进来的 this.props 对象；而 state 是 LifeCycle 组件自身的 state 对象。</a:t>
             </a:r>
-            <a:endParaRPr lang="zh-CN" altLang="en-US" sz="2400"/>
           </a:p>
           <a:p>
             <a:pPr algn="l"/>
@@ -12927,7 +13581,14 @@
         <p:cNvGrpSpPr/>
         <p:nvPr/>
       </p:nvGrpSpPr>
-      <p:grpSpPr/>
+      <p:grpSpPr>
+        <a:xfrm>
+          <a:off x="0" y="0"/>
+          <a:ext cx="0" cy="0"/>
+          <a:chOff x="0" y="0"/>
+          <a:chExt cx="0" cy="0"/>
+        </a:xfrm>
+      </p:grpSpPr>
       <p:sp>
         <p:nvSpPr>
           <p:cNvPr id="2" name="标题 1"/>
@@ -12941,13 +13602,13 @@
         <p:spPr/>
         <p:txBody>
           <a:bodyPr/>
+          <a:lstStyle/>
           <a:p>
             <a:pPr algn="ctr"/>
             <a:r>
               <a:rPr lang="zh-CN" altLang="en-US"/>
               <a:t>对比</a:t>
             </a:r>
-            <a:endParaRPr lang="zh-CN" altLang="en-US"/>
           </a:p>
         </p:txBody>
       </p:sp>
@@ -12955,14 +13616,14 @@
         <p:nvPicPr>
           <p:cNvPr id="4" name="内容占位符 3" descr="duibi"/>
           <p:cNvPicPr>
-            <a:picLocks noChangeAspect="1"/>
+            <a:picLocks noGrp="1" noChangeAspect="1"/>
           </p:cNvPicPr>
           <p:nvPr>
             <p:ph idx="1"/>
           </p:nvPr>
         </p:nvPicPr>
         <p:blipFill>
-          <a:blip r:embed="rId1"/>
+          <a:blip r:embed="rId2"/>
           <a:stretch>
             <a:fillRect/>
           </a:stretch>
@@ -13228,6 +13889,8 @@
       </a:bgFillStyleLst>
     </a:fmtScheme>
   </a:themeElements>
+  <a:objectDefaults/>
+  <a:extraClrSchemeLst/>
   <a:extLst>
     <a:ext uri="{05A4C25C-085E-4340-85A3-A5531E510DB2}">
       <thm15:themeFamily xmlns:thm15="http://schemas.microsoft.com/office/thememl/2012/main" name="Office Theme" id="{62F939B6-93AF-4DB8-9C6B-D6C7DFDC589F}" vid="{4A3C46E8-61CC-4603-A589-7422A47A8E4A}"/>

--- a/REACT/assets/react 分享.pptx
+++ b/REACT/assets/react 分享.pptx
@@ -1,27 +1,27 @@
 
 <file path=ppt/presentation.xml><?xml version="1.0" encoding="utf-8"?>
-<p:presentation xmlns:a="http://schemas.openxmlformats.org/drawingml/2006/main" xmlns:r="http://schemas.openxmlformats.org/officeDocument/2006/relationships" xmlns:p="http://schemas.openxmlformats.org/presentationml/2006/main" saveSubsetFonts="1" autoCompressPictures="0">
+<p:presentation xmlns:a="http://schemas.openxmlformats.org/drawingml/2006/main" xmlns:r="http://schemas.openxmlformats.org/officeDocument/2006/relationships" xmlns:p="http://schemas.openxmlformats.org/presentationml/2006/main" autoCompressPictures="0">
   <p:sldMasterIdLst>
     <p:sldMasterId id="2147483648" r:id="rId1"/>
   </p:sldMasterIdLst>
   <p:sldIdLst>
-    <p:sldId id="256" r:id="rId2"/>
-    <p:sldId id="258" r:id="rId3"/>
-    <p:sldId id="257" r:id="rId4"/>
-    <p:sldId id="259" r:id="rId5"/>
-    <p:sldId id="262" r:id="rId6"/>
-    <p:sldId id="265" r:id="rId7"/>
-    <p:sldId id="266" r:id="rId8"/>
-    <p:sldId id="269" r:id="rId9"/>
-    <p:sldId id="270" r:id="rId10"/>
-    <p:sldId id="271" r:id="rId11"/>
-    <p:sldId id="272" r:id="rId12"/>
-    <p:sldId id="273" r:id="rId13"/>
-    <p:sldId id="274" r:id="rId14"/>
-    <p:sldId id="275" r:id="rId15"/>
-    <p:sldId id="276" r:id="rId16"/>
-    <p:sldId id="277" r:id="rId17"/>
-    <p:sldId id="278" r:id="rId18"/>
+    <p:sldId id="256" r:id="rId3"/>
+    <p:sldId id="258" r:id="rId4"/>
+    <p:sldId id="257" r:id="rId5"/>
+    <p:sldId id="259" r:id="rId6"/>
+    <p:sldId id="262" r:id="rId7"/>
+    <p:sldId id="265" r:id="rId8"/>
+    <p:sldId id="266" r:id="rId9"/>
+    <p:sldId id="269" r:id="rId10"/>
+    <p:sldId id="270" r:id="rId11"/>
+    <p:sldId id="271" r:id="rId12"/>
+    <p:sldId id="272" r:id="rId13"/>
+    <p:sldId id="273" r:id="rId14"/>
+    <p:sldId id="274" r:id="rId15"/>
+    <p:sldId id="275" r:id="rId16"/>
+    <p:sldId id="276" r:id="rId17"/>
+    <p:sldId id="277" r:id="rId18"/>
+    <p:sldId id="278" r:id="rId19"/>
   </p:sldIdLst>
   <p:sldSz cx="12192000" cy="6858000"/>
   <p:notesSz cx="6858000" cy="9144000"/>
@@ -120,16 +120,11 @@
       </a:defRPr>
     </a:lvl9pPr>
   </p:defaultTextStyle>
-  <p:extLst>
-    <p:ext uri="{EFAFB233-063F-42B5-8137-9DF3F51BA10A}">
-      <p15:sldGuideLst xmlns:p15="http://schemas.microsoft.com/office/powerpoint/2012/main"/>
-    </p:ext>
-  </p:extLst>
 </p:presentation>
 </file>
 
 <file path=ppt/slideLayouts/slideLayout1.xml><?xml version="1.0" encoding="utf-8"?>
-<p:sldLayout xmlns:a="http://schemas.openxmlformats.org/drawingml/2006/main" xmlns:r="http://schemas.openxmlformats.org/officeDocument/2006/relationships" xmlns:p="http://schemas.openxmlformats.org/presentationml/2006/main" showMasterSp="0" type="title" preserve="1">
+<p:sldLayout xmlns:a="http://schemas.openxmlformats.org/drawingml/2006/main" xmlns:r="http://schemas.openxmlformats.org/officeDocument/2006/relationships" xmlns:p="http://schemas.openxmlformats.org/presentationml/2006/main" type="title" preserve="1" showMasterSp="0">
   <p:cSld name="标题幻灯片">
     <p:spTree>
       <p:nvGrpSpPr>
@@ -3747,7 +3742,6 @@
           <a:p>
             <a:fld id="{48A87A34-81AB-432B-8DAE-1953F412C126}" type="datetimeFigureOut">
               <a:rPr lang="en-US" dirty="0"/>
-              <a:t>1/6/21</a:t>
             </a:fld>
             <a:endParaRPr lang="en-US" dirty="0"/>
           </a:p>
@@ -3799,7 +3793,6 @@
           <a:p>
             <a:fld id="{6D22F896-40B5-4ADD-8801-0D06FADFA095}" type="slidenum">
               <a:rPr lang="en-US" dirty="0"/>
-              <a:t>‹#›</a:t>
             </a:fld>
             <a:endParaRPr lang="en-US" dirty="0"/>
           </a:p>
@@ -3989,6 +3982,7 @@
               <a:rPr lang="zh-CN" altLang="en-US" smtClean="0"/>
               <a:t>单击此处编辑母版文本样式</a:t>
             </a:r>
+            <a:endParaRPr lang="zh-CN" altLang="en-US" smtClean="0"/>
           </a:p>
         </p:txBody>
       </p:sp>
@@ -4009,7 +4003,6 @@
           <a:p>
             <a:fld id="{48A87A34-81AB-432B-8DAE-1953F412C126}" type="datetimeFigureOut">
               <a:rPr lang="en-US" dirty="0"/>
-              <a:t>1/6/21</a:t>
             </a:fld>
             <a:endParaRPr lang="en-US" dirty="0"/>
           </a:p>
@@ -4051,7 +4044,6 @@
           <a:p>
             <a:fld id="{6D22F896-40B5-4ADD-8801-0D06FADFA095}" type="slidenum">
               <a:rPr lang="en-US" dirty="0"/>
-              <a:t>‹#›</a:t>
             </a:fld>
             <a:endParaRPr lang="en-US" dirty="0"/>
           </a:p>
@@ -4180,6 +4172,7 @@
               <a:rPr lang="zh-CN" altLang="en-US" smtClean="0"/>
               <a:t>单击此处编辑母版文本样式</a:t>
             </a:r>
+            <a:endParaRPr lang="zh-CN" altLang="en-US" smtClean="0"/>
           </a:p>
         </p:txBody>
       </p:sp>
@@ -4200,7 +4193,6 @@
           <a:p>
             <a:fld id="{48A87A34-81AB-432B-8DAE-1953F412C126}" type="datetimeFigureOut">
               <a:rPr lang="en-US" dirty="0"/>
-              <a:t>1/6/21</a:t>
             </a:fld>
             <a:endParaRPr lang="en-US" dirty="0"/>
           </a:p>
@@ -4242,7 +4234,6 @@
           <a:p>
             <a:fld id="{6D22F896-40B5-4ADD-8801-0D06FADFA095}" type="slidenum">
               <a:rPr lang="en-US" dirty="0"/>
-              <a:t>‹#›</a:t>
             </a:fld>
             <a:endParaRPr lang="en-US" dirty="0"/>
           </a:p>
@@ -4371,6 +4362,7 @@
               <a:rPr lang="zh-CN" altLang="en-US" smtClean="0"/>
               <a:t>单击此处编辑母版文本样式</a:t>
             </a:r>
+            <a:endParaRPr lang="zh-CN" altLang="en-US" smtClean="0"/>
           </a:p>
         </p:txBody>
       </p:sp>
@@ -4438,6 +4430,7 @@
               <a:rPr lang="zh-CN" altLang="en-US" smtClean="0"/>
               <a:t>单击此处编辑母版文本样式</a:t>
             </a:r>
+            <a:endParaRPr lang="zh-CN" altLang="en-US" smtClean="0"/>
           </a:p>
         </p:txBody>
       </p:sp>
@@ -4458,7 +4451,6 @@
           <a:p>
             <a:fld id="{48A87A34-81AB-432B-8DAE-1953F412C126}" type="datetimeFigureOut">
               <a:rPr lang="en-US" dirty="0"/>
-              <a:t>1/6/21</a:t>
             </a:fld>
             <a:endParaRPr lang="en-US" dirty="0"/>
           </a:p>
@@ -4500,7 +4492,6 @@
           <a:p>
             <a:fld id="{6D22F896-40B5-4ADD-8801-0D06FADFA095}" type="slidenum">
               <a:rPr lang="en-US" dirty="0"/>
-              <a:t>‹#›</a:t>
             </a:fld>
             <a:endParaRPr lang="en-US" dirty="0"/>
           </a:p>
@@ -4622,6 +4613,12 @@
               </a:rPr>
               <a:t>“</a:t>
             </a:r>
+            <a:endParaRPr lang="en-US" sz="8000" dirty="0">
+              <a:solidFill>
+                <a:schemeClr val="tx1"/>
+              </a:solidFill>
+              <a:effectLst/>
+            </a:endParaRPr>
           </a:p>
         </p:txBody>
       </p:sp>
@@ -4741,6 +4738,12 @@
               </a:rPr>
               <a:t>”</a:t>
             </a:r>
+            <a:endParaRPr lang="en-US" sz="8000" dirty="0">
+              <a:solidFill>
+                <a:schemeClr val="tx1"/>
+              </a:solidFill>
+              <a:effectLst/>
+            </a:endParaRPr>
           </a:p>
         </p:txBody>
       </p:sp>
@@ -4867,6 +4870,7 @@
               <a:rPr lang="zh-CN" altLang="en-US" smtClean="0"/>
               <a:t>单击此处编辑母版文本样式</a:t>
             </a:r>
+            <a:endParaRPr lang="zh-CN" altLang="en-US" smtClean="0"/>
           </a:p>
         </p:txBody>
       </p:sp>
@@ -4887,7 +4891,6 @@
           <a:p>
             <a:fld id="{48A87A34-81AB-432B-8DAE-1953F412C126}" type="datetimeFigureOut">
               <a:rPr lang="en-US" dirty="0"/>
-              <a:t>1/6/21</a:t>
             </a:fld>
             <a:endParaRPr lang="en-US" dirty="0"/>
           </a:p>
@@ -4929,7 +4932,6 @@
           <a:p>
             <a:fld id="{6D22F896-40B5-4ADD-8801-0D06FADFA095}" type="slidenum">
               <a:rPr lang="en-US" dirty="0"/>
-              <a:t>‹#›</a:t>
             </a:fld>
             <a:endParaRPr lang="en-US" dirty="0"/>
           </a:p>
@@ -5059,6 +5061,7 @@
               <a:rPr lang="zh-CN" altLang="en-US" smtClean="0"/>
               <a:t>单击此处编辑母版文本样式</a:t>
             </a:r>
+            <a:endParaRPr lang="zh-CN" altLang="en-US" smtClean="0"/>
           </a:p>
         </p:txBody>
       </p:sp>
@@ -5126,6 +5129,7 @@
               <a:rPr lang="zh-CN" altLang="en-US" smtClean="0"/>
               <a:t>单击此处编辑母版文本样式</a:t>
             </a:r>
+            <a:endParaRPr lang="zh-CN" altLang="en-US" smtClean="0"/>
           </a:p>
         </p:txBody>
       </p:sp>
@@ -5200,6 +5204,7 @@
               <a:rPr lang="zh-CN" altLang="en-US" smtClean="0"/>
               <a:t>单击此处编辑母版文本样式</a:t>
             </a:r>
+            <a:endParaRPr lang="zh-CN" altLang="en-US" smtClean="0"/>
           </a:p>
         </p:txBody>
       </p:sp>
@@ -5267,6 +5272,7 @@
               <a:rPr lang="zh-CN" altLang="en-US" smtClean="0"/>
               <a:t>单击此处编辑母版文本样式</a:t>
             </a:r>
+            <a:endParaRPr lang="zh-CN" altLang="en-US" smtClean="0"/>
           </a:p>
         </p:txBody>
       </p:sp>
@@ -5341,6 +5347,7 @@
               <a:rPr lang="zh-CN" altLang="en-US" smtClean="0"/>
               <a:t>单击此处编辑母版文本样式</a:t>
             </a:r>
+            <a:endParaRPr lang="zh-CN" altLang="en-US" smtClean="0"/>
           </a:p>
         </p:txBody>
       </p:sp>
@@ -5408,6 +5415,7 @@
               <a:rPr lang="zh-CN" altLang="en-US" smtClean="0"/>
               <a:t>单击此处编辑母版文本样式</a:t>
             </a:r>
+            <a:endParaRPr lang="zh-CN" altLang="en-US" smtClean="0"/>
           </a:p>
         </p:txBody>
       </p:sp>
@@ -5428,7 +5436,6 @@
           <a:p>
             <a:fld id="{48A87A34-81AB-432B-8DAE-1953F412C126}" type="datetimeFigureOut">
               <a:rPr lang="en-US" dirty="0"/>
-              <a:t>1/6/21</a:t>
             </a:fld>
             <a:endParaRPr lang="en-US" dirty="0"/>
           </a:p>
@@ -5470,7 +5477,6 @@
           <a:p>
             <a:fld id="{6D22F896-40B5-4ADD-8801-0D06FADFA095}" type="slidenum">
               <a:rPr lang="en-US" dirty="0"/>
-              <a:t>‹#›</a:t>
             </a:fld>
             <a:endParaRPr lang="en-US" dirty="0"/>
           </a:p>
@@ -5600,6 +5606,7 @@
               <a:rPr lang="zh-CN" altLang="en-US" smtClean="0"/>
               <a:t>单击此处编辑母版文本样式</a:t>
             </a:r>
+            <a:endParaRPr lang="zh-CN" altLang="en-US" smtClean="0"/>
           </a:p>
         </p:txBody>
       </p:sp>
@@ -5725,6 +5732,7 @@
               <a:rPr lang="zh-CN" altLang="en-US" smtClean="0"/>
               <a:t>单击此处编辑母版文本样式</a:t>
             </a:r>
+            <a:endParaRPr lang="zh-CN" altLang="en-US" smtClean="0"/>
           </a:p>
         </p:txBody>
       </p:sp>
@@ -5799,6 +5807,7 @@
               <a:rPr lang="zh-CN" altLang="en-US" smtClean="0"/>
               <a:t>单击此处编辑母版文本样式</a:t>
             </a:r>
+            <a:endParaRPr lang="zh-CN" altLang="en-US" smtClean="0"/>
           </a:p>
         </p:txBody>
       </p:sp>
@@ -5924,6 +5933,7 @@
               <a:rPr lang="zh-CN" altLang="en-US" smtClean="0"/>
               <a:t>单击此处编辑母版文本样式</a:t>
             </a:r>
+            <a:endParaRPr lang="zh-CN" altLang="en-US" smtClean="0"/>
           </a:p>
         </p:txBody>
       </p:sp>
@@ -5998,6 +6008,7 @@
               <a:rPr lang="zh-CN" altLang="en-US" smtClean="0"/>
               <a:t>单击此处编辑母版文本样式</a:t>
             </a:r>
+            <a:endParaRPr lang="zh-CN" altLang="en-US" smtClean="0"/>
           </a:p>
         </p:txBody>
       </p:sp>
@@ -6123,6 +6134,7 @@
               <a:rPr lang="zh-CN" altLang="en-US" smtClean="0"/>
               <a:t>单击此处编辑母版文本样式</a:t>
             </a:r>
+            <a:endParaRPr lang="zh-CN" altLang="en-US" smtClean="0"/>
           </a:p>
         </p:txBody>
       </p:sp>
@@ -6143,7 +6155,6 @@
           <a:p>
             <a:fld id="{48A87A34-81AB-432B-8DAE-1953F412C126}" type="datetimeFigureOut">
               <a:rPr lang="en-US" dirty="0"/>
-              <a:t>1/6/21</a:t>
             </a:fld>
             <a:endParaRPr lang="en-US" dirty="0"/>
           </a:p>
@@ -6185,7 +6196,6 @@
           <a:p>
             <a:fld id="{6D22F896-40B5-4ADD-8801-0D06FADFA095}" type="slidenum">
               <a:rPr lang="en-US" dirty="0"/>
-              <a:t>‹#›</a:t>
             </a:fld>
             <a:endParaRPr lang="en-US" dirty="0"/>
           </a:p>
@@ -6259,6 +6269,7 @@
               <a:rPr lang="zh-CN" altLang="en-US" smtClean="0"/>
               <a:t>单击此处编辑母版文本样式</a:t>
             </a:r>
+            <a:endParaRPr lang="zh-CN" altLang="en-US" smtClean="0"/>
           </a:p>
           <a:p>
             <a:pPr lvl="1"/>
@@ -6266,6 +6277,7 @@
               <a:rPr lang="zh-CN" altLang="en-US" smtClean="0"/>
               <a:t>二级</a:t>
             </a:r>
+            <a:endParaRPr lang="zh-CN" altLang="en-US" smtClean="0"/>
           </a:p>
           <a:p>
             <a:pPr lvl="2"/>
@@ -6273,6 +6285,7 @@
               <a:rPr lang="zh-CN" altLang="en-US" smtClean="0"/>
               <a:t>三级</a:t>
             </a:r>
+            <a:endParaRPr lang="zh-CN" altLang="en-US" smtClean="0"/>
           </a:p>
           <a:p>
             <a:pPr lvl="3"/>
@@ -6280,6 +6293,7 @@
               <a:rPr lang="zh-CN" altLang="en-US" smtClean="0"/>
               <a:t>四级</a:t>
             </a:r>
+            <a:endParaRPr lang="zh-CN" altLang="en-US" smtClean="0"/>
           </a:p>
           <a:p>
             <a:pPr lvl="4"/>
@@ -6308,7 +6322,6 @@
           <a:p>
             <a:fld id="{48A87A34-81AB-432B-8DAE-1953F412C126}" type="datetimeFigureOut">
               <a:rPr lang="en-US" dirty="0"/>
-              <a:t>1/6/21</a:t>
             </a:fld>
             <a:endParaRPr lang="en-US" dirty="0"/>
           </a:p>
@@ -6350,7 +6363,6 @@
           <a:p>
             <a:fld id="{6D22F896-40B5-4ADD-8801-0D06FADFA095}" type="slidenum">
               <a:rPr lang="en-US" dirty="0"/>
-              <a:t>‹#›</a:t>
             </a:fld>
             <a:endParaRPr lang="en-US" dirty="0"/>
           </a:p>
@@ -6434,6 +6446,7 @@
               <a:rPr lang="zh-CN" altLang="en-US" smtClean="0"/>
               <a:t>单击此处编辑母版文本样式</a:t>
             </a:r>
+            <a:endParaRPr lang="zh-CN" altLang="en-US" smtClean="0"/>
           </a:p>
           <a:p>
             <a:pPr lvl="1"/>
@@ -6441,6 +6454,7 @@
               <a:rPr lang="zh-CN" altLang="en-US" smtClean="0"/>
               <a:t>二级</a:t>
             </a:r>
+            <a:endParaRPr lang="zh-CN" altLang="en-US" smtClean="0"/>
           </a:p>
           <a:p>
             <a:pPr lvl="2"/>
@@ -6448,6 +6462,7 @@
               <a:rPr lang="zh-CN" altLang="en-US" smtClean="0"/>
               <a:t>三级</a:t>
             </a:r>
+            <a:endParaRPr lang="zh-CN" altLang="en-US" smtClean="0"/>
           </a:p>
           <a:p>
             <a:pPr lvl="3"/>
@@ -6455,6 +6470,7 @@
               <a:rPr lang="zh-CN" altLang="en-US" smtClean="0"/>
               <a:t>四级</a:t>
             </a:r>
+            <a:endParaRPr lang="zh-CN" altLang="en-US" smtClean="0"/>
           </a:p>
           <a:p>
             <a:pPr lvl="4"/>
@@ -6483,7 +6499,6 @@
           <a:p>
             <a:fld id="{48A87A34-81AB-432B-8DAE-1953F412C126}" type="datetimeFigureOut">
               <a:rPr lang="en-US" dirty="0"/>
-              <a:t>1/6/21</a:t>
             </a:fld>
             <a:endParaRPr lang="en-US" dirty="0"/>
           </a:p>
@@ -6525,7 +6540,6 @@
           <a:p>
             <a:fld id="{6D22F896-40B5-4ADD-8801-0D06FADFA095}" type="slidenum">
               <a:rPr lang="en-US" dirty="0"/>
-              <a:t>‹#›</a:t>
             </a:fld>
             <a:endParaRPr lang="en-US" dirty="0"/>
           </a:p>
@@ -6599,6 +6613,7 @@
               <a:rPr lang="zh-CN" altLang="en-US" smtClean="0"/>
               <a:t>单击此处编辑母版文本样式</a:t>
             </a:r>
+            <a:endParaRPr lang="zh-CN" altLang="en-US" smtClean="0"/>
           </a:p>
           <a:p>
             <a:pPr lvl="1"/>
@@ -6606,6 +6621,7 @@
               <a:rPr lang="zh-CN" altLang="en-US" smtClean="0"/>
               <a:t>二级</a:t>
             </a:r>
+            <a:endParaRPr lang="zh-CN" altLang="en-US" smtClean="0"/>
           </a:p>
           <a:p>
             <a:pPr lvl="2"/>
@@ -6613,6 +6629,7 @@
               <a:rPr lang="zh-CN" altLang="en-US" smtClean="0"/>
               <a:t>三级</a:t>
             </a:r>
+            <a:endParaRPr lang="zh-CN" altLang="en-US" smtClean="0"/>
           </a:p>
           <a:p>
             <a:pPr lvl="3"/>
@@ -6620,6 +6637,7 @@
               <a:rPr lang="zh-CN" altLang="en-US" smtClean="0"/>
               <a:t>四级</a:t>
             </a:r>
+            <a:endParaRPr lang="zh-CN" altLang="en-US" smtClean="0"/>
           </a:p>
           <a:p>
             <a:pPr lvl="4"/>
@@ -6648,7 +6666,6 @@
           <a:p>
             <a:fld id="{48A87A34-81AB-432B-8DAE-1953F412C126}" type="datetimeFigureOut">
               <a:rPr lang="en-US" dirty="0"/>
-              <a:t>1/6/21</a:t>
             </a:fld>
             <a:endParaRPr lang="en-US" dirty="0"/>
           </a:p>
@@ -6690,7 +6707,6 @@
           <a:p>
             <a:fld id="{6D22F896-40B5-4ADD-8801-0D06FADFA095}" type="slidenum">
               <a:rPr lang="en-US" dirty="0"/>
-              <a:t>‹#›</a:t>
             </a:fld>
             <a:endParaRPr lang="en-US" dirty="0"/>
           </a:p>
@@ -6873,6 +6889,7 @@
               <a:rPr lang="zh-CN" altLang="en-US" smtClean="0"/>
               <a:t>单击此处编辑母版文本样式</a:t>
             </a:r>
+            <a:endParaRPr lang="zh-CN" altLang="en-US" smtClean="0"/>
           </a:p>
         </p:txBody>
       </p:sp>
@@ -6893,7 +6910,6 @@
           <a:p>
             <a:fld id="{48A87A34-81AB-432B-8DAE-1953F412C126}" type="datetimeFigureOut">
               <a:rPr lang="en-US" dirty="0"/>
-              <a:t>1/6/21</a:t>
             </a:fld>
             <a:endParaRPr lang="en-US" dirty="0"/>
           </a:p>
@@ -6935,7 +6951,6 @@
           <a:p>
             <a:fld id="{6D22F896-40B5-4ADD-8801-0D06FADFA095}" type="slidenum">
               <a:rPr lang="en-US" dirty="0"/>
-              <a:t>‹#›</a:t>
             </a:fld>
             <a:endParaRPr lang="en-US" dirty="0"/>
           </a:p>
@@ -7014,6 +7029,7 @@
               <a:rPr lang="zh-CN" altLang="en-US" smtClean="0"/>
               <a:t>单击此处编辑母版文本样式</a:t>
             </a:r>
+            <a:endParaRPr lang="zh-CN" altLang="en-US" smtClean="0"/>
           </a:p>
           <a:p>
             <a:pPr lvl="1"/>
@@ -7021,6 +7037,7 @@
               <a:rPr lang="zh-CN" altLang="en-US" smtClean="0"/>
               <a:t>二级</a:t>
             </a:r>
+            <a:endParaRPr lang="zh-CN" altLang="en-US" smtClean="0"/>
           </a:p>
           <a:p>
             <a:pPr lvl="2"/>
@@ -7028,6 +7045,7 @@
               <a:rPr lang="zh-CN" altLang="en-US" smtClean="0"/>
               <a:t>三级</a:t>
             </a:r>
+            <a:endParaRPr lang="zh-CN" altLang="en-US" smtClean="0"/>
           </a:p>
           <a:p>
             <a:pPr lvl="3"/>
@@ -7035,6 +7053,7 @@
               <a:rPr lang="zh-CN" altLang="en-US" smtClean="0"/>
               <a:t>四级</a:t>
             </a:r>
+            <a:endParaRPr lang="zh-CN" altLang="en-US" smtClean="0"/>
           </a:p>
           <a:p>
             <a:pPr lvl="4"/>
@@ -7071,6 +7090,7 @@
               <a:rPr lang="zh-CN" altLang="en-US" smtClean="0"/>
               <a:t>单击此处编辑母版文本样式</a:t>
             </a:r>
+            <a:endParaRPr lang="zh-CN" altLang="en-US" smtClean="0"/>
           </a:p>
           <a:p>
             <a:pPr lvl="1"/>
@@ -7078,6 +7098,7 @@
               <a:rPr lang="zh-CN" altLang="en-US" smtClean="0"/>
               <a:t>二级</a:t>
             </a:r>
+            <a:endParaRPr lang="zh-CN" altLang="en-US" smtClean="0"/>
           </a:p>
           <a:p>
             <a:pPr lvl="2"/>
@@ -7085,6 +7106,7 @@
               <a:rPr lang="zh-CN" altLang="en-US" smtClean="0"/>
               <a:t>三级</a:t>
             </a:r>
+            <a:endParaRPr lang="zh-CN" altLang="en-US" smtClean="0"/>
           </a:p>
           <a:p>
             <a:pPr lvl="3"/>
@@ -7092,6 +7114,7 @@
               <a:rPr lang="zh-CN" altLang="en-US" smtClean="0"/>
               <a:t>四级</a:t>
             </a:r>
+            <a:endParaRPr lang="zh-CN" altLang="en-US" smtClean="0"/>
           </a:p>
           <a:p>
             <a:pPr lvl="4"/>
@@ -7120,7 +7143,6 @@
           <a:p>
             <a:fld id="{48A87A34-81AB-432B-8DAE-1953F412C126}" type="datetimeFigureOut">
               <a:rPr lang="en-US" dirty="0"/>
-              <a:t>1/6/21</a:t>
             </a:fld>
             <a:endParaRPr lang="en-US" dirty="0"/>
           </a:p>
@@ -7162,7 +7184,6 @@
           <a:p>
             <a:fld id="{6D22F896-40B5-4ADD-8801-0D06FADFA095}" type="slidenum">
               <a:rPr lang="en-US" dirty="0"/>
-              <a:t>‹#›</a:t>
             </a:fld>
             <a:endParaRPr lang="en-US" dirty="0"/>
           </a:p>
@@ -7290,6 +7311,7 @@
               <a:rPr lang="zh-CN" altLang="en-US" smtClean="0"/>
               <a:t>单击此处编辑母版文本样式</a:t>
             </a:r>
+            <a:endParaRPr lang="zh-CN" altLang="en-US" smtClean="0"/>
           </a:p>
         </p:txBody>
       </p:sp>
@@ -7318,6 +7340,7 @@
               <a:rPr lang="zh-CN" altLang="en-US" smtClean="0"/>
               <a:t>单击此处编辑母版文本样式</a:t>
             </a:r>
+            <a:endParaRPr lang="zh-CN" altLang="en-US" smtClean="0"/>
           </a:p>
           <a:p>
             <a:pPr lvl="1"/>
@@ -7325,6 +7348,7 @@
               <a:rPr lang="zh-CN" altLang="en-US" smtClean="0"/>
               <a:t>二级</a:t>
             </a:r>
+            <a:endParaRPr lang="zh-CN" altLang="en-US" smtClean="0"/>
           </a:p>
           <a:p>
             <a:pPr lvl="2"/>
@@ -7332,6 +7356,7 @@
               <a:rPr lang="zh-CN" altLang="en-US" smtClean="0"/>
               <a:t>三级</a:t>
             </a:r>
+            <a:endParaRPr lang="zh-CN" altLang="en-US" smtClean="0"/>
           </a:p>
           <a:p>
             <a:pPr lvl="3"/>
@@ -7339,6 +7364,7 @@
               <a:rPr lang="zh-CN" altLang="en-US" smtClean="0"/>
               <a:t>四级</a:t>
             </a:r>
+            <a:endParaRPr lang="zh-CN" altLang="en-US" smtClean="0"/>
           </a:p>
           <a:p>
             <a:pPr lvl="4"/>
@@ -7419,6 +7445,7 @@
               <a:rPr lang="zh-CN" altLang="en-US" smtClean="0"/>
               <a:t>单击此处编辑母版文本样式</a:t>
             </a:r>
+            <a:endParaRPr lang="zh-CN" altLang="en-US" smtClean="0"/>
           </a:p>
         </p:txBody>
       </p:sp>
@@ -7447,6 +7474,7 @@
               <a:rPr lang="zh-CN" altLang="en-US" smtClean="0"/>
               <a:t>单击此处编辑母版文本样式</a:t>
             </a:r>
+            <a:endParaRPr lang="zh-CN" altLang="en-US" smtClean="0"/>
           </a:p>
           <a:p>
             <a:pPr lvl="1"/>
@@ -7454,6 +7482,7 @@
               <a:rPr lang="zh-CN" altLang="en-US" smtClean="0"/>
               <a:t>二级</a:t>
             </a:r>
+            <a:endParaRPr lang="zh-CN" altLang="en-US" smtClean="0"/>
           </a:p>
           <a:p>
             <a:pPr lvl="2"/>
@@ -7461,6 +7490,7 @@
               <a:rPr lang="zh-CN" altLang="en-US" smtClean="0"/>
               <a:t>三级</a:t>
             </a:r>
+            <a:endParaRPr lang="zh-CN" altLang="en-US" smtClean="0"/>
           </a:p>
           <a:p>
             <a:pPr lvl="3"/>
@@ -7468,6 +7498,7 @@
               <a:rPr lang="zh-CN" altLang="en-US" smtClean="0"/>
               <a:t>四级</a:t>
             </a:r>
+            <a:endParaRPr lang="zh-CN" altLang="en-US" smtClean="0"/>
           </a:p>
           <a:p>
             <a:pPr lvl="4"/>
@@ -7496,7 +7527,6 @@
           <a:p>
             <a:fld id="{48A87A34-81AB-432B-8DAE-1953F412C126}" type="datetimeFigureOut">
               <a:rPr lang="en-US" dirty="0"/>
-              <a:t>1/6/21</a:t>
             </a:fld>
             <a:endParaRPr lang="en-US" dirty="0"/>
           </a:p>
@@ -7538,7 +7568,6 @@
           <a:p>
             <a:fld id="{6D22F896-40B5-4ADD-8801-0D06FADFA095}" type="slidenum">
               <a:rPr lang="en-US" dirty="0"/>
-              <a:t>‹#›</a:t>
             </a:fld>
             <a:endParaRPr lang="en-US" dirty="0"/>
           </a:p>
@@ -7609,7 +7638,6 @@
           <a:p>
             <a:fld id="{48A87A34-81AB-432B-8DAE-1953F412C126}" type="datetimeFigureOut">
               <a:rPr lang="en-US" dirty="0"/>
-              <a:t>1/6/21</a:t>
             </a:fld>
             <a:endParaRPr lang="en-US" dirty="0"/>
           </a:p>
@@ -7651,7 +7679,6 @@
           <a:p>
             <a:fld id="{6D22F896-40B5-4ADD-8801-0D06FADFA095}" type="slidenum">
               <a:rPr lang="en-US" dirty="0"/>
-              <a:t>‹#›</a:t>
             </a:fld>
             <a:endParaRPr lang="en-US" dirty="0"/>
           </a:p>
@@ -7699,7 +7726,6 @@
           <a:p>
             <a:fld id="{48A87A34-81AB-432B-8DAE-1953F412C126}" type="datetimeFigureOut">
               <a:rPr lang="en-US" dirty="0"/>
-              <a:t>1/6/21</a:t>
             </a:fld>
             <a:endParaRPr lang="en-US" dirty="0"/>
           </a:p>
@@ -7741,7 +7767,6 @@
           <a:p>
             <a:fld id="{6D22F896-40B5-4ADD-8801-0D06FADFA095}" type="slidenum">
               <a:rPr lang="en-US" dirty="0"/>
-              <a:t>‹#›</a:t>
             </a:fld>
             <a:endParaRPr lang="en-US" dirty="0"/>
           </a:p>
@@ -7829,6 +7854,7 @@
               <a:rPr lang="zh-CN" altLang="en-US" smtClean="0"/>
               <a:t>单击此处编辑母版文本样式</a:t>
             </a:r>
+            <a:endParaRPr lang="zh-CN" altLang="en-US" smtClean="0"/>
           </a:p>
           <a:p>
             <a:pPr lvl="1"/>
@@ -7836,6 +7862,7 @@
               <a:rPr lang="zh-CN" altLang="en-US" smtClean="0"/>
               <a:t>二级</a:t>
             </a:r>
+            <a:endParaRPr lang="zh-CN" altLang="en-US" smtClean="0"/>
           </a:p>
           <a:p>
             <a:pPr lvl="2"/>
@@ -7843,6 +7870,7 @@
               <a:rPr lang="zh-CN" altLang="en-US" smtClean="0"/>
               <a:t>三级</a:t>
             </a:r>
+            <a:endParaRPr lang="zh-CN" altLang="en-US" smtClean="0"/>
           </a:p>
           <a:p>
             <a:pPr lvl="3"/>
@@ -7850,6 +7878,7 @@
               <a:rPr lang="zh-CN" altLang="en-US" smtClean="0"/>
               <a:t>四级</a:t>
             </a:r>
+            <a:endParaRPr lang="zh-CN" altLang="en-US" smtClean="0"/>
           </a:p>
           <a:p>
             <a:pPr lvl="4"/>
@@ -7923,6 +7952,7 @@
               <a:rPr lang="zh-CN" altLang="en-US" smtClean="0"/>
               <a:t>单击此处编辑母版文本样式</a:t>
             </a:r>
+            <a:endParaRPr lang="zh-CN" altLang="en-US" smtClean="0"/>
           </a:p>
         </p:txBody>
       </p:sp>
@@ -7943,7 +7973,6 @@
           <a:p>
             <a:fld id="{48A87A34-81AB-432B-8DAE-1953F412C126}" type="datetimeFigureOut">
               <a:rPr lang="en-US" dirty="0"/>
-              <a:t>1/6/21</a:t>
             </a:fld>
             <a:endParaRPr lang="en-US" dirty="0"/>
           </a:p>
@@ -7985,7 +8014,6 @@
           <a:p>
             <a:fld id="{6D22F896-40B5-4ADD-8801-0D06FADFA095}" type="slidenum">
               <a:rPr lang="en-US" dirty="0"/>
-              <a:t>‹#›</a:t>
             </a:fld>
             <a:endParaRPr lang="en-US" dirty="0"/>
           </a:p>
@@ -8198,6 +8226,7 @@
               <a:rPr lang="zh-CN" altLang="en-US" smtClean="0"/>
               <a:t>单击此处编辑母版文本样式</a:t>
             </a:r>
+            <a:endParaRPr lang="zh-CN" altLang="en-US" smtClean="0"/>
           </a:p>
         </p:txBody>
       </p:sp>
@@ -8218,7 +8247,6 @@
           <a:p>
             <a:fld id="{48A87A34-81AB-432B-8DAE-1953F412C126}" type="datetimeFigureOut">
               <a:rPr lang="en-US" dirty="0"/>
-              <a:t>1/6/21</a:t>
             </a:fld>
             <a:endParaRPr lang="en-US" dirty="0"/>
           </a:p>
@@ -8260,7 +8288,6 @@
           <a:p>
             <a:fld id="{6D22F896-40B5-4ADD-8801-0D06FADFA095}" type="slidenum">
               <a:rPr lang="en-US" dirty="0"/>
-              <a:t>‹#›</a:t>
             </a:fld>
             <a:endParaRPr lang="en-US" dirty="0"/>
           </a:p>
@@ -8305,7 +8332,7 @@
           <p:nvPr/>
         </p:nvPicPr>
         <p:blipFill>
-          <a:blip r:embed="rId19">
+          <a:blip r:embed="rId18">
             <a:alphaModFix amt="30000"/>
             <a:extLst>
               <a:ext uri="{28A0092B-C50C-407E-A947-70E740481C1C}">
@@ -10780,6 +10807,7 @@
               <a:rPr lang="zh-CN" altLang="en-US" smtClean="0"/>
               <a:t>单击此处编辑母版文本样式</a:t>
             </a:r>
+            <a:endParaRPr lang="zh-CN" altLang="en-US" smtClean="0"/>
           </a:p>
           <a:p>
             <a:pPr lvl="1"/>
@@ -10787,6 +10815,7 @@
               <a:rPr lang="zh-CN" altLang="en-US" smtClean="0"/>
               <a:t>二级</a:t>
             </a:r>
+            <a:endParaRPr lang="zh-CN" altLang="en-US" smtClean="0"/>
           </a:p>
           <a:p>
             <a:pPr lvl="2"/>
@@ -10794,6 +10823,7 @@
               <a:rPr lang="zh-CN" altLang="en-US" smtClean="0"/>
               <a:t>三级</a:t>
             </a:r>
+            <a:endParaRPr lang="zh-CN" altLang="en-US" smtClean="0"/>
           </a:p>
           <a:p>
             <a:pPr lvl="3"/>
@@ -10801,6 +10831,7 @@
               <a:rPr lang="zh-CN" altLang="en-US" smtClean="0"/>
               <a:t>四级</a:t>
             </a:r>
+            <a:endParaRPr lang="zh-CN" altLang="en-US" smtClean="0"/>
           </a:p>
           <a:p>
             <a:pPr lvl="4"/>
@@ -10847,7 +10878,6 @@
           <a:p>
             <a:fld id="{48A87A34-81AB-432B-8DAE-1953F412C126}" type="datetimeFigureOut">
               <a:rPr lang="en-US" dirty="0"/>
-              <a:t>1/6/21</a:t>
             </a:fld>
             <a:endParaRPr lang="en-US" dirty="0"/>
           </a:p>
@@ -10925,7 +10955,6 @@
           <a:p>
             <a:fld id="{6D22F896-40B5-4ADD-8801-0D06FADFA095}" type="slidenum">
               <a:rPr lang="en-US" dirty="0"/>
-              <a:t>‹#›</a:t>
             </a:fld>
             <a:endParaRPr lang="en-US" dirty="0"/>
           </a:p>
@@ -11285,19 +11314,19 @@
             <a:pPr algn="ctr"/>
             <a:r>
               <a:rPr kumimoji="1" lang="en-US" altLang="zh-CN" dirty="0" smtClean="0">
-                <a:hlinkClick r:id="rId2" action="ppaction://hlinkfile"/>
+                <a:hlinkClick r:id="rId1" action="ppaction://hlinkfile"/>
               </a:rPr>
               <a:t>React</a:t>
             </a:r>
             <a:r>
               <a:rPr kumimoji="1" lang="zh-CN" altLang="en-US" dirty="0" smtClean="0">
-                <a:hlinkClick r:id="rId2" action="ppaction://hlinkfile"/>
+                <a:hlinkClick r:id="rId1" action="ppaction://hlinkfile"/>
               </a:rPr>
               <a:t> </a:t>
             </a:r>
             <a:r>
               <a:rPr kumimoji="1" lang="en-US" altLang="zh-CN" dirty="0" smtClean="0">
-                <a:hlinkClick r:id="rId2" action="ppaction://hlinkfile"/>
+                <a:hlinkClick r:id="rId1" action="ppaction://hlinkfile"/>
               </a:rPr>
               <a:t>v17</a:t>
             </a:r>
@@ -11354,6 +11383,9 @@
               </a:rPr>
               <a:t>逐步升级</a:t>
             </a:r>
+            <a:endParaRPr lang="en-US" altLang="zh-CN" dirty="0" smtClean="0">
+              <a:sym typeface="+mn-ea"/>
+            </a:endParaRPr>
           </a:p>
           <a:p>
             <a:pPr marL="342900" indent="-342900">
@@ -11401,6 +11433,9 @@
               </a:rPr>
               <a:t>事件代理更改</a:t>
             </a:r>
+            <a:endParaRPr lang="en-US" altLang="zh-CN" dirty="0" smtClean="0">
+              <a:sym typeface="+mn-ea"/>
+            </a:endParaRPr>
           </a:p>
           <a:p>
             <a:pPr marL="342900" indent="-342900">
@@ -11448,13 +11483,13 @@
             </a:r>
             <a:r>
               <a:rPr lang="zh-CN" altLang="en-US" b="1" dirty="0">
-                <a:hlinkClick r:id="rId3"/>
+                <a:hlinkClick r:id="rId2"/>
               </a:rPr>
               <a:t>放弃事件</a:t>
             </a:r>
             <a:r>
               <a:rPr lang="zh-CN" altLang="en-US" b="1" dirty="0" smtClean="0">
-                <a:hlinkClick r:id="rId3"/>
+                <a:hlinkClick r:id="rId2"/>
               </a:rPr>
               <a:t>池</a:t>
             </a:r>
@@ -11569,6 +11604,7 @@
               <a:rPr lang="zh-CN" altLang="en-US" sz="2800"/>
               <a:t>认识 getSnapshotBeforeUpdate</a:t>
             </a:r>
+            <a:endParaRPr lang="zh-CN" altLang="en-US" sz="2800"/>
           </a:p>
           <a:p>
             <a:pPr algn="l"/>
@@ -11580,6 +11616,7 @@
               <a:rPr lang="zh-CN" altLang="en-US" sz="2000"/>
               <a:t>执行时机是在 render 方法之后，真实 DOM 更新之前。在这个阶段里，</a:t>
             </a:r>
+            <a:endParaRPr lang="zh-CN" altLang="en-US" sz="2000"/>
           </a:p>
           <a:p>
             <a:pPr algn="l"/>
@@ -11587,6 +11624,7 @@
               <a:rPr lang="zh-CN" altLang="en-US" sz="2000"/>
               <a:t>我们可以同时获取到更新前的真实 DOM 和更新前后的 state&amp;props 信息。</a:t>
             </a:r>
+            <a:endParaRPr lang="zh-CN" altLang="en-US" sz="2000"/>
           </a:p>
         </p:txBody>
       </p:sp>
@@ -11654,6 +11692,7 @@
               <a:rPr lang="zh-CN" altLang="en-US" sz="2000"/>
               <a:t>Fiber—— 会是原来的同步渲染过程变成异步的；在 Fiber 机制下，</a:t>
             </a:r>
+            <a:endParaRPr lang="zh-CN" altLang="en-US" sz="2000"/>
           </a:p>
           <a:p>
             <a:pPr algn="l"/>
@@ -11661,6 +11700,7 @@
               <a:rPr lang="zh-CN" altLang="en-US" sz="2000"/>
               <a:t>render 阶段是允许暂停、终止和重启的。当一个任务执行到一半被打断后，</a:t>
             </a:r>
+            <a:endParaRPr lang="zh-CN" altLang="en-US" sz="2000"/>
           </a:p>
           <a:p>
             <a:pPr algn="l"/>
@@ -11668,6 +11708,7 @@
               <a:rPr lang="zh-CN" altLang="en-US" sz="2000"/>
               <a:t>下一次渲染线程抢回主动权时，这个任务被重启的形式是“重复执行一遍整个任务”</a:t>
             </a:r>
+            <a:endParaRPr lang="zh-CN" altLang="en-US" sz="2000"/>
           </a:p>
           <a:p>
             <a:pPr algn="l"/>
@@ -11675,6 +11716,7 @@
               <a:rPr lang="zh-CN" altLang="en-US" sz="2000"/>
               <a:t>而非“接着上次执行到的那行代码往下走”。</a:t>
             </a:r>
+            <a:endParaRPr lang="zh-CN" altLang="en-US" sz="2000"/>
           </a:p>
           <a:p>
             <a:pPr algn="l"/>
@@ -11682,6 +11724,7 @@
               <a:rPr lang="zh-CN" altLang="en-US" sz="2000"/>
               <a:t>这就导致 render 阶段的生命周期都是有可能被重复执行的。</a:t>
             </a:r>
+            <a:endParaRPr lang="zh-CN" altLang="en-US" sz="2000"/>
           </a:p>
           <a:p>
             <a:pPr algn="l"/>
@@ -11693,6 +11736,7 @@
               <a:rPr lang="zh-CN" altLang="en-US" sz="2000"/>
               <a:t>带着这个结论，我们再来看看 React 16 打算废弃的是哪些生命周期：</a:t>
             </a:r>
+            <a:endParaRPr lang="zh-CN" altLang="en-US" sz="2000"/>
           </a:p>
           <a:p>
             <a:pPr algn="l"/>
@@ -11704,6 +11748,7 @@
               <a:rPr lang="zh-CN" altLang="en-US" sz="2000"/>
               <a:t>componentWillMount；</a:t>
             </a:r>
+            <a:endParaRPr lang="zh-CN" altLang="en-US" sz="2000"/>
           </a:p>
           <a:p>
             <a:pPr algn="l"/>
@@ -11715,6 +11760,7 @@
               <a:rPr lang="zh-CN" altLang="en-US" sz="2000"/>
               <a:t>componentWillUpdate；</a:t>
             </a:r>
+            <a:endParaRPr lang="zh-CN" altLang="en-US" sz="2000"/>
           </a:p>
           <a:p>
             <a:pPr algn="l"/>
@@ -11726,6 +11772,7 @@
               <a:rPr lang="zh-CN" altLang="en-US" sz="2000"/>
               <a:t>componentWillReceiveProps。</a:t>
             </a:r>
+            <a:endParaRPr lang="zh-CN" altLang="en-US" sz="2000"/>
           </a:p>
           <a:p>
             <a:pPr algn="l"/>
@@ -11737,6 +11784,7 @@
               <a:rPr lang="zh-CN" altLang="en-US" sz="2000"/>
               <a:t>这些生命周期的共性，就是它们都处于 render 阶段，都可能重复被执行，</a:t>
             </a:r>
+            <a:endParaRPr lang="zh-CN" altLang="en-US" sz="2000"/>
           </a:p>
           <a:p>
             <a:pPr algn="l"/>
@@ -11744,6 +11792,7 @@
               <a:rPr lang="zh-CN" altLang="en-US" sz="2000"/>
               <a:t>而且由于这些 API 常年被滥用，它们在重复执行的过程中都存在着不可小觑的风险。</a:t>
             </a:r>
+            <a:endParaRPr lang="zh-CN" altLang="en-US" sz="2000"/>
           </a:p>
         </p:txBody>
       </p:sp>
@@ -11796,6 +11845,7 @@
               <a:rPr lang="zh-CN" altLang="en-US"/>
               <a:t>数据流动</a:t>
             </a:r>
+            <a:endParaRPr lang="zh-CN" altLang="en-US"/>
           </a:p>
         </p:txBody>
       </p:sp>
@@ -11829,6 +11879,7 @@
               <a:rPr lang="zh-CN" altLang="en-US" sz="2400"/>
               <a:t>使用基于 Props 的单向数据流串联父子、兄弟组件；</a:t>
             </a:r>
+            <a:endParaRPr lang="zh-CN" altLang="en-US" sz="2400"/>
           </a:p>
           <a:p>
             <a:pPr marL="342900" indent="-342900" algn="l">
@@ -11872,6 +11923,7 @@
               <a:rPr lang="zh-CN" altLang="en-US" sz="2400"/>
               <a:t>利用“发布-订阅”模式驱动 React 数据在任意组件间流动。</a:t>
             </a:r>
+            <a:endParaRPr lang="zh-CN" altLang="en-US" sz="2400"/>
           </a:p>
           <a:p>
             <a:pPr indent="0" algn="l">
@@ -11934,6 +11986,7 @@
               <a:rPr lang="zh-CN" altLang="en-US" sz="2800"/>
               <a:t>“发布-订阅”模式驱动数据流</a:t>
             </a:r>
+            <a:endParaRPr lang="zh-CN" altLang="en-US" sz="2800"/>
           </a:p>
         </p:txBody>
       </p:sp>
@@ -11967,6 +12020,7 @@
               <a:rPr lang="zh-CN" altLang="en-US"/>
               <a:t>发布-订阅模型 API 设计思路</a:t>
             </a:r>
+            <a:endParaRPr lang="zh-CN" altLang="en-US"/>
           </a:p>
           <a:p>
             <a:pPr marL="285750" indent="-285750">
@@ -11977,6 +12031,7 @@
               <a:rPr lang="zh-CN" altLang="en-US"/>
               <a:t>发布-订阅模型编码实现</a:t>
             </a:r>
+            <a:endParaRPr lang="zh-CN" altLang="en-US"/>
           </a:p>
           <a:p>
             <a:pPr marL="285750" indent="-285750">
@@ -12032,6 +12087,7 @@
               <a:rPr lang="zh-CN" altLang="en-US"/>
               <a:t>函数组件和类组件有什么区别？</a:t>
             </a:r>
+            <a:endParaRPr lang="zh-CN" altLang="en-US"/>
           </a:p>
         </p:txBody>
       </p:sp>
@@ -12061,6 +12117,7 @@
               <a:rPr lang="en-US" altLang="zh-CN"/>
               <a:t>类组件与函数组件本质上代表了两种不同的设计思想与心智模式。</a:t>
             </a:r>
+            <a:endParaRPr lang="en-US" altLang="zh-CN"/>
           </a:p>
           <a:p>
             <a:endParaRPr lang="en-US" altLang="zh-CN"/>
@@ -12070,6 +12127,7 @@
               <a:rPr lang="en-US" altLang="zh-CN"/>
               <a:t>类组件的根基是 OOP（面向对象编程），所以它有继承、有属性、有内部状态的管理。</a:t>
             </a:r>
+            <a:endParaRPr lang="en-US" altLang="zh-CN"/>
           </a:p>
           <a:p>
             <a:endParaRPr lang="en-US" altLang="zh-CN"/>
@@ -12079,6 +12137,7 @@
               <a:rPr lang="en-US" altLang="zh-CN"/>
               <a:t>函数组件的根基是 FP，也就是函数式编程。它属于“结构化编程”的一种，与数学函数思想类似。也就是假定输入与输出存在某种特定的映射关系，那么输入一定的情况下，输出必然是确定的。</a:t>
             </a:r>
+            <a:endParaRPr lang="en-US" altLang="zh-CN"/>
           </a:p>
           <a:p>
             <a:endParaRPr lang="en-US" altLang="zh-CN"/>
@@ -12088,6 +12147,7 @@
               <a:rPr lang="en-US" altLang="zh-CN"/>
               <a:t>相较于类组件，函数组件更纯粹、简单、易测试。 </a:t>
             </a:r>
+            <a:endParaRPr lang="en-US" altLang="zh-CN"/>
           </a:p>
           <a:p>
             <a:endParaRPr lang="en-US" altLang="zh-CN"/>
@@ -12186,6 +12246,7 @@
               <a:rPr lang="zh-CN" altLang="en-US" sz="2000" dirty="0"/>
               <a:t>）</a:t>
             </a:r>
+            <a:endParaRPr lang="zh-CN" altLang="en-US" sz="2000" dirty="0"/>
           </a:p>
           <a:p>
             <a:endParaRPr lang="en-US" altLang="zh-CN" sz="2000" dirty="0"/>
@@ -12245,6 +12306,7 @@
               <a:rPr lang="en-US" altLang="zh-CN" sz="2000" b="1" dirty="0" smtClean="0"/>
               <a:t>)</a:t>
             </a:r>
+            <a:endParaRPr lang="en-US" altLang="zh-CN" sz="2000" b="1" dirty="0" smtClean="0"/>
           </a:p>
           <a:p>
             <a:endParaRPr lang="en-US" altLang="zh-CN" sz="2000" b="1" dirty="0"/>
@@ -12254,12 +12316,9 @@
               <a:rPr lang="zh-CN" altLang="en-US" sz="2000" dirty="0"/>
               <a:t>函数组件是一个更加匹配其设计理念、也更有利于逻辑拆分与重用的组件表达形式</a:t>
             </a:r>
-          </a:p>
-          <a:p>
-            <a:r>
-              <a:rPr lang="zh-CN" altLang="en-US" sz="2000" dirty="0"/>
-              <a:t/>
-            </a:r>
+            <a:endParaRPr lang="zh-CN" altLang="en-US" sz="2000" dirty="0"/>
+          </a:p>
+          <a:p>
             <a:br>
               <a:rPr lang="zh-CN" altLang="en-US" sz="2000" dirty="0"/>
             </a:br>
@@ -12278,6 +12337,7 @@
               <a:rPr lang="zh-CN" altLang="en-US" dirty="0"/>
               <a:t>”</a:t>
             </a:r>
+            <a:endParaRPr lang="zh-CN" altLang="en-US" dirty="0"/>
           </a:p>
           <a:p>
             <a:endParaRPr lang="en-US" altLang="zh-CN" dirty="0"/>
@@ -12294,11 +12354,6 @@
         </p:txBody>
       </p:sp>
     </p:spTree>
-    <p:extLst>
-      <p:ext uri="{BB962C8B-B14F-4D97-AF65-F5344CB8AC3E}">
-        <p14:creationId xmlns:p14="http://schemas.microsoft.com/office/powerpoint/2010/main" val="2133598994"/>
-      </p:ext>
-    </p:extLst>
   </p:cSld>
   <p:clrMapOvr>
     <a:masterClrMapping/>
@@ -12460,6 +12515,7 @@
               <a:rPr lang="zh-CN" altLang="en-US" sz="2400" b="1" dirty="0"/>
               <a:t>将复杂的问题变简单</a:t>
             </a:r>
+            <a:endParaRPr lang="zh-CN" altLang="en-US" sz="2400" b="1" dirty="0"/>
           </a:p>
           <a:p>
             <a:pPr marL="342900" indent="-342900">
@@ -12470,11 +12526,6 @@
         </p:txBody>
       </p:sp>
     </p:spTree>
-    <p:extLst>
-      <p:ext uri="{BB962C8B-B14F-4D97-AF65-F5344CB8AC3E}">
-        <p14:creationId xmlns:p14="http://schemas.microsoft.com/office/powerpoint/2010/main" val="1043797970"/>
-      </p:ext>
-    </p:extLst>
   </p:cSld>
   <p:clrMapOvr>
     <a:masterClrMapping/>
@@ -12586,11 +12637,6 @@
         </p:txBody>
       </p:sp>
     </p:spTree>
-    <p:extLst>
-      <p:ext uri="{BB962C8B-B14F-4D97-AF65-F5344CB8AC3E}">
-        <p14:creationId xmlns:p14="http://schemas.microsoft.com/office/powerpoint/2010/main" val="544740807"/>
-      </p:ext>
-    </p:extLst>
   </p:cSld>
   <p:clrMapOvr>
     <a:masterClrMapping/>
@@ -12625,7 +12671,12 @@
             <p:ph type="title"/>
           </p:nvPr>
         </p:nvSpPr>
-        <p:spPr/>
+        <p:spPr>
+          <a:xfrm>
+            <a:off x="534035" y="1016000"/>
+            <a:ext cx="10579100" cy="794385"/>
+          </a:xfrm>
+        </p:spPr>
         <p:txBody>
           <a:bodyPr>
             <a:normAutofit fontScale="90000"/>
@@ -12667,10 +12718,6 @@
             <a:br>
               <a:rPr lang="en-US" altLang="zh-CN" dirty="0"/>
             </a:br>
-            <a:r>
-              <a:rPr lang="zh-CN" altLang="en-US" dirty="0"/>
-              <a:t/>
-            </a:r>
             <a:br>
               <a:rPr lang="zh-CN" altLang="en-US" dirty="0"/>
             </a:br>
@@ -12813,6 +12860,7 @@
               <a:rPr lang="zh-CN" altLang="en-US" dirty="0"/>
               <a:t>，在降低学习成本的同时，也提升了研发效率与研发体验。</a:t>
             </a:r>
+            <a:endParaRPr lang="zh-CN" altLang="en-US" dirty="0"/>
           </a:p>
           <a:p>
             <a:endParaRPr lang="zh-CN" altLang="en-US" dirty="0"/>
@@ -12962,28 +13010,28 @@
           <a:p>
             <a:r>
               <a:rPr lang="en-US" altLang="zh-CN" dirty="0" smtClean="0">
+                <a:hlinkClick r:id="rId1"/>
+              </a:rPr>
+              <a:t>Babel</a:t>
+            </a:r>
+            <a:r>
+              <a:rPr lang="zh-CN" altLang="en-US" dirty="0" smtClean="0">
+                <a:hlinkClick r:id="rId1"/>
+              </a:rPr>
+              <a:t> 官网转换地址</a:t>
+            </a:r>
+            <a:endParaRPr lang="en-US" altLang="zh-CN" dirty="0" smtClean="0"/>
+          </a:p>
+          <a:p>
+            <a:r>
+              <a:rPr lang="en-US" altLang="zh-CN" dirty="0" err="1" smtClean="0">
                 <a:hlinkClick r:id="rId2"/>
               </a:rPr>
-              <a:t>Babel</a:t>
+              <a:t>createElement</a:t>
             </a:r>
             <a:r>
               <a:rPr lang="zh-CN" altLang="en-US" dirty="0" smtClean="0">
                 <a:hlinkClick r:id="rId2"/>
-              </a:rPr>
-              <a:t> 官网转换地址</a:t>
-            </a:r>
-            <a:endParaRPr lang="en-US" altLang="zh-CN" dirty="0" smtClean="0"/>
-          </a:p>
-          <a:p>
-            <a:r>
-              <a:rPr lang="en-US" altLang="zh-CN" dirty="0" err="1" smtClean="0">
-                <a:hlinkClick r:id="rId3"/>
-              </a:rPr>
-              <a:t>createElement</a:t>
-            </a:r>
-            <a:r>
-              <a:rPr lang="zh-CN" altLang="en-US" dirty="0" smtClean="0">
-                <a:hlinkClick r:id="rId3"/>
               </a:rPr>
               <a:t> 源码分析</a:t>
             </a:r>
@@ -13167,6 +13215,7 @@
               <a:rPr lang="zh-CN" altLang="en-US" dirty="0"/>
               <a:t>封闭，开放。具备高度的可重用性和可维护性。</a:t>
             </a:r>
+            <a:endParaRPr lang="zh-CN" altLang="en-US" dirty="0"/>
           </a:p>
           <a:p>
             <a:r>
@@ -13222,6 +13271,7 @@
               <a:rPr lang="en-US" altLang="zh-CN"/>
               <a:t>react v15</a:t>
             </a:r>
+            <a:endParaRPr lang="en-US" altLang="zh-CN"/>
           </a:p>
         </p:txBody>
       </p:sp>
@@ -13236,7 +13286,7 @@
           </p:nvPr>
         </p:nvPicPr>
         <p:blipFill>
-          <a:blip r:embed="rId2"/>
+          <a:blip r:embed="rId1"/>
           <a:stretch>
             <a:fillRect/>
           </a:stretch>
@@ -13302,6 +13352,7 @@
               <a:rPr lang="en-US" altLang="zh-CN" sz="2000"/>
               <a:t>constructor()</a:t>
             </a:r>
+            <a:endParaRPr lang="en-US" altLang="zh-CN" sz="2000"/>
           </a:p>
           <a:p>
             <a:endParaRPr lang="en-US" altLang="zh-CN" sz="2000"/>
@@ -13313,6 +13364,9 @@
               </a:rPr>
               <a:t>componentWillMount()</a:t>
             </a:r>
+            <a:endParaRPr lang="en-US" altLang="zh-CN" sz="2000">
+              <a:sym typeface="+mn-ea"/>
+            </a:endParaRPr>
           </a:p>
           <a:p>
             <a:endParaRPr lang="en-US" altLang="zh-CN" sz="2000"/>
@@ -13324,6 +13378,9 @@
               </a:rPr>
               <a:t>componentDidMount()</a:t>
             </a:r>
+            <a:endParaRPr lang="en-US" altLang="zh-CN" sz="2000">
+              <a:sym typeface="+mn-ea"/>
+            </a:endParaRPr>
           </a:p>
           <a:p>
             <a:endParaRPr lang="en-US" altLang="zh-CN" sz="2000"/>
@@ -13347,6 +13404,7 @@
               <a:rPr lang="en-US" altLang="zh-CN" sz="2000"/>
               <a:t>shouldComponentUpdate()</a:t>
             </a:r>
+            <a:endParaRPr lang="en-US" altLang="zh-CN" sz="2000"/>
           </a:p>
           <a:p>
             <a:endParaRPr lang="en-US" altLang="zh-CN" sz="2000"/>
@@ -13368,6 +13426,7 @@
               <a:rPr lang="en-US" altLang="zh-CN" sz="2000"/>
               <a:t>componentDidUpdate() // componentDidUpdate 则在组件更新完毕后被触发被用来处理 DOM 操作。</a:t>
             </a:r>
+            <a:endParaRPr lang="en-US" altLang="zh-CN" sz="2000"/>
           </a:p>
           <a:p>
             <a:endParaRPr lang="en-US" altLang="zh-CN" sz="2000"/>
@@ -13377,6 +13436,7 @@
               <a:rPr lang="en-US" altLang="zh-CN" sz="2000"/>
               <a:t>render()</a:t>
             </a:r>
+            <a:endParaRPr lang="en-US" altLang="zh-CN" sz="2000"/>
           </a:p>
           <a:p>
             <a:endParaRPr lang="en-US" altLang="zh-CN" sz="2000"/>
@@ -13386,6 +13446,7 @@
               <a:rPr lang="en-US" altLang="zh-CN" sz="2000"/>
               <a:t>componentWillUnmount() //触发时机?</a:t>
             </a:r>
+            <a:endParaRPr lang="en-US" altLang="zh-CN" sz="2000"/>
           </a:p>
         </p:txBody>
       </p:sp>
@@ -13434,6 +13495,7 @@
               <a:rPr lang="en-US" altLang="zh-CN"/>
               <a:t>react v16</a:t>
             </a:r>
+            <a:endParaRPr lang="en-US" altLang="zh-CN"/>
           </a:p>
         </p:txBody>
       </p:sp>
@@ -13448,7 +13510,7 @@
           </p:nvPr>
         </p:nvPicPr>
         <p:blipFill>
-          <a:blip r:embed="rId2"/>
+          <a:blip r:embed="rId1"/>
           <a:stretch>
             <a:fillRect/>
           </a:stretch>
@@ -13523,6 +13585,7 @@
               <a:rPr lang="zh-CN" altLang="en-US"/>
               <a:t>。</a:t>
             </a:r>
+            <a:endParaRPr lang="zh-CN" altLang="en-US"/>
           </a:p>
           <a:p>
             <a:pPr algn="l"/>
@@ -13534,6 +13597,7 @@
               <a:rPr lang="zh-CN" altLang="en-US" sz="2400"/>
               <a:t>* 静态方法不依赖组件实例而存在，因此你在这个方法内部是访问不到 this 的。因此无法做任何类似于 this.fetch()、不合理的 this.setState（会导致死循环的那种）这类可能会产生副作用的操作。</a:t>
             </a:r>
+            <a:endParaRPr lang="zh-CN" altLang="en-US" sz="2400"/>
           </a:p>
           <a:p>
             <a:pPr algn="l"/>
@@ -13545,6 +13609,7 @@
               <a:rPr lang="zh-CN" altLang="en-US" sz="2400"/>
               <a:t>* 挂载阶段输出的 props 正是初始化阶段父组件传进来的 this.props 对象；而 state 是 LifeCycle 组件自身的 state 对象。</a:t>
             </a:r>
+            <a:endParaRPr lang="zh-CN" altLang="en-US" sz="2400"/>
           </a:p>
           <a:p>
             <a:pPr algn="l"/>
@@ -13609,6 +13674,7 @@
               <a:rPr lang="zh-CN" altLang="en-US"/>
               <a:t>对比</a:t>
             </a:r>
+            <a:endParaRPr lang="zh-CN" altLang="en-US"/>
           </a:p>
         </p:txBody>
       </p:sp>
@@ -13623,7 +13689,7 @@
           </p:nvPr>
         </p:nvPicPr>
         <p:blipFill>
-          <a:blip r:embed="rId2"/>
+          <a:blip r:embed="rId1"/>
           <a:stretch>
             <a:fillRect/>
           </a:stretch>
@@ -13889,8 +13955,6 @@
       </a:bgFillStyleLst>
     </a:fmtScheme>
   </a:themeElements>
-  <a:objectDefaults/>
-  <a:extraClrSchemeLst/>
   <a:extLst>
     <a:ext uri="{05A4C25C-085E-4340-85A3-A5531E510DB2}">
       <thm15:themeFamily xmlns:thm15="http://schemas.microsoft.com/office/thememl/2012/main" name="Office Theme" id="{62F939B6-93AF-4DB8-9C6B-D6C7DFDC589F}" vid="{4A3C46E8-61CC-4603-A589-7422A47A8E4A}"/>

--- a/REACT/assets/react 分享.pptx
+++ b/REACT/assets/react 分享.pptx
@@ -8305,9 +8305,15 @@
 <p:sldMaster xmlns:a="http://schemas.openxmlformats.org/drawingml/2006/main" xmlns:r="http://schemas.openxmlformats.org/officeDocument/2006/relationships" xmlns:p="http://schemas.openxmlformats.org/presentationml/2006/main">
   <p:cSld>
     <p:bg>
-      <p:bgRef idx="1003">
-        <a:schemeClr val="bg2"/>
-      </p:bgRef>
+      <p:bgPr>
+        <a:solidFill>
+          <a:schemeClr val="bg1">
+            <a:lumMod val="95000"/>
+            <a:lumOff val="5000"/>
+          </a:schemeClr>
+        </a:solidFill>
+        <a:effectLst/>
+      </p:bgPr>
     </p:bg>
     <p:spTree>
       <p:nvGrpSpPr>
